--- a/Documents/Presentation.pptx
+++ b/Documents/Presentation.pptx
@@ -5,51 +5,50 @@
     <p:sldMasterId id="2147483676" r:id="rId1"/>
   </p:sldMasterIdLst>
   <p:notesMasterIdLst>
-    <p:notesMasterId r:id="rId8"/>
+    <p:notesMasterId r:id="rId7"/>
   </p:notesMasterIdLst>
   <p:sldIdLst>
     <p:sldId id="256" r:id="rId2"/>
-    <p:sldId id="257" r:id="rId3"/>
+    <p:sldId id="307" r:id="rId3"/>
     <p:sldId id="259" r:id="rId4"/>
-    <p:sldId id="258" r:id="rId5"/>
-    <p:sldId id="305" r:id="rId6"/>
-    <p:sldId id="306" r:id="rId7"/>
+    <p:sldId id="305" r:id="rId5"/>
+    <p:sldId id="306" r:id="rId6"/>
   </p:sldIdLst>
   <p:sldSz cx="9144000" cy="5143500" type="screen16x9"/>
   <p:notesSz cx="6858000" cy="9144000"/>
   <p:embeddedFontLst>
     <p:embeddedFont>
       <p:font typeface="Calibri" panose="020F0502020204030204" pitchFamily="34" charset="0"/>
-      <p:regular r:id="rId9"/>
-      <p:bold r:id="rId10"/>
-      <p:italic r:id="rId11"/>
-      <p:boldItalic r:id="rId12"/>
+      <p:regular r:id="rId8"/>
+      <p:bold r:id="rId9"/>
+      <p:italic r:id="rId10"/>
+      <p:boldItalic r:id="rId11"/>
     </p:embeddedFont>
     <p:embeddedFont>
-      <p:font typeface="Nunito Sans Black" pitchFamily="2" charset="0"/>
-      <p:bold r:id="rId13"/>
-      <p:boldItalic r:id="rId14"/>
+      <p:font typeface="Nunito Sans Black" pitchFamily="2" charset="-52"/>
+      <p:bold r:id="rId12"/>
+      <p:boldItalic r:id="rId13"/>
     </p:embeddedFont>
     <p:embeddedFont>
-      <p:font typeface="Nunito Sans ExtraBold" pitchFamily="2" charset="0"/>
-      <p:bold r:id="rId15"/>
-      <p:boldItalic r:id="rId16"/>
+      <p:font typeface="Nunito Sans ExtraBold" pitchFamily="2" charset="-52"/>
+      <p:bold r:id="rId14"/>
+      <p:boldItalic r:id="rId15"/>
     </p:embeddedFont>
     <p:embeddedFont>
-      <p:font typeface="Nunito Sans SemiBold" pitchFamily="2" charset="0"/>
-      <p:regular r:id="rId17"/>
-      <p:bold r:id="rId18"/>
-      <p:italic r:id="rId19"/>
-      <p:boldItalic r:id="rId20"/>
+      <p:font typeface="Nunito Sans SemiBold" pitchFamily="2" charset="-52"/>
+      <p:regular r:id="rId16"/>
+      <p:bold r:id="rId17"/>
+      <p:italic r:id="rId18"/>
+      <p:boldItalic r:id="rId19"/>
     </p:embeddedFont>
     <p:embeddedFont>
       <p:font typeface="Roboto Slab Light" panose="020B0604020202020204" charset="0"/>
-      <p:regular r:id="rId21"/>
-      <p:bold r:id="rId22"/>
+      <p:regular r:id="rId20"/>
+      <p:bold r:id="rId21"/>
     </p:embeddedFont>
     <p:embeddedFont>
       <p:font typeface="Squada One" panose="020B0604020202020204" charset="0"/>
-      <p:regular r:id="rId23"/>
+      <p:regular r:id="rId22"/>
     </p:embeddedFont>
   </p:embeddedFontLst>
   <p:defaultTextStyle>
@@ -1591,110 +1590,6 @@
   <p:cSld>
     <p:spTree>
       <p:nvGrpSpPr>
-        <p:cNvPr id="1" name="Shape 321"/>
-        <p:cNvGrpSpPr/>
-        <p:nvPr/>
-      </p:nvGrpSpPr>
-      <p:grpSpPr>
-        <a:xfrm>
-          <a:off x="0" y="0"/>
-          <a:ext cx="0" cy="0"/>
-          <a:chOff x="0" y="0"/>
-          <a:chExt cx="0" cy="0"/>
-        </a:xfrm>
-      </p:grpSpPr>
-      <p:sp>
-        <p:nvSpPr>
-          <p:cNvPr id="322" name="Google Shape;322;p2:notes"/>
-          <p:cNvSpPr txBox="1">
-            <a:spLocks noGrp="1"/>
-          </p:cNvSpPr>
-          <p:nvPr>
-            <p:ph type="body" idx="1"/>
-          </p:nvPr>
-        </p:nvSpPr>
-        <p:spPr>
-          <a:xfrm>
-            <a:off x="685800" y="4400550"/>
-            <a:ext cx="5486400" cy="3600450"/>
-          </a:xfrm>
-          <a:prstGeom prst="rect">
-            <a:avLst/>
-          </a:prstGeom>
-        </p:spPr>
-        <p:txBody>
-          <a:bodyPr spcFirstLastPara="1" wrap="square" lIns="91425" tIns="45700" rIns="91425" bIns="45700" anchor="t" anchorCtr="0">
-            <a:noAutofit/>
-          </a:bodyPr>
-          <a:lstStyle/>
-          <a:p>
-            <a:pPr marL="0" lvl="0" indent="0" algn="l" rtl="0">
-              <a:spcBef>
-                <a:spcPts val="0"/>
-              </a:spcBef>
-              <a:spcAft>
-                <a:spcPts val="0"/>
-              </a:spcAft>
-              <a:buNone/>
-            </a:pPr>
-            <a:endParaRPr/>
-          </a:p>
-        </p:txBody>
-      </p:sp>
-      <p:sp>
-        <p:nvSpPr>
-          <p:cNvPr id="323" name="Google Shape;323;p2:notes"/>
-          <p:cNvSpPr>
-            <a:spLocks noGrp="1" noRot="1" noChangeAspect="1"/>
-          </p:cNvSpPr>
-          <p:nvPr>
-            <p:ph type="sldImg" idx="2"/>
-          </p:nvPr>
-        </p:nvSpPr>
-        <p:spPr>
-          <a:xfrm>
-            <a:off x="685800" y="1143000"/>
-            <a:ext cx="5486400" cy="3086100"/>
-          </a:xfrm>
-          <a:custGeom>
-            <a:avLst/>
-            <a:gdLst/>
-            <a:ahLst/>
-            <a:cxnLst/>
-            <a:rect l="l" t="t" r="r" b="b"/>
-            <a:pathLst>
-              <a:path w="120000" h="120000" extrusionOk="0">
-                <a:moveTo>
-                  <a:pt x="0" y="0"/>
-                </a:moveTo>
-                <a:lnTo>
-                  <a:pt x="120000" y="0"/>
-                </a:lnTo>
-                <a:lnTo>
-                  <a:pt x="120000" y="120000"/>
-                </a:lnTo>
-                <a:lnTo>
-                  <a:pt x="0" y="120000"/>
-                </a:lnTo>
-                <a:close/>
-              </a:path>
-            </a:pathLst>
-          </a:custGeom>
-        </p:spPr>
-      </p:sp>
-    </p:spTree>
-  </p:cSld>
-  <p:clrMapOvr>
-    <a:masterClrMapping/>
-  </p:clrMapOvr>
-</p:notes>
-</file>
-
-<file path=ppt/notesSlides/notesSlide3.xml><?xml version="1.0" encoding="utf-8"?>
-<p:notes xmlns:a="http://schemas.openxmlformats.org/drawingml/2006/main" xmlns:r="http://schemas.openxmlformats.org/officeDocument/2006/relationships" xmlns:p="http://schemas.openxmlformats.org/presentationml/2006/main" showMasterSp="0" showMasterPhAnim="0">
-  <p:cSld>
-    <p:spTree>
-      <p:nvGrpSpPr>
         <p:cNvPr id="1" name="Shape 344"/>
         <p:cNvGrpSpPr/>
         <p:nvPr/>
@@ -1748,110 +1643,6 @@
       <p:sp>
         <p:nvSpPr>
           <p:cNvPr id="346" name="Google Shape;346;p4:notes"/>
-          <p:cNvSpPr>
-            <a:spLocks noGrp="1" noRot="1" noChangeAspect="1"/>
-          </p:cNvSpPr>
-          <p:nvPr>
-            <p:ph type="sldImg" idx="2"/>
-          </p:nvPr>
-        </p:nvSpPr>
-        <p:spPr>
-          <a:xfrm>
-            <a:off x="685800" y="1143000"/>
-            <a:ext cx="5486400" cy="3086100"/>
-          </a:xfrm>
-          <a:custGeom>
-            <a:avLst/>
-            <a:gdLst/>
-            <a:ahLst/>
-            <a:cxnLst/>
-            <a:rect l="l" t="t" r="r" b="b"/>
-            <a:pathLst>
-              <a:path w="120000" h="120000" extrusionOk="0">
-                <a:moveTo>
-                  <a:pt x="0" y="0"/>
-                </a:moveTo>
-                <a:lnTo>
-                  <a:pt x="120000" y="0"/>
-                </a:lnTo>
-                <a:lnTo>
-                  <a:pt x="120000" y="120000"/>
-                </a:lnTo>
-                <a:lnTo>
-                  <a:pt x="0" y="120000"/>
-                </a:lnTo>
-                <a:close/>
-              </a:path>
-            </a:pathLst>
-          </a:custGeom>
-        </p:spPr>
-      </p:sp>
-    </p:spTree>
-  </p:cSld>
-  <p:clrMapOvr>
-    <a:masterClrMapping/>
-  </p:clrMapOvr>
-</p:notes>
-</file>
-
-<file path=ppt/notesSlides/notesSlide4.xml><?xml version="1.0" encoding="utf-8"?>
-<p:notes xmlns:a="http://schemas.openxmlformats.org/drawingml/2006/main" xmlns:r="http://schemas.openxmlformats.org/officeDocument/2006/relationships" xmlns:p="http://schemas.openxmlformats.org/presentationml/2006/main" showMasterSp="0" showMasterPhAnim="0">
-  <p:cSld>
-    <p:spTree>
-      <p:nvGrpSpPr>
-        <p:cNvPr id="1" name="Shape 327"/>
-        <p:cNvGrpSpPr/>
-        <p:nvPr/>
-      </p:nvGrpSpPr>
-      <p:grpSpPr>
-        <a:xfrm>
-          <a:off x="0" y="0"/>
-          <a:ext cx="0" cy="0"/>
-          <a:chOff x="0" y="0"/>
-          <a:chExt cx="0" cy="0"/>
-        </a:xfrm>
-      </p:grpSpPr>
-      <p:sp>
-        <p:nvSpPr>
-          <p:cNvPr id="328" name="Google Shape;328;p3:notes"/>
-          <p:cNvSpPr txBox="1">
-            <a:spLocks noGrp="1"/>
-          </p:cNvSpPr>
-          <p:nvPr>
-            <p:ph type="body" idx="1"/>
-          </p:nvPr>
-        </p:nvSpPr>
-        <p:spPr>
-          <a:xfrm>
-            <a:off x="685800" y="4400550"/>
-            <a:ext cx="5486400" cy="3600450"/>
-          </a:xfrm>
-          <a:prstGeom prst="rect">
-            <a:avLst/>
-          </a:prstGeom>
-        </p:spPr>
-        <p:txBody>
-          <a:bodyPr spcFirstLastPara="1" wrap="square" lIns="91425" tIns="45700" rIns="91425" bIns="45700" anchor="t" anchorCtr="0">
-            <a:noAutofit/>
-          </a:bodyPr>
-          <a:lstStyle/>
-          <a:p>
-            <a:pPr marL="0" lvl="0" indent="0" algn="l" rtl="0">
-              <a:spcBef>
-                <a:spcPts val="0"/>
-              </a:spcBef>
-              <a:spcAft>
-                <a:spcPts val="0"/>
-              </a:spcAft>
-              <a:buNone/>
-            </a:pPr>
-            <a:endParaRPr/>
-          </a:p>
-        </p:txBody>
-      </p:sp>
-      <p:sp>
-        <p:nvSpPr>
-          <p:cNvPr id="329" name="Google Shape;329;p3:notes"/>
           <p:cNvSpPr>
             <a:spLocks noGrp="1" noRot="1" noChangeAspect="1"/>
           </p:cNvSpPr>
@@ -2992,4876 +2783,6 @@
 </file>
 
 <file path=ppt/slideLayouts/slideLayout2.xml><?xml version="1.0" encoding="utf-8"?>
-<p:sldLayout xmlns:a="http://schemas.openxmlformats.org/drawingml/2006/main" xmlns:r="http://schemas.openxmlformats.org/officeDocument/2006/relationships" xmlns:p="http://schemas.openxmlformats.org/presentationml/2006/main" matchingName="IMAGE + TITLE + SUBTITLE">
-  <p:cSld name="1_Diapositiva de título">
-    <p:bg>
-      <p:bgPr>
-        <a:gradFill>
-          <a:gsLst>
-            <a:gs pos="0">
-              <a:schemeClr val="accent1"/>
-            </a:gs>
-            <a:gs pos="100000">
-              <a:schemeClr val="accent2"/>
-            </a:gs>
-          </a:gsLst>
-          <a:path path="circle">
-            <a:fillToRect l="50000" t="50000" r="50000" b="50000"/>
-          </a:path>
-          <a:tileRect/>
-        </a:gradFill>
-        <a:effectLst/>
-      </p:bgPr>
-    </p:bg>
-    <p:spTree>
-      <p:nvGrpSpPr>
-        <p:cNvPr id="1" name="Shape 24"/>
-        <p:cNvGrpSpPr/>
-        <p:nvPr/>
-      </p:nvGrpSpPr>
-      <p:grpSpPr>
-        <a:xfrm>
-          <a:off x="0" y="0"/>
-          <a:ext cx="0" cy="0"/>
-          <a:chOff x="0" y="0"/>
-          <a:chExt cx="0" cy="0"/>
-        </a:xfrm>
-      </p:grpSpPr>
-      <p:sp>
-        <p:nvSpPr>
-          <p:cNvPr id="25" name="Google Shape;25;p3"/>
-          <p:cNvSpPr/>
-          <p:nvPr/>
-        </p:nvSpPr>
-        <p:spPr>
-          <a:xfrm flipH="1">
-            <a:off x="645900" y="1217100"/>
-            <a:ext cx="7260900" cy="2717100"/>
-          </a:xfrm>
-          <a:prstGeom prst="rect">
-            <a:avLst/>
-          </a:prstGeom>
-          <a:noFill/>
-          <a:ln w="28575" cap="flat" cmpd="sng">
-            <a:solidFill>
-              <a:schemeClr val="dk2"/>
-            </a:solidFill>
-            <a:prstDash val="solid"/>
-            <a:round/>
-            <a:headEnd type="none" w="sm" len="sm"/>
-            <a:tailEnd type="none" w="sm" len="sm"/>
-          </a:ln>
-        </p:spPr>
-        <p:txBody>
-          <a:bodyPr spcFirstLastPara="1" wrap="square" lIns="91425" tIns="91425" rIns="91425" bIns="91425" anchor="ctr" anchorCtr="0">
-            <a:noAutofit/>
-          </a:bodyPr>
-          <a:lstStyle/>
-          <a:p>
-            <a:pPr marL="0" lvl="0" indent="0" algn="l" rtl="0">
-              <a:spcBef>
-                <a:spcPts val="0"/>
-              </a:spcBef>
-              <a:spcAft>
-                <a:spcPts val="0"/>
-              </a:spcAft>
-              <a:buNone/>
-            </a:pPr>
-            <a:endParaRPr/>
-          </a:p>
-        </p:txBody>
-      </p:sp>
-      <p:sp>
-        <p:nvSpPr>
-          <p:cNvPr id="26" name="Google Shape;26;p3"/>
-          <p:cNvSpPr txBox="1">
-            <a:spLocks noGrp="1"/>
-          </p:cNvSpPr>
-          <p:nvPr>
-            <p:ph type="ctrTitle"/>
-          </p:nvPr>
-        </p:nvSpPr>
-        <p:spPr>
-          <a:xfrm>
-            <a:off x="1232914" y="1646636"/>
-            <a:ext cx="6634500" cy="1241400"/>
-          </a:xfrm>
-          <a:prstGeom prst="rect">
-            <a:avLst/>
-          </a:prstGeom>
-          <a:noFill/>
-          <a:ln>
-            <a:noFill/>
-          </a:ln>
-        </p:spPr>
-        <p:txBody>
-          <a:bodyPr spcFirstLastPara="1" wrap="square" lIns="68575" tIns="34275" rIns="68575" bIns="34275" anchor="b" anchorCtr="0">
-            <a:noAutofit/>
-          </a:bodyPr>
-          <a:lstStyle>
-            <a:lvl1pPr lvl="0" algn="ctr" rtl="0">
-              <a:lnSpc>
-                <a:spcPct val="90000"/>
-              </a:lnSpc>
-              <a:spcBef>
-                <a:spcPts val="0"/>
-              </a:spcBef>
-              <a:spcAft>
-                <a:spcPts val="0"/>
-              </a:spcAft>
-              <a:buClr>
-                <a:srgbClr val="FFFFFF"/>
-              </a:buClr>
-              <a:buSzPts val="7200"/>
-              <a:buNone/>
-              <a:defRPr sz="7200" b="0">
-                <a:solidFill>
-                  <a:srgbClr val="FFFFFF"/>
-                </a:solidFill>
-              </a:defRPr>
-            </a:lvl1pPr>
-            <a:lvl2pPr lvl="1" algn="ctr" rtl="0">
-              <a:spcBef>
-                <a:spcPts val="0"/>
-              </a:spcBef>
-              <a:spcAft>
-                <a:spcPts val="0"/>
-              </a:spcAft>
-              <a:buSzPts val="7200"/>
-              <a:buNone/>
-              <a:defRPr sz="7200"/>
-            </a:lvl2pPr>
-            <a:lvl3pPr lvl="2" algn="ctr" rtl="0">
-              <a:spcBef>
-                <a:spcPts val="0"/>
-              </a:spcBef>
-              <a:spcAft>
-                <a:spcPts val="0"/>
-              </a:spcAft>
-              <a:buSzPts val="7200"/>
-              <a:buNone/>
-              <a:defRPr sz="7200"/>
-            </a:lvl3pPr>
-            <a:lvl4pPr lvl="3" algn="ctr" rtl="0">
-              <a:spcBef>
-                <a:spcPts val="0"/>
-              </a:spcBef>
-              <a:spcAft>
-                <a:spcPts val="0"/>
-              </a:spcAft>
-              <a:buSzPts val="7200"/>
-              <a:buNone/>
-              <a:defRPr sz="7200"/>
-            </a:lvl4pPr>
-            <a:lvl5pPr lvl="4" algn="ctr" rtl="0">
-              <a:spcBef>
-                <a:spcPts val="0"/>
-              </a:spcBef>
-              <a:spcAft>
-                <a:spcPts val="0"/>
-              </a:spcAft>
-              <a:buSzPts val="7200"/>
-              <a:buNone/>
-              <a:defRPr sz="7200"/>
-            </a:lvl5pPr>
-            <a:lvl6pPr lvl="5" algn="ctr" rtl="0">
-              <a:spcBef>
-                <a:spcPts val="0"/>
-              </a:spcBef>
-              <a:spcAft>
-                <a:spcPts val="0"/>
-              </a:spcAft>
-              <a:buSzPts val="7200"/>
-              <a:buNone/>
-              <a:defRPr sz="7200"/>
-            </a:lvl6pPr>
-            <a:lvl7pPr lvl="6" algn="ctr" rtl="0">
-              <a:spcBef>
-                <a:spcPts val="0"/>
-              </a:spcBef>
-              <a:spcAft>
-                <a:spcPts val="0"/>
-              </a:spcAft>
-              <a:buSzPts val="7200"/>
-              <a:buNone/>
-              <a:defRPr sz="7200"/>
-            </a:lvl7pPr>
-            <a:lvl8pPr lvl="7" algn="ctr" rtl="0">
-              <a:spcBef>
-                <a:spcPts val="0"/>
-              </a:spcBef>
-              <a:spcAft>
-                <a:spcPts val="0"/>
-              </a:spcAft>
-              <a:buSzPts val="7200"/>
-              <a:buNone/>
-              <a:defRPr sz="7200"/>
-            </a:lvl8pPr>
-            <a:lvl9pPr lvl="8" algn="ctr" rtl="0">
-              <a:spcBef>
-                <a:spcPts val="0"/>
-              </a:spcBef>
-              <a:spcAft>
-                <a:spcPts val="0"/>
-              </a:spcAft>
-              <a:buSzPts val="7200"/>
-              <a:buNone/>
-              <a:defRPr sz="7200"/>
-            </a:lvl9pPr>
-          </a:lstStyle>
-          <a:p>
-            <a:endParaRPr/>
-          </a:p>
-        </p:txBody>
-      </p:sp>
-      <p:sp>
-        <p:nvSpPr>
-          <p:cNvPr id="27" name="Google Shape;27;p3"/>
-          <p:cNvSpPr txBox="1">
-            <a:spLocks noGrp="1"/>
-          </p:cNvSpPr>
-          <p:nvPr>
-            <p:ph type="subTitle" idx="1"/>
-          </p:nvPr>
-        </p:nvSpPr>
-        <p:spPr>
-          <a:xfrm>
-            <a:off x="3084811" y="2812511"/>
-            <a:ext cx="2930400" cy="380400"/>
-          </a:xfrm>
-          <a:prstGeom prst="rect">
-            <a:avLst/>
-          </a:prstGeom>
-          <a:noFill/>
-          <a:ln>
-            <a:noFill/>
-          </a:ln>
-        </p:spPr>
-        <p:txBody>
-          <a:bodyPr spcFirstLastPara="1" wrap="square" lIns="68575" tIns="34275" rIns="68575" bIns="34275" anchor="t" anchorCtr="0">
-            <a:noAutofit/>
-          </a:bodyPr>
-          <a:lstStyle>
-            <a:lvl1pPr lvl="0" algn="ctr" rtl="0">
-              <a:lnSpc>
-                <a:spcPct val="90000"/>
-              </a:lnSpc>
-              <a:spcBef>
-                <a:spcPts val="800"/>
-              </a:spcBef>
-              <a:spcAft>
-                <a:spcPts val="0"/>
-              </a:spcAft>
-              <a:buClr>
-                <a:srgbClr val="FFFFFF"/>
-              </a:buClr>
-              <a:buSzPts val="1200"/>
-              <a:buNone/>
-              <a:defRPr sz="1200">
-                <a:solidFill>
-                  <a:srgbClr val="FFFFFF"/>
-                </a:solidFill>
-              </a:defRPr>
-            </a:lvl1pPr>
-            <a:lvl2pPr lvl="1" algn="ctr" rtl="0">
-              <a:lnSpc>
-                <a:spcPct val="90000"/>
-              </a:lnSpc>
-              <a:spcBef>
-                <a:spcPts val="400"/>
-              </a:spcBef>
-              <a:spcAft>
-                <a:spcPts val="0"/>
-              </a:spcAft>
-              <a:buClr>
-                <a:schemeClr val="dk1"/>
-              </a:buClr>
-              <a:buSzPts val="1500"/>
-              <a:buNone/>
-              <a:defRPr sz="1500"/>
-            </a:lvl2pPr>
-            <a:lvl3pPr lvl="2" algn="ctr" rtl="0">
-              <a:lnSpc>
-                <a:spcPct val="90000"/>
-              </a:lnSpc>
-              <a:spcBef>
-                <a:spcPts val="400"/>
-              </a:spcBef>
-              <a:spcAft>
-                <a:spcPts val="0"/>
-              </a:spcAft>
-              <a:buClr>
-                <a:schemeClr val="dk1"/>
-              </a:buClr>
-              <a:buSzPts val="1400"/>
-              <a:buNone/>
-              <a:defRPr sz="1400"/>
-            </a:lvl3pPr>
-            <a:lvl4pPr lvl="3" algn="ctr" rtl="0">
-              <a:lnSpc>
-                <a:spcPct val="90000"/>
-              </a:lnSpc>
-              <a:spcBef>
-                <a:spcPts val="400"/>
-              </a:spcBef>
-              <a:spcAft>
-                <a:spcPts val="0"/>
-              </a:spcAft>
-              <a:buClr>
-                <a:schemeClr val="dk1"/>
-              </a:buClr>
-              <a:buSzPts val="1200"/>
-              <a:buNone/>
-              <a:defRPr sz="1200"/>
-            </a:lvl4pPr>
-            <a:lvl5pPr lvl="4" algn="ctr" rtl="0">
-              <a:lnSpc>
-                <a:spcPct val="90000"/>
-              </a:lnSpc>
-              <a:spcBef>
-                <a:spcPts val="400"/>
-              </a:spcBef>
-              <a:spcAft>
-                <a:spcPts val="0"/>
-              </a:spcAft>
-              <a:buClr>
-                <a:schemeClr val="dk1"/>
-              </a:buClr>
-              <a:buSzPts val="1200"/>
-              <a:buNone/>
-              <a:defRPr sz="1200"/>
-            </a:lvl5pPr>
-            <a:lvl6pPr lvl="5" algn="ctr" rtl="0">
-              <a:lnSpc>
-                <a:spcPct val="90000"/>
-              </a:lnSpc>
-              <a:spcBef>
-                <a:spcPts val="400"/>
-              </a:spcBef>
-              <a:spcAft>
-                <a:spcPts val="0"/>
-              </a:spcAft>
-              <a:buClr>
-                <a:schemeClr val="dk1"/>
-              </a:buClr>
-              <a:buSzPts val="1200"/>
-              <a:buNone/>
-              <a:defRPr sz="1200"/>
-            </a:lvl6pPr>
-            <a:lvl7pPr lvl="6" algn="ctr" rtl="0">
-              <a:lnSpc>
-                <a:spcPct val="90000"/>
-              </a:lnSpc>
-              <a:spcBef>
-                <a:spcPts val="400"/>
-              </a:spcBef>
-              <a:spcAft>
-                <a:spcPts val="0"/>
-              </a:spcAft>
-              <a:buClr>
-                <a:schemeClr val="dk1"/>
-              </a:buClr>
-              <a:buSzPts val="1200"/>
-              <a:buNone/>
-              <a:defRPr sz="1200"/>
-            </a:lvl7pPr>
-            <a:lvl8pPr lvl="7" algn="ctr" rtl="0">
-              <a:lnSpc>
-                <a:spcPct val="90000"/>
-              </a:lnSpc>
-              <a:spcBef>
-                <a:spcPts val="400"/>
-              </a:spcBef>
-              <a:spcAft>
-                <a:spcPts val="0"/>
-              </a:spcAft>
-              <a:buClr>
-                <a:schemeClr val="dk1"/>
-              </a:buClr>
-              <a:buSzPts val="1200"/>
-              <a:buNone/>
-              <a:defRPr sz="1200"/>
-            </a:lvl8pPr>
-            <a:lvl9pPr lvl="8" algn="ctr" rtl="0">
-              <a:lnSpc>
-                <a:spcPct val="90000"/>
-              </a:lnSpc>
-              <a:spcBef>
-                <a:spcPts val="400"/>
-              </a:spcBef>
-              <a:spcAft>
-                <a:spcPts val="0"/>
-              </a:spcAft>
-              <a:buClr>
-                <a:schemeClr val="dk1"/>
-              </a:buClr>
-              <a:buSzPts val="1200"/>
-              <a:buNone/>
-              <a:defRPr sz="1200"/>
-            </a:lvl9pPr>
-          </a:lstStyle>
-          <a:p>
-            <a:endParaRPr/>
-          </a:p>
-        </p:txBody>
-      </p:sp>
-      <p:sp>
-        <p:nvSpPr>
-          <p:cNvPr id="28" name="Google Shape;28;p3"/>
-          <p:cNvSpPr/>
-          <p:nvPr/>
-        </p:nvSpPr>
-        <p:spPr>
-          <a:xfrm flipH="1">
-            <a:off x="6179302" y="1299294"/>
-            <a:ext cx="2964712" cy="3316107"/>
-          </a:xfrm>
-          <a:custGeom>
-            <a:avLst/>
-            <a:gdLst/>
-            <a:ahLst/>
-            <a:cxnLst/>
-            <a:rect l="l" t="t" r="r" b="b"/>
-            <a:pathLst>
-              <a:path w="51204" h="57273" extrusionOk="0">
-                <a:moveTo>
-                  <a:pt x="8598" y="1"/>
-                </a:moveTo>
-                <a:lnTo>
-                  <a:pt x="0" y="21597"/>
-                </a:lnTo>
-                <a:lnTo>
-                  <a:pt x="11012" y="45939"/>
-                </a:lnTo>
-                <a:cubicBezTo>
-                  <a:pt x="11012" y="45939"/>
-                  <a:pt x="26937" y="57273"/>
-                  <a:pt x="34889" y="57273"/>
-                </a:cubicBezTo>
-                <a:cubicBezTo>
-                  <a:pt x="35092" y="57273"/>
-                  <a:pt x="35289" y="57265"/>
-                  <a:pt x="35482" y="57250"/>
-                </a:cubicBezTo>
-                <a:cubicBezTo>
-                  <a:pt x="43193" y="56631"/>
-                  <a:pt x="51204" y="42938"/>
-                  <a:pt x="45960" y="35023"/>
-                </a:cubicBezTo>
-                <a:cubicBezTo>
-                  <a:pt x="44317" y="32544"/>
-                  <a:pt x="41903" y="31781"/>
-                  <a:pt x="39361" y="31781"/>
-                </a:cubicBezTo>
-                <a:cubicBezTo>
-                  <a:pt x="35279" y="31781"/>
-                  <a:pt x="30867" y="33751"/>
-                  <a:pt x="28798" y="33751"/>
-                </a:cubicBezTo>
-                <a:cubicBezTo>
-                  <a:pt x="28042" y="33751"/>
-                  <a:pt x="27599" y="33488"/>
-                  <a:pt x="27599" y="32770"/>
-                </a:cubicBezTo>
-                <a:cubicBezTo>
-                  <a:pt x="27599" y="28871"/>
-                  <a:pt x="38515" y="24994"/>
-                  <a:pt x="36753" y="15007"/>
-                </a:cubicBezTo>
-                <a:cubicBezTo>
-                  <a:pt x="34446" y="1976"/>
-                  <a:pt x="8598" y="1"/>
-                  <a:pt x="8598" y="1"/>
-                </a:cubicBezTo>
-                <a:close/>
-              </a:path>
-            </a:pathLst>
-          </a:custGeom>
-          <a:gradFill>
-            <a:gsLst>
-              <a:gs pos="0">
-                <a:schemeClr val="accent1"/>
-              </a:gs>
-              <a:gs pos="100000">
-                <a:schemeClr val="accent2"/>
-              </a:gs>
-            </a:gsLst>
-            <a:path path="circle">
-              <a:fillToRect l="50000" t="50000" r="50000" b="50000"/>
-            </a:path>
-            <a:tileRect/>
-          </a:gradFill>
-          <a:ln>
-            <a:noFill/>
-          </a:ln>
-          <a:effectLst>
-            <a:outerShdw blurRad="142875" dist="19050" dir="5400000" algn="bl" rotWithShape="0">
-              <a:srgbClr val="000000">
-                <a:alpha val="50000"/>
-              </a:srgbClr>
-            </a:outerShdw>
-          </a:effectLst>
-        </p:spPr>
-        <p:txBody>
-          <a:bodyPr spcFirstLastPara="1" wrap="square" lIns="91425" tIns="91425" rIns="91425" bIns="91425" anchor="ctr" anchorCtr="0">
-            <a:noAutofit/>
-          </a:bodyPr>
-          <a:lstStyle/>
-          <a:p>
-            <a:pPr marL="0" lvl="0" indent="0" algn="l" rtl="0">
-              <a:spcBef>
-                <a:spcPts val="0"/>
-              </a:spcBef>
-              <a:spcAft>
-                <a:spcPts val="0"/>
-              </a:spcAft>
-              <a:buNone/>
-            </a:pPr>
-            <a:endParaRPr/>
-          </a:p>
-        </p:txBody>
-      </p:sp>
-      <p:sp>
-        <p:nvSpPr>
-          <p:cNvPr id="29" name="Google Shape;29;p3"/>
-          <p:cNvSpPr/>
-          <p:nvPr/>
-        </p:nvSpPr>
-        <p:spPr>
-          <a:xfrm flipH="1">
-            <a:off x="5723512" y="1807662"/>
-            <a:ext cx="3358026" cy="3335793"/>
-          </a:xfrm>
-          <a:custGeom>
-            <a:avLst/>
-            <a:gdLst/>
-            <a:ahLst/>
-            <a:cxnLst/>
-            <a:rect l="l" t="t" r="r" b="b"/>
-            <a:pathLst>
-              <a:path w="57997" h="57613" extrusionOk="0">
-                <a:moveTo>
-                  <a:pt x="10584" y="0"/>
-                </a:moveTo>
-                <a:cubicBezTo>
-                  <a:pt x="10895" y="4689"/>
-                  <a:pt x="14494" y="9998"/>
-                  <a:pt x="14195" y="14643"/>
-                </a:cubicBezTo>
-                <a:cubicBezTo>
-                  <a:pt x="13746" y="21597"/>
-                  <a:pt x="0" y="20197"/>
-                  <a:pt x="321" y="27759"/>
-                </a:cubicBezTo>
-                <a:cubicBezTo>
-                  <a:pt x="641" y="35322"/>
-                  <a:pt x="14771" y="31082"/>
-                  <a:pt x="13458" y="42873"/>
-                </a:cubicBezTo>
-                <a:cubicBezTo>
-                  <a:pt x="12470" y="51745"/>
-                  <a:pt x="16227" y="55433"/>
-                  <a:pt x="21239" y="55433"/>
-                </a:cubicBezTo>
-                <a:cubicBezTo>
-                  <a:pt x="22894" y="55433"/>
-                  <a:pt x="24686" y="55031"/>
-                  <a:pt x="26489" y="54280"/>
-                </a:cubicBezTo>
-                <a:cubicBezTo>
-                  <a:pt x="30728" y="52514"/>
-                  <a:pt x="35329" y="51271"/>
-                  <a:pt x="39235" y="51271"/>
-                </a:cubicBezTo>
-                <a:cubicBezTo>
-                  <a:pt x="43832" y="51271"/>
-                  <a:pt x="47464" y="52993"/>
-                  <a:pt x="48406" y="57613"/>
-                </a:cubicBezTo>
-                <a:lnTo>
-                  <a:pt x="57997" y="57613"/>
-                </a:lnTo>
-                <a:cubicBezTo>
-                  <a:pt x="52464" y="53276"/>
-                  <a:pt x="55412" y="45767"/>
-                  <a:pt x="51001" y="41858"/>
-                </a:cubicBezTo>
-                <a:cubicBezTo>
-                  <a:pt x="49295" y="40343"/>
-                  <a:pt x="47314" y="39797"/>
-                  <a:pt x="45253" y="39797"/>
-                </a:cubicBezTo>
-                <a:cubicBezTo>
-                  <a:pt x="39952" y="39797"/>
-                  <a:pt x="34117" y="43403"/>
-                  <a:pt x="31068" y="43403"/>
-                </a:cubicBezTo>
-                <a:cubicBezTo>
-                  <a:pt x="30230" y="43403"/>
-                  <a:pt x="29602" y="43131"/>
-                  <a:pt x="29254" y="42435"/>
-                </a:cubicBezTo>
-                <a:cubicBezTo>
-                  <a:pt x="27151" y="38227"/>
-                  <a:pt x="30921" y="35204"/>
-                  <a:pt x="26659" y="32620"/>
-                </a:cubicBezTo>
-                <a:cubicBezTo>
-                  <a:pt x="25858" y="32128"/>
-                  <a:pt x="24555" y="31957"/>
-                  <a:pt x="23071" y="31829"/>
-                </a:cubicBezTo>
-                <a:cubicBezTo>
-                  <a:pt x="20411" y="31583"/>
-                  <a:pt x="17741" y="31573"/>
-                  <a:pt x="19354" y="27759"/>
-                </a:cubicBezTo>
-                <a:cubicBezTo>
-                  <a:pt x="21191" y="23423"/>
-                  <a:pt x="29992" y="20091"/>
-                  <a:pt x="25784" y="11204"/>
-                </a:cubicBezTo>
-                <a:cubicBezTo>
-                  <a:pt x="23199" y="5757"/>
-                  <a:pt x="15872" y="2051"/>
-                  <a:pt x="10584" y="0"/>
-                </a:cubicBezTo>
-                <a:close/>
-              </a:path>
-            </a:pathLst>
-          </a:custGeom>
-          <a:gradFill>
-            <a:gsLst>
-              <a:gs pos="0">
-                <a:schemeClr val="accent1"/>
-              </a:gs>
-              <a:gs pos="100000">
-                <a:schemeClr val="accent2"/>
-              </a:gs>
-            </a:gsLst>
-            <a:path path="circle">
-              <a:fillToRect l="50000" t="50000" r="50000" b="50000"/>
-            </a:path>
-            <a:tileRect/>
-          </a:gradFill>
-          <a:ln>
-            <a:noFill/>
-          </a:ln>
-          <a:effectLst>
-            <a:outerShdw blurRad="142875" dist="19050" dir="5400000" algn="bl" rotWithShape="0">
-              <a:srgbClr val="000000">
-                <a:alpha val="50000"/>
-              </a:srgbClr>
-            </a:outerShdw>
-          </a:effectLst>
-        </p:spPr>
-        <p:txBody>
-          <a:bodyPr spcFirstLastPara="1" wrap="square" lIns="91425" tIns="91425" rIns="91425" bIns="91425" anchor="ctr" anchorCtr="0">
-            <a:noAutofit/>
-          </a:bodyPr>
-          <a:lstStyle/>
-          <a:p>
-            <a:pPr marL="0" lvl="0" indent="0" algn="l" rtl="0">
-              <a:spcBef>
-                <a:spcPts val="0"/>
-              </a:spcBef>
-              <a:spcAft>
-                <a:spcPts val="0"/>
-              </a:spcAft>
-              <a:buNone/>
-            </a:pPr>
-            <a:endParaRPr/>
-          </a:p>
-        </p:txBody>
-      </p:sp>
-      <p:sp>
-        <p:nvSpPr>
-          <p:cNvPr id="30" name="Google Shape;30;p3"/>
-          <p:cNvSpPr/>
-          <p:nvPr/>
-        </p:nvSpPr>
-        <p:spPr>
-          <a:xfrm flipH="1">
-            <a:off x="0" y="1295108"/>
-            <a:ext cx="1550864" cy="3792135"/>
-          </a:xfrm>
-          <a:custGeom>
-            <a:avLst/>
-            <a:gdLst/>
-            <a:ahLst/>
-            <a:cxnLst/>
-            <a:rect l="l" t="t" r="r" b="b"/>
-            <a:pathLst>
-              <a:path w="21587" h="52784" extrusionOk="0">
-                <a:moveTo>
-                  <a:pt x="14180" y="0"/>
-                </a:moveTo>
-                <a:cubicBezTo>
-                  <a:pt x="13936" y="0"/>
-                  <a:pt x="13684" y="8"/>
-                  <a:pt x="13426" y="24"/>
-                </a:cubicBezTo>
-                <a:cubicBezTo>
-                  <a:pt x="13191" y="1124"/>
-                  <a:pt x="12924" y="2181"/>
-                  <a:pt x="12593" y="3121"/>
-                </a:cubicBezTo>
-                <a:cubicBezTo>
-                  <a:pt x="9325" y="12542"/>
-                  <a:pt x="1207" y="11356"/>
-                  <a:pt x="588" y="16013"/>
-                </a:cubicBezTo>
-                <a:cubicBezTo>
-                  <a:pt x="0" y="20424"/>
-                  <a:pt x="5907" y="19901"/>
-                  <a:pt x="6954" y="24397"/>
-                </a:cubicBezTo>
-                <a:cubicBezTo>
-                  <a:pt x="8342" y="30347"/>
-                  <a:pt x="961" y="32547"/>
-                  <a:pt x="3888" y="43591"/>
-                </a:cubicBezTo>
-                <a:cubicBezTo>
-                  <a:pt x="6046" y="51713"/>
-                  <a:pt x="15827" y="52784"/>
-                  <a:pt x="20874" y="52784"/>
-                </a:cubicBezTo>
-                <a:cubicBezTo>
-                  <a:pt x="21124" y="52784"/>
-                  <a:pt x="21362" y="52781"/>
-                  <a:pt x="21586" y="52777"/>
-                </a:cubicBezTo>
-                <a:lnTo>
-                  <a:pt x="21586" y="42106"/>
-                </a:lnTo>
-                <a:cubicBezTo>
-                  <a:pt x="17132" y="40782"/>
-                  <a:pt x="13479" y="37353"/>
-                  <a:pt x="12508" y="30347"/>
-                </a:cubicBezTo>
-                <a:cubicBezTo>
-                  <a:pt x="11546" y="23436"/>
-                  <a:pt x="16246" y="14988"/>
-                  <a:pt x="18275" y="8077"/>
-                </a:cubicBezTo>
-                <a:cubicBezTo>
-                  <a:pt x="19140" y="5119"/>
-                  <a:pt x="18980" y="1872"/>
-                  <a:pt x="17165" y="664"/>
-                </a:cubicBezTo>
-                <a:cubicBezTo>
-                  <a:pt x="16485" y="209"/>
-                  <a:pt x="15432" y="0"/>
-                  <a:pt x="14180" y="0"/>
-                </a:cubicBezTo>
-                <a:close/>
-              </a:path>
-            </a:pathLst>
-          </a:custGeom>
-          <a:gradFill>
-            <a:gsLst>
-              <a:gs pos="0">
-                <a:schemeClr val="accent1"/>
-              </a:gs>
-              <a:gs pos="100000">
-                <a:schemeClr val="accent2"/>
-              </a:gs>
-            </a:gsLst>
-            <a:path path="circle">
-              <a:fillToRect l="50000" t="50000" r="50000" b="50000"/>
-            </a:path>
-            <a:tileRect/>
-          </a:gradFill>
-          <a:ln>
-            <a:noFill/>
-          </a:ln>
-          <a:effectLst>
-            <a:outerShdw blurRad="142875" dist="19050" dir="9900000" algn="bl" rotWithShape="0">
-              <a:srgbClr val="000000">
-                <a:alpha val="50000"/>
-              </a:srgbClr>
-            </a:outerShdw>
-          </a:effectLst>
-        </p:spPr>
-        <p:txBody>
-          <a:bodyPr spcFirstLastPara="1" wrap="square" lIns="91425" tIns="91425" rIns="91425" bIns="91425" anchor="ctr" anchorCtr="0">
-            <a:noAutofit/>
-          </a:bodyPr>
-          <a:lstStyle/>
-          <a:p>
-            <a:pPr marL="0" lvl="0" indent="0" algn="l" rtl="0">
-              <a:spcBef>
-                <a:spcPts val="0"/>
-              </a:spcBef>
-              <a:spcAft>
-                <a:spcPts val="0"/>
-              </a:spcAft>
-              <a:buNone/>
-            </a:pPr>
-            <a:endParaRPr/>
-          </a:p>
-        </p:txBody>
-      </p:sp>
-      <p:sp>
-        <p:nvSpPr>
-          <p:cNvPr id="31" name="Google Shape;31;p3"/>
-          <p:cNvSpPr/>
-          <p:nvPr/>
-        </p:nvSpPr>
-        <p:spPr>
-          <a:xfrm flipH="1">
-            <a:off x="6187292" y="0"/>
-            <a:ext cx="2956721" cy="5143431"/>
-          </a:xfrm>
-          <a:custGeom>
-            <a:avLst/>
-            <a:gdLst/>
-            <a:ahLst/>
-            <a:cxnLst/>
-            <a:rect l="l" t="t" r="r" b="b"/>
-            <a:pathLst>
-              <a:path w="51066" h="88833" extrusionOk="0">
-                <a:moveTo>
-                  <a:pt x="0" y="0"/>
-                </a:moveTo>
-                <a:lnTo>
-                  <a:pt x="0" y="88833"/>
-                </a:lnTo>
-                <a:lnTo>
-                  <a:pt x="49485" y="88833"/>
-                </a:lnTo>
-                <a:cubicBezTo>
-                  <a:pt x="48543" y="84213"/>
-                  <a:pt x="44911" y="82491"/>
-                  <a:pt x="40314" y="82491"/>
-                </a:cubicBezTo>
-                <a:cubicBezTo>
-                  <a:pt x="36408" y="82491"/>
-                  <a:pt x="31807" y="83734"/>
-                  <a:pt x="27568" y="85500"/>
-                </a:cubicBezTo>
-                <a:cubicBezTo>
-                  <a:pt x="25765" y="86251"/>
-                  <a:pt x="23973" y="86653"/>
-                  <a:pt x="22318" y="86653"/>
-                </a:cubicBezTo>
-                <a:cubicBezTo>
-                  <a:pt x="17306" y="86653"/>
-                  <a:pt x="13549" y="82965"/>
-                  <a:pt x="14537" y="74093"/>
-                </a:cubicBezTo>
-                <a:cubicBezTo>
-                  <a:pt x="15850" y="62302"/>
-                  <a:pt x="1720" y="66542"/>
-                  <a:pt x="1400" y="58979"/>
-                </a:cubicBezTo>
-                <a:cubicBezTo>
-                  <a:pt x="1079" y="51417"/>
-                  <a:pt x="14825" y="52817"/>
-                  <a:pt x="15274" y="45863"/>
-                </a:cubicBezTo>
-                <a:cubicBezTo>
-                  <a:pt x="15722" y="38900"/>
-                  <a:pt x="7424" y="30494"/>
-                  <a:pt x="14537" y="24822"/>
-                </a:cubicBezTo>
-                <a:cubicBezTo>
-                  <a:pt x="17520" y="22447"/>
-                  <a:pt x="21645" y="22322"/>
-                  <a:pt x="26088" y="22322"/>
-                </a:cubicBezTo>
-                <a:cubicBezTo>
-                  <a:pt x="26612" y="22322"/>
-                  <a:pt x="27140" y="22324"/>
-                  <a:pt x="27671" y="22324"/>
-                </a:cubicBezTo>
-                <a:cubicBezTo>
-                  <a:pt x="33394" y="22324"/>
-                  <a:pt x="39475" y="22122"/>
-                  <a:pt x="44230" y="17367"/>
-                </a:cubicBezTo>
-                <a:cubicBezTo>
-                  <a:pt x="49046" y="12550"/>
-                  <a:pt x="50724" y="5960"/>
-                  <a:pt x="51065" y="0"/>
-                </a:cubicBezTo>
-                <a:close/>
-              </a:path>
-            </a:pathLst>
-          </a:custGeom>
-          <a:gradFill>
-            <a:gsLst>
-              <a:gs pos="0">
-                <a:schemeClr val="accent1"/>
-              </a:gs>
-              <a:gs pos="100000">
-                <a:schemeClr val="accent2"/>
-              </a:gs>
-            </a:gsLst>
-            <a:path path="circle">
-              <a:fillToRect l="50000" t="50000" r="50000" b="50000"/>
-            </a:path>
-            <a:tileRect/>
-          </a:gradFill>
-          <a:ln>
-            <a:noFill/>
-          </a:ln>
-          <a:effectLst>
-            <a:outerShdw blurRad="142875" dist="19050" dir="5400000" algn="bl" rotWithShape="0">
-              <a:srgbClr val="000000">
-                <a:alpha val="50000"/>
-              </a:srgbClr>
-            </a:outerShdw>
-          </a:effectLst>
-        </p:spPr>
-        <p:txBody>
-          <a:bodyPr spcFirstLastPara="1" wrap="square" lIns="91425" tIns="91425" rIns="91425" bIns="91425" anchor="ctr" anchorCtr="0">
-            <a:noAutofit/>
-          </a:bodyPr>
-          <a:lstStyle/>
-          <a:p>
-            <a:pPr marL="0" lvl="0" indent="0" algn="l" rtl="0">
-              <a:spcBef>
-                <a:spcPts val="0"/>
-              </a:spcBef>
-              <a:spcAft>
-                <a:spcPts val="0"/>
-              </a:spcAft>
-              <a:buNone/>
-            </a:pPr>
-            <a:endParaRPr/>
-          </a:p>
-        </p:txBody>
-      </p:sp>
-      <p:sp>
-        <p:nvSpPr>
-          <p:cNvPr id="32" name="Google Shape;32;p3"/>
-          <p:cNvSpPr/>
-          <p:nvPr/>
-        </p:nvSpPr>
-        <p:spPr>
-          <a:xfrm flipH="1">
-            <a:off x="5" y="0"/>
-            <a:ext cx="2593658" cy="4320177"/>
-          </a:xfrm>
-          <a:custGeom>
-            <a:avLst/>
-            <a:gdLst/>
-            <a:ahLst/>
-            <a:cxnLst/>
-            <a:rect l="l" t="t" r="r" b="b"/>
-            <a:pathLst>
-              <a:path w="36102" h="60134" extrusionOk="0">
-                <a:moveTo>
-                  <a:pt x="0" y="0"/>
-                </a:moveTo>
-                <a:cubicBezTo>
-                  <a:pt x="566" y="2233"/>
-                  <a:pt x="2585" y="6804"/>
-                  <a:pt x="9634" y="7103"/>
-                </a:cubicBezTo>
-                <a:cubicBezTo>
-                  <a:pt x="9780" y="7109"/>
-                  <a:pt x="9926" y="7112"/>
-                  <a:pt x="10073" y="7112"/>
-                </a:cubicBezTo>
-                <a:cubicBezTo>
-                  <a:pt x="15462" y="7112"/>
-                  <a:pt x="22105" y="3128"/>
-                  <a:pt x="25894" y="3128"/>
-                </a:cubicBezTo>
-                <a:cubicBezTo>
-                  <a:pt x="27071" y="3128"/>
-                  <a:pt x="27972" y="3512"/>
-                  <a:pt x="28475" y="4518"/>
-                </a:cubicBezTo>
-                <a:cubicBezTo>
-                  <a:pt x="29565" y="6686"/>
-                  <a:pt x="27738" y="12133"/>
-                  <a:pt x="20389" y="16085"/>
-                </a:cubicBezTo>
-                <a:cubicBezTo>
-                  <a:pt x="12785" y="20176"/>
-                  <a:pt x="7466" y="20561"/>
-                  <a:pt x="6996" y="23808"/>
-                </a:cubicBezTo>
-                <a:cubicBezTo>
-                  <a:pt x="6700" y="25856"/>
-                  <a:pt x="8069" y="27061"/>
-                  <a:pt x="9838" y="27061"/>
-                </a:cubicBezTo>
-                <a:cubicBezTo>
-                  <a:pt x="11002" y="27061"/>
-                  <a:pt x="12340" y="26538"/>
-                  <a:pt x="13490" y="25389"/>
-                </a:cubicBezTo>
-                <a:cubicBezTo>
-                  <a:pt x="15092" y="23787"/>
-                  <a:pt x="17036" y="21938"/>
-                  <a:pt x="19482" y="20571"/>
-                </a:cubicBezTo>
-                <a:cubicBezTo>
-                  <a:pt x="22293" y="19013"/>
-                  <a:pt x="25960" y="18031"/>
-                  <a:pt x="28689" y="18031"/>
-                </a:cubicBezTo>
-                <a:cubicBezTo>
-                  <a:pt x="29942" y="18031"/>
-                  <a:pt x="30997" y="18238"/>
-                  <a:pt x="31680" y="18691"/>
-                </a:cubicBezTo>
-                <a:cubicBezTo>
-                  <a:pt x="33495" y="19899"/>
-                  <a:pt x="33655" y="23146"/>
-                  <a:pt x="32790" y="26104"/>
-                </a:cubicBezTo>
-                <a:cubicBezTo>
-                  <a:pt x="30761" y="33015"/>
-                  <a:pt x="26061" y="41463"/>
-                  <a:pt x="27023" y="48374"/>
-                </a:cubicBezTo>
-                <a:cubicBezTo>
-                  <a:pt x="27994" y="55380"/>
-                  <a:pt x="31647" y="58809"/>
-                  <a:pt x="36101" y="60133"/>
-                </a:cubicBezTo>
-                <a:lnTo>
-                  <a:pt x="36101" y="0"/>
-                </a:lnTo>
-                <a:close/>
-              </a:path>
-            </a:pathLst>
-          </a:custGeom>
-          <a:gradFill>
-            <a:gsLst>
-              <a:gs pos="0">
-                <a:schemeClr val="accent1"/>
-              </a:gs>
-              <a:gs pos="100000">
-                <a:schemeClr val="accent2"/>
-              </a:gs>
-            </a:gsLst>
-            <a:path path="circle">
-              <a:fillToRect l="50000" t="50000" r="50000" b="50000"/>
-            </a:path>
-            <a:tileRect/>
-          </a:gradFill>
-          <a:ln>
-            <a:noFill/>
-          </a:ln>
-          <a:effectLst>
-            <a:outerShdw blurRad="142875" dist="19050" dir="9900000" algn="bl" rotWithShape="0">
-              <a:srgbClr val="000000">
-                <a:alpha val="50000"/>
-              </a:srgbClr>
-            </a:outerShdw>
-          </a:effectLst>
-        </p:spPr>
-        <p:txBody>
-          <a:bodyPr spcFirstLastPara="1" wrap="square" lIns="91425" tIns="91425" rIns="91425" bIns="91425" anchor="ctr" anchorCtr="0">
-            <a:noAutofit/>
-          </a:bodyPr>
-          <a:lstStyle/>
-          <a:p>
-            <a:pPr marL="0" lvl="0" indent="0" algn="l" rtl="0">
-              <a:spcBef>
-                <a:spcPts val="0"/>
-              </a:spcBef>
-              <a:spcAft>
-                <a:spcPts val="0"/>
-              </a:spcAft>
-              <a:buNone/>
-            </a:pPr>
-            <a:endParaRPr/>
-          </a:p>
-        </p:txBody>
-      </p:sp>
-    </p:spTree>
-  </p:cSld>
-  <p:clrMapOvr>
-    <a:masterClrMapping/>
-  </p:clrMapOvr>
-</p:sldLayout>
-</file>
-
-<file path=ppt/slideLayouts/slideLayout3.xml><?xml version="1.0" encoding="utf-8"?>
-<p:sldLayout xmlns:a="http://schemas.openxmlformats.org/drawingml/2006/main" xmlns:r="http://schemas.openxmlformats.org/officeDocument/2006/relationships" xmlns:p="http://schemas.openxmlformats.org/presentationml/2006/main" matchingName="TABLE OF CONTENTS">
-  <p:cSld name="Título y objetos">
-    <p:bg>
-      <p:bgPr>
-        <a:gradFill>
-          <a:gsLst>
-            <a:gs pos="0">
-              <a:schemeClr val="accent1"/>
-            </a:gs>
-            <a:gs pos="100000">
-              <a:schemeClr val="accent2"/>
-            </a:gs>
-          </a:gsLst>
-          <a:path path="circle">
-            <a:fillToRect l="50000" t="50000" r="50000" b="50000"/>
-          </a:path>
-          <a:tileRect/>
-        </a:gradFill>
-        <a:effectLst/>
-      </p:bgPr>
-    </p:bg>
-    <p:spTree>
-      <p:nvGrpSpPr>
-        <p:cNvPr id="1" name="Shape 33"/>
-        <p:cNvGrpSpPr/>
-        <p:nvPr/>
-      </p:nvGrpSpPr>
-      <p:grpSpPr>
-        <a:xfrm>
-          <a:off x="0" y="0"/>
-          <a:ext cx="0" cy="0"/>
-          <a:chOff x="0" y="0"/>
-          <a:chExt cx="0" cy="0"/>
-        </a:xfrm>
-      </p:grpSpPr>
-      <p:cxnSp>
-        <p:nvCxnSpPr>
-          <p:cNvPr id="34" name="Google Shape;34;p4"/>
-          <p:cNvCxnSpPr/>
-          <p:nvPr/>
-        </p:nvCxnSpPr>
-        <p:spPr>
-          <a:xfrm>
-            <a:off x="1704305" y="33062"/>
-            <a:ext cx="0" cy="4080000"/>
-          </a:xfrm>
-          <a:prstGeom prst="straightConnector1">
-            <a:avLst/>
-          </a:prstGeom>
-          <a:noFill/>
-          <a:ln w="28575" cap="flat" cmpd="sng">
-            <a:solidFill>
-              <a:srgbClr val="FFFFFF"/>
-            </a:solidFill>
-            <a:prstDash val="solid"/>
-            <a:round/>
-            <a:headEnd type="none" w="med" len="med"/>
-            <a:tailEnd type="none" w="med" len="med"/>
-          </a:ln>
-        </p:spPr>
-      </p:cxnSp>
-      <p:sp>
-        <p:nvSpPr>
-          <p:cNvPr id="35" name="Google Shape;35;p4"/>
-          <p:cNvSpPr txBox="1">
-            <a:spLocks noGrp="1"/>
-          </p:cNvSpPr>
-          <p:nvPr>
-            <p:ph type="subTitle" idx="1"/>
-          </p:nvPr>
-        </p:nvSpPr>
-        <p:spPr>
-          <a:xfrm flipH="1">
-            <a:off x="2406290" y="1389099"/>
-            <a:ext cx="6451500" cy="561600"/>
-          </a:xfrm>
-          <a:prstGeom prst="rect">
-            <a:avLst/>
-          </a:prstGeom>
-        </p:spPr>
-        <p:txBody>
-          <a:bodyPr spcFirstLastPara="1" wrap="square" lIns="68575" tIns="34275" rIns="68575" bIns="34275" anchor="b" anchorCtr="0">
-            <a:noAutofit/>
-          </a:bodyPr>
-          <a:lstStyle>
-            <a:lvl1pPr lvl="0" rtl="0">
-              <a:lnSpc>
-                <a:spcPct val="100000"/>
-              </a:lnSpc>
-              <a:spcBef>
-                <a:spcPts val="800"/>
-              </a:spcBef>
-              <a:spcAft>
-                <a:spcPts val="0"/>
-              </a:spcAft>
-              <a:buClr>
-                <a:srgbClr val="FFFFFF"/>
-              </a:buClr>
-              <a:buSzPts val="1800"/>
-              <a:buFont typeface="Squada One"/>
-              <a:buNone/>
-              <a:defRPr sz="1800">
-                <a:solidFill>
-                  <a:srgbClr val="FFFFFF"/>
-                </a:solidFill>
-                <a:latin typeface="Squada One"/>
-                <a:ea typeface="Squada One"/>
-                <a:cs typeface="Squada One"/>
-                <a:sym typeface="Squada One"/>
-              </a:defRPr>
-            </a:lvl1pPr>
-            <a:lvl2pPr lvl="1" rtl="0">
-              <a:lnSpc>
-                <a:spcPct val="100000"/>
-              </a:lnSpc>
-              <a:spcBef>
-                <a:spcPts val="400"/>
-              </a:spcBef>
-              <a:spcAft>
-                <a:spcPts val="0"/>
-              </a:spcAft>
-              <a:buClr>
-                <a:srgbClr val="FFFFFF"/>
-              </a:buClr>
-              <a:buSzPts val="1800"/>
-              <a:buFont typeface="Squada One"/>
-              <a:buNone/>
-              <a:defRPr sz="1800">
-                <a:solidFill>
-                  <a:srgbClr val="FFFFFF"/>
-                </a:solidFill>
-                <a:latin typeface="Squada One"/>
-                <a:ea typeface="Squada One"/>
-                <a:cs typeface="Squada One"/>
-                <a:sym typeface="Squada One"/>
-              </a:defRPr>
-            </a:lvl2pPr>
-            <a:lvl3pPr lvl="2" rtl="0">
-              <a:lnSpc>
-                <a:spcPct val="100000"/>
-              </a:lnSpc>
-              <a:spcBef>
-                <a:spcPts val="400"/>
-              </a:spcBef>
-              <a:spcAft>
-                <a:spcPts val="0"/>
-              </a:spcAft>
-              <a:buClr>
-                <a:srgbClr val="FFFFFF"/>
-              </a:buClr>
-              <a:buSzPts val="1800"/>
-              <a:buFont typeface="Squada One"/>
-              <a:buNone/>
-              <a:defRPr sz="1800">
-                <a:solidFill>
-                  <a:srgbClr val="FFFFFF"/>
-                </a:solidFill>
-                <a:latin typeface="Squada One"/>
-                <a:ea typeface="Squada One"/>
-                <a:cs typeface="Squada One"/>
-                <a:sym typeface="Squada One"/>
-              </a:defRPr>
-            </a:lvl3pPr>
-            <a:lvl4pPr lvl="3" rtl="0">
-              <a:lnSpc>
-                <a:spcPct val="100000"/>
-              </a:lnSpc>
-              <a:spcBef>
-                <a:spcPts val="400"/>
-              </a:spcBef>
-              <a:spcAft>
-                <a:spcPts val="0"/>
-              </a:spcAft>
-              <a:buClr>
-                <a:srgbClr val="FFFFFF"/>
-              </a:buClr>
-              <a:buSzPts val="1800"/>
-              <a:buFont typeface="Squada One"/>
-              <a:buNone/>
-              <a:defRPr sz="1800">
-                <a:solidFill>
-                  <a:srgbClr val="FFFFFF"/>
-                </a:solidFill>
-                <a:latin typeface="Squada One"/>
-                <a:ea typeface="Squada One"/>
-                <a:cs typeface="Squada One"/>
-                <a:sym typeface="Squada One"/>
-              </a:defRPr>
-            </a:lvl4pPr>
-            <a:lvl5pPr lvl="4" rtl="0">
-              <a:lnSpc>
-                <a:spcPct val="100000"/>
-              </a:lnSpc>
-              <a:spcBef>
-                <a:spcPts val="400"/>
-              </a:spcBef>
-              <a:spcAft>
-                <a:spcPts val="0"/>
-              </a:spcAft>
-              <a:buClr>
-                <a:srgbClr val="FFFFFF"/>
-              </a:buClr>
-              <a:buSzPts val="1800"/>
-              <a:buFont typeface="Squada One"/>
-              <a:buNone/>
-              <a:defRPr sz="1800">
-                <a:solidFill>
-                  <a:srgbClr val="FFFFFF"/>
-                </a:solidFill>
-                <a:latin typeface="Squada One"/>
-                <a:ea typeface="Squada One"/>
-                <a:cs typeface="Squada One"/>
-                <a:sym typeface="Squada One"/>
-              </a:defRPr>
-            </a:lvl5pPr>
-            <a:lvl6pPr lvl="5" rtl="0">
-              <a:lnSpc>
-                <a:spcPct val="100000"/>
-              </a:lnSpc>
-              <a:spcBef>
-                <a:spcPts val="400"/>
-              </a:spcBef>
-              <a:spcAft>
-                <a:spcPts val="0"/>
-              </a:spcAft>
-              <a:buClr>
-                <a:srgbClr val="FFFFFF"/>
-              </a:buClr>
-              <a:buSzPts val="1800"/>
-              <a:buFont typeface="Squada One"/>
-              <a:buNone/>
-              <a:defRPr sz="1800">
-                <a:solidFill>
-                  <a:srgbClr val="FFFFFF"/>
-                </a:solidFill>
-                <a:latin typeface="Squada One"/>
-                <a:ea typeface="Squada One"/>
-                <a:cs typeface="Squada One"/>
-                <a:sym typeface="Squada One"/>
-              </a:defRPr>
-            </a:lvl6pPr>
-            <a:lvl7pPr lvl="6" rtl="0">
-              <a:lnSpc>
-                <a:spcPct val="100000"/>
-              </a:lnSpc>
-              <a:spcBef>
-                <a:spcPts val="400"/>
-              </a:spcBef>
-              <a:spcAft>
-                <a:spcPts val="0"/>
-              </a:spcAft>
-              <a:buClr>
-                <a:srgbClr val="FFFFFF"/>
-              </a:buClr>
-              <a:buSzPts val="1800"/>
-              <a:buFont typeface="Squada One"/>
-              <a:buNone/>
-              <a:defRPr sz="1800">
-                <a:solidFill>
-                  <a:srgbClr val="FFFFFF"/>
-                </a:solidFill>
-                <a:latin typeface="Squada One"/>
-                <a:ea typeface="Squada One"/>
-                <a:cs typeface="Squada One"/>
-                <a:sym typeface="Squada One"/>
-              </a:defRPr>
-            </a:lvl7pPr>
-            <a:lvl8pPr lvl="7" rtl="0">
-              <a:lnSpc>
-                <a:spcPct val="100000"/>
-              </a:lnSpc>
-              <a:spcBef>
-                <a:spcPts val="400"/>
-              </a:spcBef>
-              <a:spcAft>
-                <a:spcPts val="0"/>
-              </a:spcAft>
-              <a:buClr>
-                <a:srgbClr val="FFFFFF"/>
-              </a:buClr>
-              <a:buSzPts val="1800"/>
-              <a:buFont typeface="Squada One"/>
-              <a:buNone/>
-              <a:defRPr sz="1800">
-                <a:solidFill>
-                  <a:srgbClr val="FFFFFF"/>
-                </a:solidFill>
-                <a:latin typeface="Squada One"/>
-                <a:ea typeface="Squada One"/>
-                <a:cs typeface="Squada One"/>
-                <a:sym typeface="Squada One"/>
-              </a:defRPr>
-            </a:lvl8pPr>
-            <a:lvl9pPr lvl="8" rtl="0">
-              <a:lnSpc>
-                <a:spcPct val="100000"/>
-              </a:lnSpc>
-              <a:spcBef>
-                <a:spcPts val="400"/>
-              </a:spcBef>
-              <a:spcAft>
-                <a:spcPts val="0"/>
-              </a:spcAft>
-              <a:buClr>
-                <a:srgbClr val="FFFFFF"/>
-              </a:buClr>
-              <a:buSzPts val="1800"/>
-              <a:buFont typeface="Squada One"/>
-              <a:buNone/>
-              <a:defRPr sz="1800">
-                <a:solidFill>
-                  <a:srgbClr val="FFFFFF"/>
-                </a:solidFill>
-                <a:latin typeface="Squada One"/>
-                <a:ea typeface="Squada One"/>
-                <a:cs typeface="Squada One"/>
-                <a:sym typeface="Squada One"/>
-              </a:defRPr>
-            </a:lvl9pPr>
-          </a:lstStyle>
-          <a:p>
-            <a:endParaRPr/>
-          </a:p>
-        </p:txBody>
-      </p:sp>
-      <p:sp>
-        <p:nvSpPr>
-          <p:cNvPr id="36" name="Google Shape;36;p4"/>
-          <p:cNvSpPr txBox="1">
-            <a:spLocks noGrp="1"/>
-          </p:cNvSpPr>
-          <p:nvPr>
-            <p:ph type="subTitle" idx="2"/>
-          </p:nvPr>
-        </p:nvSpPr>
-        <p:spPr>
-          <a:xfrm flipH="1">
-            <a:off x="2406290" y="2108561"/>
-            <a:ext cx="6451500" cy="561600"/>
-          </a:xfrm>
-          <a:prstGeom prst="rect">
-            <a:avLst/>
-          </a:prstGeom>
-        </p:spPr>
-        <p:txBody>
-          <a:bodyPr spcFirstLastPara="1" wrap="square" lIns="68575" tIns="34275" rIns="68575" bIns="34275" anchor="b" anchorCtr="0">
-            <a:noAutofit/>
-          </a:bodyPr>
-          <a:lstStyle>
-            <a:lvl1pPr lvl="0" rtl="0">
-              <a:lnSpc>
-                <a:spcPct val="100000"/>
-              </a:lnSpc>
-              <a:spcBef>
-                <a:spcPts val="800"/>
-              </a:spcBef>
-              <a:spcAft>
-                <a:spcPts val="0"/>
-              </a:spcAft>
-              <a:buClr>
-                <a:srgbClr val="FFFFFF"/>
-              </a:buClr>
-              <a:buSzPts val="1800"/>
-              <a:buFont typeface="Squada One"/>
-              <a:buNone/>
-              <a:defRPr sz="1800">
-                <a:solidFill>
-                  <a:srgbClr val="FFFFFF"/>
-                </a:solidFill>
-                <a:latin typeface="Squada One"/>
-                <a:ea typeface="Squada One"/>
-                <a:cs typeface="Squada One"/>
-                <a:sym typeface="Squada One"/>
-              </a:defRPr>
-            </a:lvl1pPr>
-            <a:lvl2pPr lvl="1" rtl="0">
-              <a:lnSpc>
-                <a:spcPct val="100000"/>
-              </a:lnSpc>
-              <a:spcBef>
-                <a:spcPts val="400"/>
-              </a:spcBef>
-              <a:spcAft>
-                <a:spcPts val="0"/>
-              </a:spcAft>
-              <a:buClr>
-                <a:srgbClr val="FFFFFF"/>
-              </a:buClr>
-              <a:buSzPts val="1800"/>
-              <a:buFont typeface="Squada One"/>
-              <a:buNone/>
-              <a:defRPr sz="1800">
-                <a:solidFill>
-                  <a:srgbClr val="FFFFFF"/>
-                </a:solidFill>
-                <a:latin typeface="Squada One"/>
-                <a:ea typeface="Squada One"/>
-                <a:cs typeface="Squada One"/>
-                <a:sym typeface="Squada One"/>
-              </a:defRPr>
-            </a:lvl2pPr>
-            <a:lvl3pPr lvl="2" rtl="0">
-              <a:lnSpc>
-                <a:spcPct val="100000"/>
-              </a:lnSpc>
-              <a:spcBef>
-                <a:spcPts val="400"/>
-              </a:spcBef>
-              <a:spcAft>
-                <a:spcPts val="0"/>
-              </a:spcAft>
-              <a:buClr>
-                <a:srgbClr val="FFFFFF"/>
-              </a:buClr>
-              <a:buSzPts val="1800"/>
-              <a:buFont typeface="Squada One"/>
-              <a:buNone/>
-              <a:defRPr sz="1800">
-                <a:solidFill>
-                  <a:srgbClr val="FFFFFF"/>
-                </a:solidFill>
-                <a:latin typeface="Squada One"/>
-                <a:ea typeface="Squada One"/>
-                <a:cs typeface="Squada One"/>
-                <a:sym typeface="Squada One"/>
-              </a:defRPr>
-            </a:lvl3pPr>
-            <a:lvl4pPr lvl="3" rtl="0">
-              <a:lnSpc>
-                <a:spcPct val="100000"/>
-              </a:lnSpc>
-              <a:spcBef>
-                <a:spcPts val="400"/>
-              </a:spcBef>
-              <a:spcAft>
-                <a:spcPts val="0"/>
-              </a:spcAft>
-              <a:buClr>
-                <a:srgbClr val="FFFFFF"/>
-              </a:buClr>
-              <a:buSzPts val="1800"/>
-              <a:buFont typeface="Squada One"/>
-              <a:buNone/>
-              <a:defRPr sz="1800">
-                <a:solidFill>
-                  <a:srgbClr val="FFFFFF"/>
-                </a:solidFill>
-                <a:latin typeface="Squada One"/>
-                <a:ea typeface="Squada One"/>
-                <a:cs typeface="Squada One"/>
-                <a:sym typeface="Squada One"/>
-              </a:defRPr>
-            </a:lvl4pPr>
-            <a:lvl5pPr lvl="4" rtl="0">
-              <a:lnSpc>
-                <a:spcPct val="100000"/>
-              </a:lnSpc>
-              <a:spcBef>
-                <a:spcPts val="400"/>
-              </a:spcBef>
-              <a:spcAft>
-                <a:spcPts val="0"/>
-              </a:spcAft>
-              <a:buClr>
-                <a:srgbClr val="FFFFFF"/>
-              </a:buClr>
-              <a:buSzPts val="1800"/>
-              <a:buFont typeface="Squada One"/>
-              <a:buNone/>
-              <a:defRPr sz="1800">
-                <a:solidFill>
-                  <a:srgbClr val="FFFFFF"/>
-                </a:solidFill>
-                <a:latin typeface="Squada One"/>
-                <a:ea typeface="Squada One"/>
-                <a:cs typeface="Squada One"/>
-                <a:sym typeface="Squada One"/>
-              </a:defRPr>
-            </a:lvl5pPr>
-            <a:lvl6pPr lvl="5" rtl="0">
-              <a:lnSpc>
-                <a:spcPct val="100000"/>
-              </a:lnSpc>
-              <a:spcBef>
-                <a:spcPts val="400"/>
-              </a:spcBef>
-              <a:spcAft>
-                <a:spcPts val="0"/>
-              </a:spcAft>
-              <a:buClr>
-                <a:srgbClr val="FFFFFF"/>
-              </a:buClr>
-              <a:buSzPts val="1800"/>
-              <a:buFont typeface="Squada One"/>
-              <a:buNone/>
-              <a:defRPr sz="1800">
-                <a:solidFill>
-                  <a:srgbClr val="FFFFFF"/>
-                </a:solidFill>
-                <a:latin typeface="Squada One"/>
-                <a:ea typeface="Squada One"/>
-                <a:cs typeface="Squada One"/>
-                <a:sym typeface="Squada One"/>
-              </a:defRPr>
-            </a:lvl6pPr>
-            <a:lvl7pPr lvl="6" rtl="0">
-              <a:lnSpc>
-                <a:spcPct val="100000"/>
-              </a:lnSpc>
-              <a:spcBef>
-                <a:spcPts val="400"/>
-              </a:spcBef>
-              <a:spcAft>
-                <a:spcPts val="0"/>
-              </a:spcAft>
-              <a:buClr>
-                <a:srgbClr val="FFFFFF"/>
-              </a:buClr>
-              <a:buSzPts val="1800"/>
-              <a:buFont typeface="Squada One"/>
-              <a:buNone/>
-              <a:defRPr sz="1800">
-                <a:solidFill>
-                  <a:srgbClr val="FFFFFF"/>
-                </a:solidFill>
-                <a:latin typeface="Squada One"/>
-                <a:ea typeface="Squada One"/>
-                <a:cs typeface="Squada One"/>
-                <a:sym typeface="Squada One"/>
-              </a:defRPr>
-            </a:lvl7pPr>
-            <a:lvl8pPr lvl="7" rtl="0">
-              <a:lnSpc>
-                <a:spcPct val="100000"/>
-              </a:lnSpc>
-              <a:spcBef>
-                <a:spcPts val="400"/>
-              </a:spcBef>
-              <a:spcAft>
-                <a:spcPts val="0"/>
-              </a:spcAft>
-              <a:buClr>
-                <a:srgbClr val="FFFFFF"/>
-              </a:buClr>
-              <a:buSzPts val="1800"/>
-              <a:buFont typeface="Squada One"/>
-              <a:buNone/>
-              <a:defRPr sz="1800">
-                <a:solidFill>
-                  <a:srgbClr val="FFFFFF"/>
-                </a:solidFill>
-                <a:latin typeface="Squada One"/>
-                <a:ea typeface="Squada One"/>
-                <a:cs typeface="Squada One"/>
-                <a:sym typeface="Squada One"/>
-              </a:defRPr>
-            </a:lvl8pPr>
-            <a:lvl9pPr lvl="8" rtl="0">
-              <a:lnSpc>
-                <a:spcPct val="100000"/>
-              </a:lnSpc>
-              <a:spcBef>
-                <a:spcPts val="400"/>
-              </a:spcBef>
-              <a:spcAft>
-                <a:spcPts val="0"/>
-              </a:spcAft>
-              <a:buClr>
-                <a:srgbClr val="FFFFFF"/>
-              </a:buClr>
-              <a:buSzPts val="1800"/>
-              <a:buFont typeface="Squada One"/>
-              <a:buNone/>
-              <a:defRPr sz="1800">
-                <a:solidFill>
-                  <a:srgbClr val="FFFFFF"/>
-                </a:solidFill>
-                <a:latin typeface="Squada One"/>
-                <a:ea typeface="Squada One"/>
-                <a:cs typeface="Squada One"/>
-                <a:sym typeface="Squada One"/>
-              </a:defRPr>
-            </a:lvl9pPr>
-          </a:lstStyle>
-          <a:p>
-            <a:endParaRPr/>
-          </a:p>
-        </p:txBody>
-      </p:sp>
-      <p:sp>
-        <p:nvSpPr>
-          <p:cNvPr id="37" name="Google Shape;37;p4"/>
-          <p:cNvSpPr txBox="1">
-            <a:spLocks noGrp="1"/>
-          </p:cNvSpPr>
-          <p:nvPr>
-            <p:ph type="subTitle" idx="3"/>
-          </p:nvPr>
-        </p:nvSpPr>
-        <p:spPr>
-          <a:xfrm flipH="1">
-            <a:off x="2406290" y="2810183"/>
-            <a:ext cx="6451500" cy="561600"/>
-          </a:xfrm>
-          <a:prstGeom prst="rect">
-            <a:avLst/>
-          </a:prstGeom>
-        </p:spPr>
-        <p:txBody>
-          <a:bodyPr spcFirstLastPara="1" wrap="square" lIns="68575" tIns="34275" rIns="68575" bIns="34275" anchor="b" anchorCtr="0">
-            <a:noAutofit/>
-          </a:bodyPr>
-          <a:lstStyle>
-            <a:lvl1pPr lvl="0" rtl="0">
-              <a:lnSpc>
-                <a:spcPct val="100000"/>
-              </a:lnSpc>
-              <a:spcBef>
-                <a:spcPts val="800"/>
-              </a:spcBef>
-              <a:spcAft>
-                <a:spcPts val="0"/>
-              </a:spcAft>
-              <a:buClr>
-                <a:srgbClr val="FFFFFF"/>
-              </a:buClr>
-              <a:buSzPts val="1800"/>
-              <a:buFont typeface="Squada One"/>
-              <a:buNone/>
-              <a:defRPr sz="1800">
-                <a:solidFill>
-                  <a:srgbClr val="FFFFFF"/>
-                </a:solidFill>
-                <a:latin typeface="Squada One"/>
-                <a:ea typeface="Squada One"/>
-                <a:cs typeface="Squada One"/>
-                <a:sym typeface="Squada One"/>
-              </a:defRPr>
-            </a:lvl1pPr>
-            <a:lvl2pPr lvl="1" rtl="0">
-              <a:lnSpc>
-                <a:spcPct val="100000"/>
-              </a:lnSpc>
-              <a:spcBef>
-                <a:spcPts val="400"/>
-              </a:spcBef>
-              <a:spcAft>
-                <a:spcPts val="0"/>
-              </a:spcAft>
-              <a:buClr>
-                <a:srgbClr val="FFFFFF"/>
-              </a:buClr>
-              <a:buSzPts val="1800"/>
-              <a:buFont typeface="Squada One"/>
-              <a:buNone/>
-              <a:defRPr sz="1800">
-                <a:solidFill>
-                  <a:srgbClr val="FFFFFF"/>
-                </a:solidFill>
-                <a:latin typeface="Squada One"/>
-                <a:ea typeface="Squada One"/>
-                <a:cs typeface="Squada One"/>
-                <a:sym typeface="Squada One"/>
-              </a:defRPr>
-            </a:lvl2pPr>
-            <a:lvl3pPr lvl="2" rtl="0">
-              <a:lnSpc>
-                <a:spcPct val="100000"/>
-              </a:lnSpc>
-              <a:spcBef>
-                <a:spcPts val="400"/>
-              </a:spcBef>
-              <a:spcAft>
-                <a:spcPts val="0"/>
-              </a:spcAft>
-              <a:buClr>
-                <a:srgbClr val="FFFFFF"/>
-              </a:buClr>
-              <a:buSzPts val="1800"/>
-              <a:buFont typeface="Squada One"/>
-              <a:buNone/>
-              <a:defRPr sz="1800">
-                <a:solidFill>
-                  <a:srgbClr val="FFFFFF"/>
-                </a:solidFill>
-                <a:latin typeface="Squada One"/>
-                <a:ea typeface="Squada One"/>
-                <a:cs typeface="Squada One"/>
-                <a:sym typeface="Squada One"/>
-              </a:defRPr>
-            </a:lvl3pPr>
-            <a:lvl4pPr lvl="3" rtl="0">
-              <a:lnSpc>
-                <a:spcPct val="100000"/>
-              </a:lnSpc>
-              <a:spcBef>
-                <a:spcPts val="400"/>
-              </a:spcBef>
-              <a:spcAft>
-                <a:spcPts val="0"/>
-              </a:spcAft>
-              <a:buClr>
-                <a:srgbClr val="FFFFFF"/>
-              </a:buClr>
-              <a:buSzPts val="1800"/>
-              <a:buFont typeface="Squada One"/>
-              <a:buNone/>
-              <a:defRPr sz="1800">
-                <a:solidFill>
-                  <a:srgbClr val="FFFFFF"/>
-                </a:solidFill>
-                <a:latin typeface="Squada One"/>
-                <a:ea typeface="Squada One"/>
-                <a:cs typeface="Squada One"/>
-                <a:sym typeface="Squada One"/>
-              </a:defRPr>
-            </a:lvl4pPr>
-            <a:lvl5pPr lvl="4" rtl="0">
-              <a:lnSpc>
-                <a:spcPct val="100000"/>
-              </a:lnSpc>
-              <a:spcBef>
-                <a:spcPts val="400"/>
-              </a:spcBef>
-              <a:spcAft>
-                <a:spcPts val="0"/>
-              </a:spcAft>
-              <a:buClr>
-                <a:srgbClr val="FFFFFF"/>
-              </a:buClr>
-              <a:buSzPts val="1800"/>
-              <a:buFont typeface="Squada One"/>
-              <a:buNone/>
-              <a:defRPr sz="1800">
-                <a:solidFill>
-                  <a:srgbClr val="FFFFFF"/>
-                </a:solidFill>
-                <a:latin typeface="Squada One"/>
-                <a:ea typeface="Squada One"/>
-                <a:cs typeface="Squada One"/>
-                <a:sym typeface="Squada One"/>
-              </a:defRPr>
-            </a:lvl5pPr>
-            <a:lvl6pPr lvl="5" rtl="0">
-              <a:lnSpc>
-                <a:spcPct val="100000"/>
-              </a:lnSpc>
-              <a:spcBef>
-                <a:spcPts val="400"/>
-              </a:spcBef>
-              <a:spcAft>
-                <a:spcPts val="0"/>
-              </a:spcAft>
-              <a:buClr>
-                <a:srgbClr val="FFFFFF"/>
-              </a:buClr>
-              <a:buSzPts val="1800"/>
-              <a:buFont typeface="Squada One"/>
-              <a:buNone/>
-              <a:defRPr sz="1800">
-                <a:solidFill>
-                  <a:srgbClr val="FFFFFF"/>
-                </a:solidFill>
-                <a:latin typeface="Squada One"/>
-                <a:ea typeface="Squada One"/>
-                <a:cs typeface="Squada One"/>
-                <a:sym typeface="Squada One"/>
-              </a:defRPr>
-            </a:lvl6pPr>
-            <a:lvl7pPr lvl="6" rtl="0">
-              <a:lnSpc>
-                <a:spcPct val="100000"/>
-              </a:lnSpc>
-              <a:spcBef>
-                <a:spcPts val="400"/>
-              </a:spcBef>
-              <a:spcAft>
-                <a:spcPts val="0"/>
-              </a:spcAft>
-              <a:buClr>
-                <a:srgbClr val="FFFFFF"/>
-              </a:buClr>
-              <a:buSzPts val="1800"/>
-              <a:buFont typeface="Squada One"/>
-              <a:buNone/>
-              <a:defRPr sz="1800">
-                <a:solidFill>
-                  <a:srgbClr val="FFFFFF"/>
-                </a:solidFill>
-                <a:latin typeface="Squada One"/>
-                <a:ea typeface="Squada One"/>
-                <a:cs typeface="Squada One"/>
-                <a:sym typeface="Squada One"/>
-              </a:defRPr>
-            </a:lvl7pPr>
-            <a:lvl8pPr lvl="7" rtl="0">
-              <a:lnSpc>
-                <a:spcPct val="100000"/>
-              </a:lnSpc>
-              <a:spcBef>
-                <a:spcPts val="400"/>
-              </a:spcBef>
-              <a:spcAft>
-                <a:spcPts val="0"/>
-              </a:spcAft>
-              <a:buClr>
-                <a:srgbClr val="FFFFFF"/>
-              </a:buClr>
-              <a:buSzPts val="1800"/>
-              <a:buFont typeface="Squada One"/>
-              <a:buNone/>
-              <a:defRPr sz="1800">
-                <a:solidFill>
-                  <a:srgbClr val="FFFFFF"/>
-                </a:solidFill>
-                <a:latin typeface="Squada One"/>
-                <a:ea typeface="Squada One"/>
-                <a:cs typeface="Squada One"/>
-                <a:sym typeface="Squada One"/>
-              </a:defRPr>
-            </a:lvl8pPr>
-            <a:lvl9pPr lvl="8" rtl="0">
-              <a:lnSpc>
-                <a:spcPct val="100000"/>
-              </a:lnSpc>
-              <a:spcBef>
-                <a:spcPts val="400"/>
-              </a:spcBef>
-              <a:spcAft>
-                <a:spcPts val="0"/>
-              </a:spcAft>
-              <a:buClr>
-                <a:srgbClr val="FFFFFF"/>
-              </a:buClr>
-              <a:buSzPts val="1800"/>
-              <a:buFont typeface="Squada One"/>
-              <a:buNone/>
-              <a:defRPr sz="1800">
-                <a:solidFill>
-                  <a:srgbClr val="FFFFFF"/>
-                </a:solidFill>
-                <a:latin typeface="Squada One"/>
-                <a:ea typeface="Squada One"/>
-                <a:cs typeface="Squada One"/>
-                <a:sym typeface="Squada One"/>
-              </a:defRPr>
-            </a:lvl9pPr>
-          </a:lstStyle>
-          <a:p>
-            <a:endParaRPr/>
-          </a:p>
-        </p:txBody>
-      </p:sp>
-      <p:sp>
-        <p:nvSpPr>
-          <p:cNvPr id="38" name="Google Shape;38;p4"/>
-          <p:cNvSpPr txBox="1">
-            <a:spLocks noGrp="1"/>
-          </p:cNvSpPr>
-          <p:nvPr>
-            <p:ph type="subTitle" idx="4"/>
-          </p:nvPr>
-        </p:nvSpPr>
-        <p:spPr>
-          <a:xfrm>
-            <a:off x="2404800" y="1880524"/>
-            <a:ext cx="4434600" cy="281700"/>
-          </a:xfrm>
-          <a:prstGeom prst="rect">
-            <a:avLst/>
-          </a:prstGeom>
-        </p:spPr>
-        <p:txBody>
-          <a:bodyPr spcFirstLastPara="1" wrap="square" lIns="68575" tIns="34275" rIns="68575" bIns="34275" anchor="t" anchorCtr="0">
-            <a:noAutofit/>
-          </a:bodyPr>
-          <a:lstStyle>
-            <a:lvl1pPr lvl="0" rtl="0">
-              <a:lnSpc>
-                <a:spcPct val="100000"/>
-              </a:lnSpc>
-              <a:spcBef>
-                <a:spcPts val="800"/>
-              </a:spcBef>
-              <a:spcAft>
-                <a:spcPts val="0"/>
-              </a:spcAft>
-              <a:buClr>
-                <a:srgbClr val="FFFFFF"/>
-              </a:buClr>
-              <a:buSzPts val="1100"/>
-              <a:buNone/>
-              <a:defRPr sz="1100">
-                <a:solidFill>
-                  <a:srgbClr val="FFFFFF"/>
-                </a:solidFill>
-              </a:defRPr>
-            </a:lvl1pPr>
-            <a:lvl2pPr lvl="1" rtl="0">
-              <a:lnSpc>
-                <a:spcPct val="100000"/>
-              </a:lnSpc>
-              <a:spcBef>
-                <a:spcPts val="400"/>
-              </a:spcBef>
-              <a:spcAft>
-                <a:spcPts val="0"/>
-              </a:spcAft>
-              <a:buClr>
-                <a:srgbClr val="FFFFFF"/>
-              </a:buClr>
-              <a:buSzPts val="1100"/>
-              <a:buNone/>
-              <a:defRPr sz="1100">
-                <a:solidFill>
-                  <a:srgbClr val="FFFFFF"/>
-                </a:solidFill>
-              </a:defRPr>
-            </a:lvl2pPr>
-            <a:lvl3pPr lvl="2" rtl="0">
-              <a:lnSpc>
-                <a:spcPct val="100000"/>
-              </a:lnSpc>
-              <a:spcBef>
-                <a:spcPts val="400"/>
-              </a:spcBef>
-              <a:spcAft>
-                <a:spcPts val="0"/>
-              </a:spcAft>
-              <a:buClr>
-                <a:srgbClr val="FFFFFF"/>
-              </a:buClr>
-              <a:buSzPts val="1100"/>
-              <a:buNone/>
-              <a:defRPr sz="1100">
-                <a:solidFill>
-                  <a:srgbClr val="FFFFFF"/>
-                </a:solidFill>
-              </a:defRPr>
-            </a:lvl3pPr>
-            <a:lvl4pPr lvl="3" rtl="0">
-              <a:lnSpc>
-                <a:spcPct val="100000"/>
-              </a:lnSpc>
-              <a:spcBef>
-                <a:spcPts val="400"/>
-              </a:spcBef>
-              <a:spcAft>
-                <a:spcPts val="0"/>
-              </a:spcAft>
-              <a:buClr>
-                <a:srgbClr val="FFFFFF"/>
-              </a:buClr>
-              <a:buSzPts val="1100"/>
-              <a:buNone/>
-              <a:defRPr sz="1100">
-                <a:solidFill>
-                  <a:srgbClr val="FFFFFF"/>
-                </a:solidFill>
-              </a:defRPr>
-            </a:lvl4pPr>
-            <a:lvl5pPr lvl="4" rtl="0">
-              <a:lnSpc>
-                <a:spcPct val="100000"/>
-              </a:lnSpc>
-              <a:spcBef>
-                <a:spcPts val="400"/>
-              </a:spcBef>
-              <a:spcAft>
-                <a:spcPts val="0"/>
-              </a:spcAft>
-              <a:buClr>
-                <a:srgbClr val="FFFFFF"/>
-              </a:buClr>
-              <a:buSzPts val="1100"/>
-              <a:buNone/>
-              <a:defRPr sz="1100">
-                <a:solidFill>
-                  <a:srgbClr val="FFFFFF"/>
-                </a:solidFill>
-              </a:defRPr>
-            </a:lvl5pPr>
-            <a:lvl6pPr lvl="5" rtl="0">
-              <a:lnSpc>
-                <a:spcPct val="100000"/>
-              </a:lnSpc>
-              <a:spcBef>
-                <a:spcPts val="400"/>
-              </a:spcBef>
-              <a:spcAft>
-                <a:spcPts val="0"/>
-              </a:spcAft>
-              <a:buClr>
-                <a:srgbClr val="FFFFFF"/>
-              </a:buClr>
-              <a:buSzPts val="1100"/>
-              <a:buNone/>
-              <a:defRPr sz="1100">
-                <a:solidFill>
-                  <a:srgbClr val="FFFFFF"/>
-                </a:solidFill>
-              </a:defRPr>
-            </a:lvl6pPr>
-            <a:lvl7pPr lvl="6" rtl="0">
-              <a:lnSpc>
-                <a:spcPct val="100000"/>
-              </a:lnSpc>
-              <a:spcBef>
-                <a:spcPts val="400"/>
-              </a:spcBef>
-              <a:spcAft>
-                <a:spcPts val="0"/>
-              </a:spcAft>
-              <a:buClr>
-                <a:srgbClr val="FFFFFF"/>
-              </a:buClr>
-              <a:buSzPts val="1100"/>
-              <a:buNone/>
-              <a:defRPr sz="1100">
-                <a:solidFill>
-                  <a:srgbClr val="FFFFFF"/>
-                </a:solidFill>
-              </a:defRPr>
-            </a:lvl7pPr>
-            <a:lvl8pPr lvl="7" rtl="0">
-              <a:lnSpc>
-                <a:spcPct val="100000"/>
-              </a:lnSpc>
-              <a:spcBef>
-                <a:spcPts val="400"/>
-              </a:spcBef>
-              <a:spcAft>
-                <a:spcPts val="0"/>
-              </a:spcAft>
-              <a:buClr>
-                <a:srgbClr val="FFFFFF"/>
-              </a:buClr>
-              <a:buSzPts val="1100"/>
-              <a:buNone/>
-              <a:defRPr sz="1100">
-                <a:solidFill>
-                  <a:srgbClr val="FFFFFF"/>
-                </a:solidFill>
-              </a:defRPr>
-            </a:lvl8pPr>
-            <a:lvl9pPr lvl="8" rtl="0">
-              <a:lnSpc>
-                <a:spcPct val="100000"/>
-              </a:lnSpc>
-              <a:spcBef>
-                <a:spcPts val="400"/>
-              </a:spcBef>
-              <a:spcAft>
-                <a:spcPts val="0"/>
-              </a:spcAft>
-              <a:buClr>
-                <a:srgbClr val="FFFFFF"/>
-              </a:buClr>
-              <a:buSzPts val="1100"/>
-              <a:buNone/>
-              <a:defRPr sz="1100">
-                <a:solidFill>
-                  <a:srgbClr val="FFFFFF"/>
-                </a:solidFill>
-              </a:defRPr>
-            </a:lvl9pPr>
-          </a:lstStyle>
-          <a:p>
-            <a:endParaRPr/>
-          </a:p>
-        </p:txBody>
-      </p:sp>
-      <p:sp>
-        <p:nvSpPr>
-          <p:cNvPr id="39" name="Google Shape;39;p4"/>
-          <p:cNvSpPr txBox="1">
-            <a:spLocks noGrp="1"/>
-          </p:cNvSpPr>
-          <p:nvPr>
-            <p:ph type="subTitle" idx="5"/>
-          </p:nvPr>
-        </p:nvSpPr>
-        <p:spPr>
-          <a:xfrm>
-            <a:off x="2404800" y="2599372"/>
-            <a:ext cx="4434600" cy="281700"/>
-          </a:xfrm>
-          <a:prstGeom prst="rect">
-            <a:avLst/>
-          </a:prstGeom>
-        </p:spPr>
-        <p:txBody>
-          <a:bodyPr spcFirstLastPara="1" wrap="square" lIns="68575" tIns="34275" rIns="68575" bIns="34275" anchor="t" anchorCtr="0">
-            <a:noAutofit/>
-          </a:bodyPr>
-          <a:lstStyle>
-            <a:lvl1pPr lvl="0" rtl="0">
-              <a:lnSpc>
-                <a:spcPct val="100000"/>
-              </a:lnSpc>
-              <a:spcBef>
-                <a:spcPts val="800"/>
-              </a:spcBef>
-              <a:spcAft>
-                <a:spcPts val="0"/>
-              </a:spcAft>
-              <a:buClr>
-                <a:srgbClr val="FFFFFF"/>
-              </a:buClr>
-              <a:buSzPts val="1100"/>
-              <a:buNone/>
-              <a:defRPr sz="1100">
-                <a:solidFill>
-                  <a:srgbClr val="FFFFFF"/>
-                </a:solidFill>
-              </a:defRPr>
-            </a:lvl1pPr>
-            <a:lvl2pPr lvl="1" rtl="0">
-              <a:lnSpc>
-                <a:spcPct val="100000"/>
-              </a:lnSpc>
-              <a:spcBef>
-                <a:spcPts val="400"/>
-              </a:spcBef>
-              <a:spcAft>
-                <a:spcPts val="0"/>
-              </a:spcAft>
-              <a:buClr>
-                <a:srgbClr val="FFFFFF"/>
-              </a:buClr>
-              <a:buSzPts val="1100"/>
-              <a:buNone/>
-              <a:defRPr sz="1100">
-                <a:solidFill>
-                  <a:srgbClr val="FFFFFF"/>
-                </a:solidFill>
-              </a:defRPr>
-            </a:lvl2pPr>
-            <a:lvl3pPr lvl="2" rtl="0">
-              <a:lnSpc>
-                <a:spcPct val="100000"/>
-              </a:lnSpc>
-              <a:spcBef>
-                <a:spcPts val="400"/>
-              </a:spcBef>
-              <a:spcAft>
-                <a:spcPts val="0"/>
-              </a:spcAft>
-              <a:buClr>
-                <a:srgbClr val="FFFFFF"/>
-              </a:buClr>
-              <a:buSzPts val="1100"/>
-              <a:buNone/>
-              <a:defRPr sz="1100">
-                <a:solidFill>
-                  <a:srgbClr val="FFFFFF"/>
-                </a:solidFill>
-              </a:defRPr>
-            </a:lvl3pPr>
-            <a:lvl4pPr lvl="3" rtl="0">
-              <a:lnSpc>
-                <a:spcPct val="100000"/>
-              </a:lnSpc>
-              <a:spcBef>
-                <a:spcPts val="400"/>
-              </a:spcBef>
-              <a:spcAft>
-                <a:spcPts val="0"/>
-              </a:spcAft>
-              <a:buClr>
-                <a:srgbClr val="FFFFFF"/>
-              </a:buClr>
-              <a:buSzPts val="1100"/>
-              <a:buNone/>
-              <a:defRPr sz="1100">
-                <a:solidFill>
-                  <a:srgbClr val="FFFFFF"/>
-                </a:solidFill>
-              </a:defRPr>
-            </a:lvl4pPr>
-            <a:lvl5pPr lvl="4" rtl="0">
-              <a:lnSpc>
-                <a:spcPct val="100000"/>
-              </a:lnSpc>
-              <a:spcBef>
-                <a:spcPts val="400"/>
-              </a:spcBef>
-              <a:spcAft>
-                <a:spcPts val="0"/>
-              </a:spcAft>
-              <a:buClr>
-                <a:srgbClr val="FFFFFF"/>
-              </a:buClr>
-              <a:buSzPts val="1100"/>
-              <a:buNone/>
-              <a:defRPr sz="1100">
-                <a:solidFill>
-                  <a:srgbClr val="FFFFFF"/>
-                </a:solidFill>
-              </a:defRPr>
-            </a:lvl5pPr>
-            <a:lvl6pPr lvl="5" rtl="0">
-              <a:lnSpc>
-                <a:spcPct val="100000"/>
-              </a:lnSpc>
-              <a:spcBef>
-                <a:spcPts val="400"/>
-              </a:spcBef>
-              <a:spcAft>
-                <a:spcPts val="0"/>
-              </a:spcAft>
-              <a:buClr>
-                <a:srgbClr val="FFFFFF"/>
-              </a:buClr>
-              <a:buSzPts val="1100"/>
-              <a:buNone/>
-              <a:defRPr sz="1100">
-                <a:solidFill>
-                  <a:srgbClr val="FFFFFF"/>
-                </a:solidFill>
-              </a:defRPr>
-            </a:lvl6pPr>
-            <a:lvl7pPr lvl="6" rtl="0">
-              <a:lnSpc>
-                <a:spcPct val="100000"/>
-              </a:lnSpc>
-              <a:spcBef>
-                <a:spcPts val="400"/>
-              </a:spcBef>
-              <a:spcAft>
-                <a:spcPts val="0"/>
-              </a:spcAft>
-              <a:buClr>
-                <a:srgbClr val="FFFFFF"/>
-              </a:buClr>
-              <a:buSzPts val="1100"/>
-              <a:buNone/>
-              <a:defRPr sz="1100">
-                <a:solidFill>
-                  <a:srgbClr val="FFFFFF"/>
-                </a:solidFill>
-              </a:defRPr>
-            </a:lvl7pPr>
-            <a:lvl8pPr lvl="7" rtl="0">
-              <a:lnSpc>
-                <a:spcPct val="100000"/>
-              </a:lnSpc>
-              <a:spcBef>
-                <a:spcPts val="400"/>
-              </a:spcBef>
-              <a:spcAft>
-                <a:spcPts val="0"/>
-              </a:spcAft>
-              <a:buClr>
-                <a:srgbClr val="FFFFFF"/>
-              </a:buClr>
-              <a:buSzPts val="1100"/>
-              <a:buNone/>
-              <a:defRPr sz="1100">
-                <a:solidFill>
-                  <a:srgbClr val="FFFFFF"/>
-                </a:solidFill>
-              </a:defRPr>
-            </a:lvl8pPr>
-            <a:lvl9pPr lvl="8" rtl="0">
-              <a:lnSpc>
-                <a:spcPct val="100000"/>
-              </a:lnSpc>
-              <a:spcBef>
-                <a:spcPts val="400"/>
-              </a:spcBef>
-              <a:spcAft>
-                <a:spcPts val="0"/>
-              </a:spcAft>
-              <a:buClr>
-                <a:srgbClr val="FFFFFF"/>
-              </a:buClr>
-              <a:buSzPts val="1100"/>
-              <a:buNone/>
-              <a:defRPr sz="1100">
-                <a:solidFill>
-                  <a:srgbClr val="FFFFFF"/>
-                </a:solidFill>
-              </a:defRPr>
-            </a:lvl9pPr>
-          </a:lstStyle>
-          <a:p>
-            <a:endParaRPr/>
-          </a:p>
-        </p:txBody>
-      </p:sp>
-      <p:sp>
-        <p:nvSpPr>
-          <p:cNvPr id="40" name="Google Shape;40;p4"/>
-          <p:cNvSpPr txBox="1">
-            <a:spLocks noGrp="1"/>
-          </p:cNvSpPr>
-          <p:nvPr>
-            <p:ph type="subTitle" idx="6"/>
-          </p:nvPr>
-        </p:nvSpPr>
-        <p:spPr>
-          <a:xfrm>
-            <a:off x="2404800" y="3310849"/>
-            <a:ext cx="4434600" cy="281700"/>
-          </a:xfrm>
-          <a:prstGeom prst="rect">
-            <a:avLst/>
-          </a:prstGeom>
-        </p:spPr>
-        <p:txBody>
-          <a:bodyPr spcFirstLastPara="1" wrap="square" lIns="68575" tIns="34275" rIns="68575" bIns="34275" anchor="t" anchorCtr="0">
-            <a:noAutofit/>
-          </a:bodyPr>
-          <a:lstStyle>
-            <a:lvl1pPr lvl="0" rtl="0">
-              <a:lnSpc>
-                <a:spcPct val="100000"/>
-              </a:lnSpc>
-              <a:spcBef>
-                <a:spcPts val="800"/>
-              </a:spcBef>
-              <a:spcAft>
-                <a:spcPts val="0"/>
-              </a:spcAft>
-              <a:buClr>
-                <a:srgbClr val="FFFFFF"/>
-              </a:buClr>
-              <a:buSzPts val="1100"/>
-              <a:buNone/>
-              <a:defRPr sz="1100">
-                <a:solidFill>
-                  <a:srgbClr val="FFFFFF"/>
-                </a:solidFill>
-              </a:defRPr>
-            </a:lvl1pPr>
-            <a:lvl2pPr lvl="1" rtl="0">
-              <a:lnSpc>
-                <a:spcPct val="100000"/>
-              </a:lnSpc>
-              <a:spcBef>
-                <a:spcPts val="400"/>
-              </a:spcBef>
-              <a:spcAft>
-                <a:spcPts val="0"/>
-              </a:spcAft>
-              <a:buClr>
-                <a:srgbClr val="FFFFFF"/>
-              </a:buClr>
-              <a:buSzPts val="1100"/>
-              <a:buNone/>
-              <a:defRPr sz="1100">
-                <a:solidFill>
-                  <a:srgbClr val="FFFFFF"/>
-                </a:solidFill>
-              </a:defRPr>
-            </a:lvl2pPr>
-            <a:lvl3pPr lvl="2" rtl="0">
-              <a:lnSpc>
-                <a:spcPct val="100000"/>
-              </a:lnSpc>
-              <a:spcBef>
-                <a:spcPts val="400"/>
-              </a:spcBef>
-              <a:spcAft>
-                <a:spcPts val="0"/>
-              </a:spcAft>
-              <a:buClr>
-                <a:srgbClr val="FFFFFF"/>
-              </a:buClr>
-              <a:buSzPts val="1100"/>
-              <a:buNone/>
-              <a:defRPr sz="1100">
-                <a:solidFill>
-                  <a:srgbClr val="FFFFFF"/>
-                </a:solidFill>
-              </a:defRPr>
-            </a:lvl3pPr>
-            <a:lvl4pPr lvl="3" rtl="0">
-              <a:lnSpc>
-                <a:spcPct val="100000"/>
-              </a:lnSpc>
-              <a:spcBef>
-                <a:spcPts val="400"/>
-              </a:spcBef>
-              <a:spcAft>
-                <a:spcPts val="0"/>
-              </a:spcAft>
-              <a:buClr>
-                <a:srgbClr val="FFFFFF"/>
-              </a:buClr>
-              <a:buSzPts val="1100"/>
-              <a:buNone/>
-              <a:defRPr sz="1100">
-                <a:solidFill>
-                  <a:srgbClr val="FFFFFF"/>
-                </a:solidFill>
-              </a:defRPr>
-            </a:lvl4pPr>
-            <a:lvl5pPr lvl="4" rtl="0">
-              <a:lnSpc>
-                <a:spcPct val="100000"/>
-              </a:lnSpc>
-              <a:spcBef>
-                <a:spcPts val="400"/>
-              </a:spcBef>
-              <a:spcAft>
-                <a:spcPts val="0"/>
-              </a:spcAft>
-              <a:buClr>
-                <a:srgbClr val="FFFFFF"/>
-              </a:buClr>
-              <a:buSzPts val="1100"/>
-              <a:buNone/>
-              <a:defRPr sz="1100">
-                <a:solidFill>
-                  <a:srgbClr val="FFFFFF"/>
-                </a:solidFill>
-              </a:defRPr>
-            </a:lvl5pPr>
-            <a:lvl6pPr lvl="5" rtl="0">
-              <a:lnSpc>
-                <a:spcPct val="100000"/>
-              </a:lnSpc>
-              <a:spcBef>
-                <a:spcPts val="400"/>
-              </a:spcBef>
-              <a:spcAft>
-                <a:spcPts val="0"/>
-              </a:spcAft>
-              <a:buClr>
-                <a:srgbClr val="FFFFFF"/>
-              </a:buClr>
-              <a:buSzPts val="1100"/>
-              <a:buNone/>
-              <a:defRPr sz="1100">
-                <a:solidFill>
-                  <a:srgbClr val="FFFFFF"/>
-                </a:solidFill>
-              </a:defRPr>
-            </a:lvl6pPr>
-            <a:lvl7pPr lvl="6" rtl="0">
-              <a:lnSpc>
-                <a:spcPct val="100000"/>
-              </a:lnSpc>
-              <a:spcBef>
-                <a:spcPts val="400"/>
-              </a:spcBef>
-              <a:spcAft>
-                <a:spcPts val="0"/>
-              </a:spcAft>
-              <a:buClr>
-                <a:srgbClr val="FFFFFF"/>
-              </a:buClr>
-              <a:buSzPts val="1100"/>
-              <a:buNone/>
-              <a:defRPr sz="1100">
-                <a:solidFill>
-                  <a:srgbClr val="FFFFFF"/>
-                </a:solidFill>
-              </a:defRPr>
-            </a:lvl7pPr>
-            <a:lvl8pPr lvl="7" rtl="0">
-              <a:lnSpc>
-                <a:spcPct val="100000"/>
-              </a:lnSpc>
-              <a:spcBef>
-                <a:spcPts val="400"/>
-              </a:spcBef>
-              <a:spcAft>
-                <a:spcPts val="0"/>
-              </a:spcAft>
-              <a:buClr>
-                <a:srgbClr val="FFFFFF"/>
-              </a:buClr>
-              <a:buSzPts val="1100"/>
-              <a:buNone/>
-              <a:defRPr sz="1100">
-                <a:solidFill>
-                  <a:srgbClr val="FFFFFF"/>
-                </a:solidFill>
-              </a:defRPr>
-            </a:lvl8pPr>
-            <a:lvl9pPr lvl="8" rtl="0">
-              <a:lnSpc>
-                <a:spcPct val="100000"/>
-              </a:lnSpc>
-              <a:spcBef>
-                <a:spcPts val="400"/>
-              </a:spcBef>
-              <a:spcAft>
-                <a:spcPts val="0"/>
-              </a:spcAft>
-              <a:buClr>
-                <a:srgbClr val="FFFFFF"/>
-              </a:buClr>
-              <a:buSzPts val="1100"/>
-              <a:buNone/>
-              <a:defRPr sz="1100">
-                <a:solidFill>
-                  <a:srgbClr val="FFFFFF"/>
-                </a:solidFill>
-              </a:defRPr>
-            </a:lvl9pPr>
-          </a:lstStyle>
-          <a:p>
-            <a:endParaRPr/>
-          </a:p>
-        </p:txBody>
-      </p:sp>
-      <p:sp>
-        <p:nvSpPr>
-          <p:cNvPr id="41" name="Google Shape;41;p4"/>
-          <p:cNvSpPr txBox="1">
-            <a:spLocks noGrp="1"/>
-          </p:cNvSpPr>
-          <p:nvPr>
-            <p:ph type="ctrTitle"/>
-          </p:nvPr>
-        </p:nvSpPr>
-        <p:spPr>
-          <a:xfrm>
-            <a:off x="6052873" y="2105374"/>
-            <a:ext cx="2135700" cy="946200"/>
-          </a:xfrm>
-          <a:prstGeom prst="rect">
-            <a:avLst/>
-          </a:prstGeom>
-        </p:spPr>
-        <p:txBody>
-          <a:bodyPr spcFirstLastPara="1" wrap="square" lIns="68575" tIns="34275" rIns="68575" bIns="34275" anchor="ctr" anchorCtr="0">
-            <a:noAutofit/>
-          </a:bodyPr>
-          <a:lstStyle>
-            <a:lvl1pPr lvl="0" algn="r" rtl="0">
-              <a:spcBef>
-                <a:spcPts val="0"/>
-              </a:spcBef>
-              <a:spcAft>
-                <a:spcPts val="0"/>
-              </a:spcAft>
-              <a:buClr>
-                <a:srgbClr val="FFFFFF"/>
-              </a:buClr>
-              <a:buSzPts val="2400"/>
-              <a:buNone/>
-              <a:defRPr sz="2400" b="0">
-                <a:solidFill>
-                  <a:srgbClr val="FFFFFF"/>
-                </a:solidFill>
-              </a:defRPr>
-            </a:lvl1pPr>
-            <a:lvl2pPr lvl="1" algn="r" rtl="0">
-              <a:spcBef>
-                <a:spcPts val="0"/>
-              </a:spcBef>
-              <a:spcAft>
-                <a:spcPts val="0"/>
-              </a:spcAft>
-              <a:buClr>
-                <a:srgbClr val="FFFFFF"/>
-              </a:buClr>
-              <a:buSzPts val="1800"/>
-              <a:buNone/>
-              <a:defRPr sz="1800">
-                <a:solidFill>
-                  <a:srgbClr val="FFFFFF"/>
-                </a:solidFill>
-              </a:defRPr>
-            </a:lvl2pPr>
-            <a:lvl3pPr lvl="2" algn="r" rtl="0">
-              <a:spcBef>
-                <a:spcPts val="0"/>
-              </a:spcBef>
-              <a:spcAft>
-                <a:spcPts val="0"/>
-              </a:spcAft>
-              <a:buClr>
-                <a:srgbClr val="FFFFFF"/>
-              </a:buClr>
-              <a:buSzPts val="1800"/>
-              <a:buNone/>
-              <a:defRPr sz="1800">
-                <a:solidFill>
-                  <a:srgbClr val="FFFFFF"/>
-                </a:solidFill>
-              </a:defRPr>
-            </a:lvl3pPr>
-            <a:lvl4pPr lvl="3" algn="r" rtl="0">
-              <a:spcBef>
-                <a:spcPts val="0"/>
-              </a:spcBef>
-              <a:spcAft>
-                <a:spcPts val="0"/>
-              </a:spcAft>
-              <a:buClr>
-                <a:srgbClr val="FFFFFF"/>
-              </a:buClr>
-              <a:buSzPts val="1800"/>
-              <a:buNone/>
-              <a:defRPr sz="1800">
-                <a:solidFill>
-                  <a:srgbClr val="FFFFFF"/>
-                </a:solidFill>
-              </a:defRPr>
-            </a:lvl4pPr>
-            <a:lvl5pPr lvl="4" algn="r" rtl="0">
-              <a:spcBef>
-                <a:spcPts val="0"/>
-              </a:spcBef>
-              <a:spcAft>
-                <a:spcPts val="0"/>
-              </a:spcAft>
-              <a:buClr>
-                <a:srgbClr val="FFFFFF"/>
-              </a:buClr>
-              <a:buSzPts val="1800"/>
-              <a:buNone/>
-              <a:defRPr sz="1800">
-                <a:solidFill>
-                  <a:srgbClr val="FFFFFF"/>
-                </a:solidFill>
-              </a:defRPr>
-            </a:lvl5pPr>
-            <a:lvl6pPr lvl="5" algn="r" rtl="0">
-              <a:spcBef>
-                <a:spcPts val="0"/>
-              </a:spcBef>
-              <a:spcAft>
-                <a:spcPts val="0"/>
-              </a:spcAft>
-              <a:buClr>
-                <a:srgbClr val="FFFFFF"/>
-              </a:buClr>
-              <a:buSzPts val="1800"/>
-              <a:buNone/>
-              <a:defRPr sz="1800">
-                <a:solidFill>
-                  <a:srgbClr val="FFFFFF"/>
-                </a:solidFill>
-              </a:defRPr>
-            </a:lvl6pPr>
-            <a:lvl7pPr lvl="6" algn="r" rtl="0">
-              <a:spcBef>
-                <a:spcPts val="0"/>
-              </a:spcBef>
-              <a:spcAft>
-                <a:spcPts val="0"/>
-              </a:spcAft>
-              <a:buClr>
-                <a:srgbClr val="FFFFFF"/>
-              </a:buClr>
-              <a:buSzPts val="1800"/>
-              <a:buNone/>
-              <a:defRPr sz="1800">
-                <a:solidFill>
-                  <a:srgbClr val="FFFFFF"/>
-                </a:solidFill>
-              </a:defRPr>
-            </a:lvl7pPr>
-            <a:lvl8pPr lvl="7" algn="r" rtl="0">
-              <a:spcBef>
-                <a:spcPts val="0"/>
-              </a:spcBef>
-              <a:spcAft>
-                <a:spcPts val="0"/>
-              </a:spcAft>
-              <a:buClr>
-                <a:srgbClr val="FFFFFF"/>
-              </a:buClr>
-              <a:buSzPts val="1800"/>
-              <a:buNone/>
-              <a:defRPr sz="1800">
-                <a:solidFill>
-                  <a:srgbClr val="FFFFFF"/>
-                </a:solidFill>
-              </a:defRPr>
-            </a:lvl8pPr>
-            <a:lvl9pPr lvl="8" algn="r" rtl="0">
-              <a:spcBef>
-                <a:spcPts val="0"/>
-              </a:spcBef>
-              <a:spcAft>
-                <a:spcPts val="0"/>
-              </a:spcAft>
-              <a:buClr>
-                <a:srgbClr val="FFFFFF"/>
-              </a:buClr>
-              <a:buSzPts val="1800"/>
-              <a:buNone/>
-              <a:defRPr sz="1800">
-                <a:solidFill>
-                  <a:srgbClr val="FFFFFF"/>
-                </a:solidFill>
-              </a:defRPr>
-            </a:lvl9pPr>
-          </a:lstStyle>
-          <a:p>
-            <a:endParaRPr/>
-          </a:p>
-        </p:txBody>
-      </p:sp>
-      <p:sp>
-        <p:nvSpPr>
-          <p:cNvPr id="42" name="Google Shape;42;p4"/>
-          <p:cNvSpPr txBox="1">
-            <a:spLocks noGrp="1"/>
-          </p:cNvSpPr>
-          <p:nvPr>
-            <p:ph type="title" idx="7" hasCustomPrompt="1"/>
-          </p:nvPr>
-        </p:nvSpPr>
-        <p:spPr>
-          <a:xfrm>
-            <a:off x="1109465" y="1624139"/>
-            <a:ext cx="1230600" cy="454500"/>
-          </a:xfrm>
-          <a:prstGeom prst="rect">
-            <a:avLst/>
-          </a:prstGeom>
-        </p:spPr>
-        <p:txBody>
-          <a:bodyPr spcFirstLastPara="1" wrap="square" lIns="68575" tIns="34275" rIns="68575" bIns="34275" anchor="t" anchorCtr="0">
-            <a:noAutofit/>
-          </a:bodyPr>
-          <a:lstStyle>
-            <a:lvl1pPr lvl="0" algn="r" rtl="0">
-              <a:spcBef>
-                <a:spcPts val="0"/>
-              </a:spcBef>
-              <a:spcAft>
-                <a:spcPts val="0"/>
-              </a:spcAft>
-              <a:buClr>
-                <a:srgbClr val="FFFFFF"/>
-              </a:buClr>
-              <a:buSzPts val="1800"/>
-              <a:buNone/>
-              <a:defRPr sz="1800" b="0">
-                <a:solidFill>
-                  <a:srgbClr val="FFFFFF"/>
-                </a:solidFill>
-              </a:defRPr>
-            </a:lvl1pPr>
-            <a:lvl2pPr lvl="1" algn="r" rtl="0">
-              <a:spcBef>
-                <a:spcPts val="0"/>
-              </a:spcBef>
-              <a:spcAft>
-                <a:spcPts val="0"/>
-              </a:spcAft>
-              <a:buClr>
-                <a:srgbClr val="FFFFFF"/>
-              </a:buClr>
-              <a:buSzPts val="1800"/>
-              <a:buNone/>
-              <a:defRPr sz="1800">
-                <a:solidFill>
-                  <a:srgbClr val="FFFFFF"/>
-                </a:solidFill>
-              </a:defRPr>
-            </a:lvl2pPr>
-            <a:lvl3pPr lvl="2" algn="r" rtl="0">
-              <a:spcBef>
-                <a:spcPts val="0"/>
-              </a:spcBef>
-              <a:spcAft>
-                <a:spcPts val="0"/>
-              </a:spcAft>
-              <a:buClr>
-                <a:srgbClr val="FFFFFF"/>
-              </a:buClr>
-              <a:buSzPts val="1800"/>
-              <a:buNone/>
-              <a:defRPr sz="1800">
-                <a:solidFill>
-                  <a:srgbClr val="FFFFFF"/>
-                </a:solidFill>
-              </a:defRPr>
-            </a:lvl3pPr>
-            <a:lvl4pPr lvl="3" algn="r" rtl="0">
-              <a:spcBef>
-                <a:spcPts val="0"/>
-              </a:spcBef>
-              <a:spcAft>
-                <a:spcPts val="0"/>
-              </a:spcAft>
-              <a:buClr>
-                <a:srgbClr val="FFFFFF"/>
-              </a:buClr>
-              <a:buSzPts val="1800"/>
-              <a:buNone/>
-              <a:defRPr sz="1800">
-                <a:solidFill>
-                  <a:srgbClr val="FFFFFF"/>
-                </a:solidFill>
-              </a:defRPr>
-            </a:lvl4pPr>
-            <a:lvl5pPr lvl="4" algn="r" rtl="0">
-              <a:spcBef>
-                <a:spcPts val="0"/>
-              </a:spcBef>
-              <a:spcAft>
-                <a:spcPts val="0"/>
-              </a:spcAft>
-              <a:buClr>
-                <a:srgbClr val="FFFFFF"/>
-              </a:buClr>
-              <a:buSzPts val="1800"/>
-              <a:buNone/>
-              <a:defRPr sz="1800">
-                <a:solidFill>
-                  <a:srgbClr val="FFFFFF"/>
-                </a:solidFill>
-              </a:defRPr>
-            </a:lvl5pPr>
-            <a:lvl6pPr lvl="5" algn="r" rtl="0">
-              <a:spcBef>
-                <a:spcPts val="0"/>
-              </a:spcBef>
-              <a:spcAft>
-                <a:spcPts val="0"/>
-              </a:spcAft>
-              <a:buClr>
-                <a:srgbClr val="FFFFFF"/>
-              </a:buClr>
-              <a:buSzPts val="1800"/>
-              <a:buNone/>
-              <a:defRPr sz="1800">
-                <a:solidFill>
-                  <a:srgbClr val="FFFFFF"/>
-                </a:solidFill>
-              </a:defRPr>
-            </a:lvl6pPr>
-            <a:lvl7pPr lvl="6" algn="r" rtl="0">
-              <a:spcBef>
-                <a:spcPts val="0"/>
-              </a:spcBef>
-              <a:spcAft>
-                <a:spcPts val="0"/>
-              </a:spcAft>
-              <a:buClr>
-                <a:srgbClr val="FFFFFF"/>
-              </a:buClr>
-              <a:buSzPts val="1800"/>
-              <a:buNone/>
-              <a:defRPr sz="1800">
-                <a:solidFill>
-                  <a:srgbClr val="FFFFFF"/>
-                </a:solidFill>
-              </a:defRPr>
-            </a:lvl7pPr>
-            <a:lvl8pPr lvl="7" algn="r" rtl="0">
-              <a:spcBef>
-                <a:spcPts val="0"/>
-              </a:spcBef>
-              <a:spcAft>
-                <a:spcPts val="0"/>
-              </a:spcAft>
-              <a:buClr>
-                <a:srgbClr val="FFFFFF"/>
-              </a:buClr>
-              <a:buSzPts val="1800"/>
-              <a:buNone/>
-              <a:defRPr sz="1800">
-                <a:solidFill>
-                  <a:srgbClr val="FFFFFF"/>
-                </a:solidFill>
-              </a:defRPr>
-            </a:lvl8pPr>
-            <a:lvl9pPr lvl="8" algn="r" rtl="0">
-              <a:spcBef>
-                <a:spcPts val="0"/>
-              </a:spcBef>
-              <a:spcAft>
-                <a:spcPts val="0"/>
-              </a:spcAft>
-              <a:buClr>
-                <a:srgbClr val="FFFFFF"/>
-              </a:buClr>
-              <a:buSzPts val="1800"/>
-              <a:buNone/>
-              <a:defRPr sz="1800">
-                <a:solidFill>
-                  <a:srgbClr val="FFFFFF"/>
-                </a:solidFill>
-              </a:defRPr>
-            </a:lvl9pPr>
-          </a:lstStyle>
-          <a:p>
-            <a:r>
-              <a:t>xx%</a:t>
-            </a:r>
-          </a:p>
-        </p:txBody>
-      </p:sp>
-      <p:sp>
-        <p:nvSpPr>
-          <p:cNvPr id="43" name="Google Shape;43;p4"/>
-          <p:cNvSpPr txBox="1">
-            <a:spLocks noGrp="1"/>
-          </p:cNvSpPr>
-          <p:nvPr>
-            <p:ph type="title" idx="8" hasCustomPrompt="1"/>
-          </p:nvPr>
-        </p:nvSpPr>
-        <p:spPr>
-          <a:xfrm>
-            <a:off x="1109465" y="2340911"/>
-            <a:ext cx="1230600" cy="454500"/>
-          </a:xfrm>
-          <a:prstGeom prst="rect">
-            <a:avLst/>
-          </a:prstGeom>
-        </p:spPr>
-        <p:txBody>
-          <a:bodyPr spcFirstLastPara="1" wrap="square" lIns="68575" tIns="34275" rIns="68575" bIns="34275" anchor="t" anchorCtr="0">
-            <a:noAutofit/>
-          </a:bodyPr>
-          <a:lstStyle>
-            <a:lvl1pPr lvl="0" algn="r" rtl="0">
-              <a:spcBef>
-                <a:spcPts val="0"/>
-              </a:spcBef>
-              <a:spcAft>
-                <a:spcPts val="0"/>
-              </a:spcAft>
-              <a:buClr>
-                <a:srgbClr val="FFFFFF"/>
-              </a:buClr>
-              <a:buSzPts val="1800"/>
-              <a:buNone/>
-              <a:defRPr sz="1800" b="0">
-                <a:solidFill>
-                  <a:srgbClr val="FFFFFF"/>
-                </a:solidFill>
-              </a:defRPr>
-            </a:lvl1pPr>
-            <a:lvl2pPr lvl="1" algn="r" rtl="0">
-              <a:spcBef>
-                <a:spcPts val="0"/>
-              </a:spcBef>
-              <a:spcAft>
-                <a:spcPts val="0"/>
-              </a:spcAft>
-              <a:buClr>
-                <a:srgbClr val="FFFFFF"/>
-              </a:buClr>
-              <a:buSzPts val="1800"/>
-              <a:buNone/>
-              <a:defRPr sz="1800">
-                <a:solidFill>
-                  <a:srgbClr val="FFFFFF"/>
-                </a:solidFill>
-              </a:defRPr>
-            </a:lvl2pPr>
-            <a:lvl3pPr lvl="2" algn="r" rtl="0">
-              <a:spcBef>
-                <a:spcPts val="0"/>
-              </a:spcBef>
-              <a:spcAft>
-                <a:spcPts val="0"/>
-              </a:spcAft>
-              <a:buClr>
-                <a:srgbClr val="FFFFFF"/>
-              </a:buClr>
-              <a:buSzPts val="1800"/>
-              <a:buNone/>
-              <a:defRPr sz="1800">
-                <a:solidFill>
-                  <a:srgbClr val="FFFFFF"/>
-                </a:solidFill>
-              </a:defRPr>
-            </a:lvl3pPr>
-            <a:lvl4pPr lvl="3" algn="r" rtl="0">
-              <a:spcBef>
-                <a:spcPts val="0"/>
-              </a:spcBef>
-              <a:spcAft>
-                <a:spcPts val="0"/>
-              </a:spcAft>
-              <a:buClr>
-                <a:srgbClr val="FFFFFF"/>
-              </a:buClr>
-              <a:buSzPts val="1800"/>
-              <a:buNone/>
-              <a:defRPr sz="1800">
-                <a:solidFill>
-                  <a:srgbClr val="FFFFFF"/>
-                </a:solidFill>
-              </a:defRPr>
-            </a:lvl4pPr>
-            <a:lvl5pPr lvl="4" algn="r" rtl="0">
-              <a:spcBef>
-                <a:spcPts val="0"/>
-              </a:spcBef>
-              <a:spcAft>
-                <a:spcPts val="0"/>
-              </a:spcAft>
-              <a:buClr>
-                <a:srgbClr val="FFFFFF"/>
-              </a:buClr>
-              <a:buSzPts val="1800"/>
-              <a:buNone/>
-              <a:defRPr sz="1800">
-                <a:solidFill>
-                  <a:srgbClr val="FFFFFF"/>
-                </a:solidFill>
-              </a:defRPr>
-            </a:lvl5pPr>
-            <a:lvl6pPr lvl="5" algn="r" rtl="0">
-              <a:spcBef>
-                <a:spcPts val="0"/>
-              </a:spcBef>
-              <a:spcAft>
-                <a:spcPts val="0"/>
-              </a:spcAft>
-              <a:buClr>
-                <a:srgbClr val="FFFFFF"/>
-              </a:buClr>
-              <a:buSzPts val="1800"/>
-              <a:buNone/>
-              <a:defRPr sz="1800">
-                <a:solidFill>
-                  <a:srgbClr val="FFFFFF"/>
-                </a:solidFill>
-              </a:defRPr>
-            </a:lvl6pPr>
-            <a:lvl7pPr lvl="6" algn="r" rtl="0">
-              <a:spcBef>
-                <a:spcPts val="0"/>
-              </a:spcBef>
-              <a:spcAft>
-                <a:spcPts val="0"/>
-              </a:spcAft>
-              <a:buClr>
-                <a:srgbClr val="FFFFFF"/>
-              </a:buClr>
-              <a:buSzPts val="1800"/>
-              <a:buNone/>
-              <a:defRPr sz="1800">
-                <a:solidFill>
-                  <a:srgbClr val="FFFFFF"/>
-                </a:solidFill>
-              </a:defRPr>
-            </a:lvl7pPr>
-            <a:lvl8pPr lvl="7" algn="r" rtl="0">
-              <a:spcBef>
-                <a:spcPts val="0"/>
-              </a:spcBef>
-              <a:spcAft>
-                <a:spcPts val="0"/>
-              </a:spcAft>
-              <a:buClr>
-                <a:srgbClr val="FFFFFF"/>
-              </a:buClr>
-              <a:buSzPts val="1800"/>
-              <a:buNone/>
-              <a:defRPr sz="1800">
-                <a:solidFill>
-                  <a:srgbClr val="FFFFFF"/>
-                </a:solidFill>
-              </a:defRPr>
-            </a:lvl8pPr>
-            <a:lvl9pPr lvl="8" algn="r" rtl="0">
-              <a:spcBef>
-                <a:spcPts val="0"/>
-              </a:spcBef>
-              <a:spcAft>
-                <a:spcPts val="0"/>
-              </a:spcAft>
-              <a:buClr>
-                <a:srgbClr val="FFFFFF"/>
-              </a:buClr>
-              <a:buSzPts val="1800"/>
-              <a:buNone/>
-              <a:defRPr sz="1800">
-                <a:solidFill>
-                  <a:srgbClr val="FFFFFF"/>
-                </a:solidFill>
-              </a:defRPr>
-            </a:lvl9pPr>
-          </a:lstStyle>
-          <a:p>
-            <a:r>
-              <a:t>xx%</a:t>
-            </a:r>
-          </a:p>
-        </p:txBody>
-      </p:sp>
-      <p:sp>
-        <p:nvSpPr>
-          <p:cNvPr id="44" name="Google Shape;44;p4"/>
-          <p:cNvSpPr txBox="1">
-            <a:spLocks noGrp="1"/>
-          </p:cNvSpPr>
-          <p:nvPr>
-            <p:ph type="title" idx="9" hasCustomPrompt="1"/>
-          </p:nvPr>
-        </p:nvSpPr>
-        <p:spPr>
-          <a:xfrm>
-            <a:off x="1109465" y="3061516"/>
-            <a:ext cx="1230600" cy="454500"/>
-          </a:xfrm>
-          <a:prstGeom prst="rect">
-            <a:avLst/>
-          </a:prstGeom>
-        </p:spPr>
-        <p:txBody>
-          <a:bodyPr spcFirstLastPara="1" wrap="square" lIns="68575" tIns="34275" rIns="68575" bIns="34275" anchor="t" anchorCtr="0">
-            <a:noAutofit/>
-          </a:bodyPr>
-          <a:lstStyle>
-            <a:lvl1pPr lvl="0" algn="r" rtl="0">
-              <a:spcBef>
-                <a:spcPts val="0"/>
-              </a:spcBef>
-              <a:spcAft>
-                <a:spcPts val="0"/>
-              </a:spcAft>
-              <a:buClr>
-                <a:srgbClr val="FFFFFF"/>
-              </a:buClr>
-              <a:buSzPts val="1800"/>
-              <a:buNone/>
-              <a:defRPr sz="1800" b="0">
-                <a:solidFill>
-                  <a:srgbClr val="FFFFFF"/>
-                </a:solidFill>
-              </a:defRPr>
-            </a:lvl1pPr>
-            <a:lvl2pPr lvl="1" algn="r" rtl="0">
-              <a:spcBef>
-                <a:spcPts val="0"/>
-              </a:spcBef>
-              <a:spcAft>
-                <a:spcPts val="0"/>
-              </a:spcAft>
-              <a:buClr>
-                <a:srgbClr val="FFFFFF"/>
-              </a:buClr>
-              <a:buSzPts val="1800"/>
-              <a:buNone/>
-              <a:defRPr sz="1800">
-                <a:solidFill>
-                  <a:srgbClr val="FFFFFF"/>
-                </a:solidFill>
-              </a:defRPr>
-            </a:lvl2pPr>
-            <a:lvl3pPr lvl="2" algn="r" rtl="0">
-              <a:spcBef>
-                <a:spcPts val="0"/>
-              </a:spcBef>
-              <a:spcAft>
-                <a:spcPts val="0"/>
-              </a:spcAft>
-              <a:buClr>
-                <a:srgbClr val="FFFFFF"/>
-              </a:buClr>
-              <a:buSzPts val="1800"/>
-              <a:buNone/>
-              <a:defRPr sz="1800">
-                <a:solidFill>
-                  <a:srgbClr val="FFFFFF"/>
-                </a:solidFill>
-              </a:defRPr>
-            </a:lvl3pPr>
-            <a:lvl4pPr lvl="3" algn="r" rtl="0">
-              <a:spcBef>
-                <a:spcPts val="0"/>
-              </a:spcBef>
-              <a:spcAft>
-                <a:spcPts val="0"/>
-              </a:spcAft>
-              <a:buClr>
-                <a:srgbClr val="FFFFFF"/>
-              </a:buClr>
-              <a:buSzPts val="1800"/>
-              <a:buNone/>
-              <a:defRPr sz="1800">
-                <a:solidFill>
-                  <a:srgbClr val="FFFFFF"/>
-                </a:solidFill>
-              </a:defRPr>
-            </a:lvl4pPr>
-            <a:lvl5pPr lvl="4" algn="r" rtl="0">
-              <a:spcBef>
-                <a:spcPts val="0"/>
-              </a:spcBef>
-              <a:spcAft>
-                <a:spcPts val="0"/>
-              </a:spcAft>
-              <a:buClr>
-                <a:srgbClr val="FFFFFF"/>
-              </a:buClr>
-              <a:buSzPts val="1800"/>
-              <a:buNone/>
-              <a:defRPr sz="1800">
-                <a:solidFill>
-                  <a:srgbClr val="FFFFFF"/>
-                </a:solidFill>
-              </a:defRPr>
-            </a:lvl5pPr>
-            <a:lvl6pPr lvl="5" algn="r" rtl="0">
-              <a:spcBef>
-                <a:spcPts val="0"/>
-              </a:spcBef>
-              <a:spcAft>
-                <a:spcPts val="0"/>
-              </a:spcAft>
-              <a:buClr>
-                <a:srgbClr val="FFFFFF"/>
-              </a:buClr>
-              <a:buSzPts val="1800"/>
-              <a:buNone/>
-              <a:defRPr sz="1800">
-                <a:solidFill>
-                  <a:srgbClr val="FFFFFF"/>
-                </a:solidFill>
-              </a:defRPr>
-            </a:lvl6pPr>
-            <a:lvl7pPr lvl="6" algn="r" rtl="0">
-              <a:spcBef>
-                <a:spcPts val="0"/>
-              </a:spcBef>
-              <a:spcAft>
-                <a:spcPts val="0"/>
-              </a:spcAft>
-              <a:buClr>
-                <a:srgbClr val="FFFFFF"/>
-              </a:buClr>
-              <a:buSzPts val="1800"/>
-              <a:buNone/>
-              <a:defRPr sz="1800">
-                <a:solidFill>
-                  <a:srgbClr val="FFFFFF"/>
-                </a:solidFill>
-              </a:defRPr>
-            </a:lvl7pPr>
-            <a:lvl8pPr lvl="7" algn="r" rtl="0">
-              <a:spcBef>
-                <a:spcPts val="0"/>
-              </a:spcBef>
-              <a:spcAft>
-                <a:spcPts val="0"/>
-              </a:spcAft>
-              <a:buClr>
-                <a:srgbClr val="FFFFFF"/>
-              </a:buClr>
-              <a:buSzPts val="1800"/>
-              <a:buNone/>
-              <a:defRPr sz="1800">
-                <a:solidFill>
-                  <a:srgbClr val="FFFFFF"/>
-                </a:solidFill>
-              </a:defRPr>
-            </a:lvl8pPr>
-            <a:lvl9pPr lvl="8" algn="r" rtl="0">
-              <a:spcBef>
-                <a:spcPts val="0"/>
-              </a:spcBef>
-              <a:spcAft>
-                <a:spcPts val="0"/>
-              </a:spcAft>
-              <a:buClr>
-                <a:srgbClr val="FFFFFF"/>
-              </a:buClr>
-              <a:buSzPts val="1800"/>
-              <a:buNone/>
-              <a:defRPr sz="1800">
-                <a:solidFill>
-                  <a:srgbClr val="FFFFFF"/>
-                </a:solidFill>
-              </a:defRPr>
-            </a:lvl9pPr>
-          </a:lstStyle>
-          <a:p>
-            <a:r>
-              <a:t>xx%</a:t>
-            </a:r>
-          </a:p>
-        </p:txBody>
-      </p:sp>
-      <p:sp>
-        <p:nvSpPr>
-          <p:cNvPr id="45" name="Google Shape;45;p4"/>
-          <p:cNvSpPr txBox="1">
-            <a:spLocks noGrp="1"/>
-          </p:cNvSpPr>
-          <p:nvPr>
-            <p:ph type="subTitle" idx="13"/>
-          </p:nvPr>
-        </p:nvSpPr>
-        <p:spPr>
-          <a:xfrm flipH="1">
-            <a:off x="2406290" y="3580183"/>
-            <a:ext cx="6451500" cy="561600"/>
-          </a:xfrm>
-          <a:prstGeom prst="rect">
-            <a:avLst/>
-          </a:prstGeom>
-        </p:spPr>
-        <p:txBody>
-          <a:bodyPr spcFirstLastPara="1" wrap="square" lIns="68575" tIns="34275" rIns="68575" bIns="34275" anchor="b" anchorCtr="0">
-            <a:noAutofit/>
-          </a:bodyPr>
-          <a:lstStyle>
-            <a:lvl1pPr lvl="0" rtl="0">
-              <a:lnSpc>
-                <a:spcPct val="100000"/>
-              </a:lnSpc>
-              <a:spcBef>
-                <a:spcPts val="800"/>
-              </a:spcBef>
-              <a:spcAft>
-                <a:spcPts val="0"/>
-              </a:spcAft>
-              <a:buClr>
-                <a:srgbClr val="FFFFFF"/>
-              </a:buClr>
-              <a:buSzPts val="1800"/>
-              <a:buFont typeface="Squada One"/>
-              <a:buNone/>
-              <a:defRPr sz="1800">
-                <a:solidFill>
-                  <a:srgbClr val="FFFFFF"/>
-                </a:solidFill>
-                <a:latin typeface="Squada One"/>
-                <a:ea typeface="Squada One"/>
-                <a:cs typeface="Squada One"/>
-                <a:sym typeface="Squada One"/>
-              </a:defRPr>
-            </a:lvl1pPr>
-            <a:lvl2pPr lvl="1" rtl="0">
-              <a:lnSpc>
-                <a:spcPct val="100000"/>
-              </a:lnSpc>
-              <a:spcBef>
-                <a:spcPts val="400"/>
-              </a:spcBef>
-              <a:spcAft>
-                <a:spcPts val="0"/>
-              </a:spcAft>
-              <a:buClr>
-                <a:srgbClr val="FFFFFF"/>
-              </a:buClr>
-              <a:buSzPts val="1800"/>
-              <a:buFont typeface="Squada One"/>
-              <a:buNone/>
-              <a:defRPr sz="1800">
-                <a:solidFill>
-                  <a:srgbClr val="FFFFFF"/>
-                </a:solidFill>
-                <a:latin typeface="Squada One"/>
-                <a:ea typeface="Squada One"/>
-                <a:cs typeface="Squada One"/>
-                <a:sym typeface="Squada One"/>
-              </a:defRPr>
-            </a:lvl2pPr>
-            <a:lvl3pPr lvl="2" rtl="0">
-              <a:lnSpc>
-                <a:spcPct val="100000"/>
-              </a:lnSpc>
-              <a:spcBef>
-                <a:spcPts val="400"/>
-              </a:spcBef>
-              <a:spcAft>
-                <a:spcPts val="0"/>
-              </a:spcAft>
-              <a:buClr>
-                <a:srgbClr val="FFFFFF"/>
-              </a:buClr>
-              <a:buSzPts val="1800"/>
-              <a:buFont typeface="Squada One"/>
-              <a:buNone/>
-              <a:defRPr sz="1800">
-                <a:solidFill>
-                  <a:srgbClr val="FFFFFF"/>
-                </a:solidFill>
-                <a:latin typeface="Squada One"/>
-                <a:ea typeface="Squada One"/>
-                <a:cs typeface="Squada One"/>
-                <a:sym typeface="Squada One"/>
-              </a:defRPr>
-            </a:lvl3pPr>
-            <a:lvl4pPr lvl="3" rtl="0">
-              <a:lnSpc>
-                <a:spcPct val="100000"/>
-              </a:lnSpc>
-              <a:spcBef>
-                <a:spcPts val="400"/>
-              </a:spcBef>
-              <a:spcAft>
-                <a:spcPts val="0"/>
-              </a:spcAft>
-              <a:buClr>
-                <a:srgbClr val="FFFFFF"/>
-              </a:buClr>
-              <a:buSzPts val="1800"/>
-              <a:buFont typeface="Squada One"/>
-              <a:buNone/>
-              <a:defRPr sz="1800">
-                <a:solidFill>
-                  <a:srgbClr val="FFFFFF"/>
-                </a:solidFill>
-                <a:latin typeface="Squada One"/>
-                <a:ea typeface="Squada One"/>
-                <a:cs typeface="Squada One"/>
-                <a:sym typeface="Squada One"/>
-              </a:defRPr>
-            </a:lvl4pPr>
-            <a:lvl5pPr lvl="4" rtl="0">
-              <a:lnSpc>
-                <a:spcPct val="100000"/>
-              </a:lnSpc>
-              <a:spcBef>
-                <a:spcPts val="400"/>
-              </a:spcBef>
-              <a:spcAft>
-                <a:spcPts val="0"/>
-              </a:spcAft>
-              <a:buClr>
-                <a:srgbClr val="FFFFFF"/>
-              </a:buClr>
-              <a:buSzPts val="1800"/>
-              <a:buFont typeface="Squada One"/>
-              <a:buNone/>
-              <a:defRPr sz="1800">
-                <a:solidFill>
-                  <a:srgbClr val="FFFFFF"/>
-                </a:solidFill>
-                <a:latin typeface="Squada One"/>
-                <a:ea typeface="Squada One"/>
-                <a:cs typeface="Squada One"/>
-                <a:sym typeface="Squada One"/>
-              </a:defRPr>
-            </a:lvl5pPr>
-            <a:lvl6pPr lvl="5" rtl="0">
-              <a:lnSpc>
-                <a:spcPct val="100000"/>
-              </a:lnSpc>
-              <a:spcBef>
-                <a:spcPts val="400"/>
-              </a:spcBef>
-              <a:spcAft>
-                <a:spcPts val="0"/>
-              </a:spcAft>
-              <a:buClr>
-                <a:srgbClr val="FFFFFF"/>
-              </a:buClr>
-              <a:buSzPts val="1800"/>
-              <a:buFont typeface="Squada One"/>
-              <a:buNone/>
-              <a:defRPr sz="1800">
-                <a:solidFill>
-                  <a:srgbClr val="FFFFFF"/>
-                </a:solidFill>
-                <a:latin typeface="Squada One"/>
-                <a:ea typeface="Squada One"/>
-                <a:cs typeface="Squada One"/>
-                <a:sym typeface="Squada One"/>
-              </a:defRPr>
-            </a:lvl6pPr>
-            <a:lvl7pPr lvl="6" rtl="0">
-              <a:lnSpc>
-                <a:spcPct val="100000"/>
-              </a:lnSpc>
-              <a:spcBef>
-                <a:spcPts val="400"/>
-              </a:spcBef>
-              <a:spcAft>
-                <a:spcPts val="0"/>
-              </a:spcAft>
-              <a:buClr>
-                <a:srgbClr val="FFFFFF"/>
-              </a:buClr>
-              <a:buSzPts val="1800"/>
-              <a:buFont typeface="Squada One"/>
-              <a:buNone/>
-              <a:defRPr sz="1800">
-                <a:solidFill>
-                  <a:srgbClr val="FFFFFF"/>
-                </a:solidFill>
-                <a:latin typeface="Squada One"/>
-                <a:ea typeface="Squada One"/>
-                <a:cs typeface="Squada One"/>
-                <a:sym typeface="Squada One"/>
-              </a:defRPr>
-            </a:lvl7pPr>
-            <a:lvl8pPr lvl="7" rtl="0">
-              <a:lnSpc>
-                <a:spcPct val="100000"/>
-              </a:lnSpc>
-              <a:spcBef>
-                <a:spcPts val="400"/>
-              </a:spcBef>
-              <a:spcAft>
-                <a:spcPts val="0"/>
-              </a:spcAft>
-              <a:buClr>
-                <a:srgbClr val="FFFFFF"/>
-              </a:buClr>
-              <a:buSzPts val="1800"/>
-              <a:buFont typeface="Squada One"/>
-              <a:buNone/>
-              <a:defRPr sz="1800">
-                <a:solidFill>
-                  <a:srgbClr val="FFFFFF"/>
-                </a:solidFill>
-                <a:latin typeface="Squada One"/>
-                <a:ea typeface="Squada One"/>
-                <a:cs typeface="Squada One"/>
-                <a:sym typeface="Squada One"/>
-              </a:defRPr>
-            </a:lvl8pPr>
-            <a:lvl9pPr lvl="8" rtl="0">
-              <a:lnSpc>
-                <a:spcPct val="100000"/>
-              </a:lnSpc>
-              <a:spcBef>
-                <a:spcPts val="400"/>
-              </a:spcBef>
-              <a:spcAft>
-                <a:spcPts val="0"/>
-              </a:spcAft>
-              <a:buClr>
-                <a:srgbClr val="FFFFFF"/>
-              </a:buClr>
-              <a:buSzPts val="1800"/>
-              <a:buFont typeface="Squada One"/>
-              <a:buNone/>
-              <a:defRPr sz="1800">
-                <a:solidFill>
-                  <a:srgbClr val="FFFFFF"/>
-                </a:solidFill>
-                <a:latin typeface="Squada One"/>
-                <a:ea typeface="Squada One"/>
-                <a:cs typeface="Squada One"/>
-                <a:sym typeface="Squada One"/>
-              </a:defRPr>
-            </a:lvl9pPr>
-          </a:lstStyle>
-          <a:p>
-            <a:endParaRPr/>
-          </a:p>
-        </p:txBody>
-      </p:sp>
-      <p:sp>
-        <p:nvSpPr>
-          <p:cNvPr id="46" name="Google Shape;46;p4"/>
-          <p:cNvSpPr txBox="1">
-            <a:spLocks noGrp="1"/>
-          </p:cNvSpPr>
-          <p:nvPr>
-            <p:ph type="subTitle" idx="14"/>
-          </p:nvPr>
-        </p:nvSpPr>
-        <p:spPr>
-          <a:xfrm>
-            <a:off x="2404800" y="4080849"/>
-            <a:ext cx="4434600" cy="281700"/>
-          </a:xfrm>
-          <a:prstGeom prst="rect">
-            <a:avLst/>
-          </a:prstGeom>
-        </p:spPr>
-        <p:txBody>
-          <a:bodyPr spcFirstLastPara="1" wrap="square" lIns="68575" tIns="34275" rIns="68575" bIns="34275" anchor="t" anchorCtr="0">
-            <a:noAutofit/>
-          </a:bodyPr>
-          <a:lstStyle>
-            <a:lvl1pPr lvl="0" rtl="0">
-              <a:lnSpc>
-                <a:spcPct val="100000"/>
-              </a:lnSpc>
-              <a:spcBef>
-                <a:spcPts val="800"/>
-              </a:spcBef>
-              <a:spcAft>
-                <a:spcPts val="0"/>
-              </a:spcAft>
-              <a:buClr>
-                <a:srgbClr val="FFFFFF"/>
-              </a:buClr>
-              <a:buSzPts val="1100"/>
-              <a:buNone/>
-              <a:defRPr sz="1100">
-                <a:solidFill>
-                  <a:srgbClr val="FFFFFF"/>
-                </a:solidFill>
-              </a:defRPr>
-            </a:lvl1pPr>
-            <a:lvl2pPr lvl="1" rtl="0">
-              <a:lnSpc>
-                <a:spcPct val="100000"/>
-              </a:lnSpc>
-              <a:spcBef>
-                <a:spcPts val="400"/>
-              </a:spcBef>
-              <a:spcAft>
-                <a:spcPts val="0"/>
-              </a:spcAft>
-              <a:buClr>
-                <a:srgbClr val="FFFFFF"/>
-              </a:buClr>
-              <a:buSzPts val="1100"/>
-              <a:buNone/>
-              <a:defRPr sz="1100">
-                <a:solidFill>
-                  <a:srgbClr val="FFFFFF"/>
-                </a:solidFill>
-              </a:defRPr>
-            </a:lvl2pPr>
-            <a:lvl3pPr lvl="2" rtl="0">
-              <a:lnSpc>
-                <a:spcPct val="100000"/>
-              </a:lnSpc>
-              <a:spcBef>
-                <a:spcPts val="400"/>
-              </a:spcBef>
-              <a:spcAft>
-                <a:spcPts val="0"/>
-              </a:spcAft>
-              <a:buClr>
-                <a:srgbClr val="FFFFFF"/>
-              </a:buClr>
-              <a:buSzPts val="1100"/>
-              <a:buNone/>
-              <a:defRPr sz="1100">
-                <a:solidFill>
-                  <a:srgbClr val="FFFFFF"/>
-                </a:solidFill>
-              </a:defRPr>
-            </a:lvl3pPr>
-            <a:lvl4pPr lvl="3" rtl="0">
-              <a:lnSpc>
-                <a:spcPct val="100000"/>
-              </a:lnSpc>
-              <a:spcBef>
-                <a:spcPts val="400"/>
-              </a:spcBef>
-              <a:spcAft>
-                <a:spcPts val="0"/>
-              </a:spcAft>
-              <a:buClr>
-                <a:srgbClr val="FFFFFF"/>
-              </a:buClr>
-              <a:buSzPts val="1100"/>
-              <a:buNone/>
-              <a:defRPr sz="1100">
-                <a:solidFill>
-                  <a:srgbClr val="FFFFFF"/>
-                </a:solidFill>
-              </a:defRPr>
-            </a:lvl4pPr>
-            <a:lvl5pPr lvl="4" rtl="0">
-              <a:lnSpc>
-                <a:spcPct val="100000"/>
-              </a:lnSpc>
-              <a:spcBef>
-                <a:spcPts val="400"/>
-              </a:spcBef>
-              <a:spcAft>
-                <a:spcPts val="0"/>
-              </a:spcAft>
-              <a:buClr>
-                <a:srgbClr val="FFFFFF"/>
-              </a:buClr>
-              <a:buSzPts val="1100"/>
-              <a:buNone/>
-              <a:defRPr sz="1100">
-                <a:solidFill>
-                  <a:srgbClr val="FFFFFF"/>
-                </a:solidFill>
-              </a:defRPr>
-            </a:lvl5pPr>
-            <a:lvl6pPr lvl="5" rtl="0">
-              <a:lnSpc>
-                <a:spcPct val="100000"/>
-              </a:lnSpc>
-              <a:spcBef>
-                <a:spcPts val="400"/>
-              </a:spcBef>
-              <a:spcAft>
-                <a:spcPts val="0"/>
-              </a:spcAft>
-              <a:buClr>
-                <a:srgbClr val="FFFFFF"/>
-              </a:buClr>
-              <a:buSzPts val="1100"/>
-              <a:buNone/>
-              <a:defRPr sz="1100">
-                <a:solidFill>
-                  <a:srgbClr val="FFFFFF"/>
-                </a:solidFill>
-              </a:defRPr>
-            </a:lvl6pPr>
-            <a:lvl7pPr lvl="6" rtl="0">
-              <a:lnSpc>
-                <a:spcPct val="100000"/>
-              </a:lnSpc>
-              <a:spcBef>
-                <a:spcPts val="400"/>
-              </a:spcBef>
-              <a:spcAft>
-                <a:spcPts val="0"/>
-              </a:spcAft>
-              <a:buClr>
-                <a:srgbClr val="FFFFFF"/>
-              </a:buClr>
-              <a:buSzPts val="1100"/>
-              <a:buNone/>
-              <a:defRPr sz="1100">
-                <a:solidFill>
-                  <a:srgbClr val="FFFFFF"/>
-                </a:solidFill>
-              </a:defRPr>
-            </a:lvl7pPr>
-            <a:lvl8pPr lvl="7" rtl="0">
-              <a:lnSpc>
-                <a:spcPct val="100000"/>
-              </a:lnSpc>
-              <a:spcBef>
-                <a:spcPts val="400"/>
-              </a:spcBef>
-              <a:spcAft>
-                <a:spcPts val="0"/>
-              </a:spcAft>
-              <a:buClr>
-                <a:srgbClr val="FFFFFF"/>
-              </a:buClr>
-              <a:buSzPts val="1100"/>
-              <a:buNone/>
-              <a:defRPr sz="1100">
-                <a:solidFill>
-                  <a:srgbClr val="FFFFFF"/>
-                </a:solidFill>
-              </a:defRPr>
-            </a:lvl8pPr>
-            <a:lvl9pPr lvl="8" rtl="0">
-              <a:lnSpc>
-                <a:spcPct val="100000"/>
-              </a:lnSpc>
-              <a:spcBef>
-                <a:spcPts val="400"/>
-              </a:spcBef>
-              <a:spcAft>
-                <a:spcPts val="0"/>
-              </a:spcAft>
-              <a:buClr>
-                <a:srgbClr val="FFFFFF"/>
-              </a:buClr>
-              <a:buSzPts val="1100"/>
-              <a:buNone/>
-              <a:defRPr sz="1100">
-                <a:solidFill>
-                  <a:srgbClr val="FFFFFF"/>
-                </a:solidFill>
-              </a:defRPr>
-            </a:lvl9pPr>
-          </a:lstStyle>
-          <a:p>
-            <a:endParaRPr/>
-          </a:p>
-        </p:txBody>
-      </p:sp>
-      <p:sp>
-        <p:nvSpPr>
-          <p:cNvPr id="47" name="Google Shape;47;p4"/>
-          <p:cNvSpPr txBox="1">
-            <a:spLocks noGrp="1"/>
-          </p:cNvSpPr>
-          <p:nvPr>
-            <p:ph type="title" idx="15" hasCustomPrompt="1"/>
-          </p:nvPr>
-        </p:nvSpPr>
-        <p:spPr>
-          <a:xfrm>
-            <a:off x="1109465" y="3831516"/>
-            <a:ext cx="1230600" cy="454500"/>
-          </a:xfrm>
-          <a:prstGeom prst="rect">
-            <a:avLst/>
-          </a:prstGeom>
-        </p:spPr>
-        <p:txBody>
-          <a:bodyPr spcFirstLastPara="1" wrap="square" lIns="68575" tIns="34275" rIns="68575" bIns="34275" anchor="t" anchorCtr="0">
-            <a:noAutofit/>
-          </a:bodyPr>
-          <a:lstStyle>
-            <a:lvl1pPr lvl="0" algn="r" rtl="0">
-              <a:spcBef>
-                <a:spcPts val="0"/>
-              </a:spcBef>
-              <a:spcAft>
-                <a:spcPts val="0"/>
-              </a:spcAft>
-              <a:buClr>
-                <a:srgbClr val="FFFFFF"/>
-              </a:buClr>
-              <a:buSzPts val="1800"/>
-              <a:buNone/>
-              <a:defRPr sz="1800" b="0">
-                <a:solidFill>
-                  <a:srgbClr val="FFFFFF"/>
-                </a:solidFill>
-              </a:defRPr>
-            </a:lvl1pPr>
-            <a:lvl2pPr lvl="1" algn="r" rtl="0">
-              <a:spcBef>
-                <a:spcPts val="0"/>
-              </a:spcBef>
-              <a:spcAft>
-                <a:spcPts val="0"/>
-              </a:spcAft>
-              <a:buClr>
-                <a:srgbClr val="FFFFFF"/>
-              </a:buClr>
-              <a:buSzPts val="1800"/>
-              <a:buNone/>
-              <a:defRPr sz="1800">
-                <a:solidFill>
-                  <a:srgbClr val="FFFFFF"/>
-                </a:solidFill>
-              </a:defRPr>
-            </a:lvl2pPr>
-            <a:lvl3pPr lvl="2" algn="r" rtl="0">
-              <a:spcBef>
-                <a:spcPts val="0"/>
-              </a:spcBef>
-              <a:spcAft>
-                <a:spcPts val="0"/>
-              </a:spcAft>
-              <a:buClr>
-                <a:srgbClr val="FFFFFF"/>
-              </a:buClr>
-              <a:buSzPts val="1800"/>
-              <a:buNone/>
-              <a:defRPr sz="1800">
-                <a:solidFill>
-                  <a:srgbClr val="FFFFFF"/>
-                </a:solidFill>
-              </a:defRPr>
-            </a:lvl3pPr>
-            <a:lvl4pPr lvl="3" algn="r" rtl="0">
-              <a:spcBef>
-                <a:spcPts val="0"/>
-              </a:spcBef>
-              <a:spcAft>
-                <a:spcPts val="0"/>
-              </a:spcAft>
-              <a:buClr>
-                <a:srgbClr val="FFFFFF"/>
-              </a:buClr>
-              <a:buSzPts val="1800"/>
-              <a:buNone/>
-              <a:defRPr sz="1800">
-                <a:solidFill>
-                  <a:srgbClr val="FFFFFF"/>
-                </a:solidFill>
-              </a:defRPr>
-            </a:lvl4pPr>
-            <a:lvl5pPr lvl="4" algn="r" rtl="0">
-              <a:spcBef>
-                <a:spcPts val="0"/>
-              </a:spcBef>
-              <a:spcAft>
-                <a:spcPts val="0"/>
-              </a:spcAft>
-              <a:buClr>
-                <a:srgbClr val="FFFFFF"/>
-              </a:buClr>
-              <a:buSzPts val="1800"/>
-              <a:buNone/>
-              <a:defRPr sz="1800">
-                <a:solidFill>
-                  <a:srgbClr val="FFFFFF"/>
-                </a:solidFill>
-              </a:defRPr>
-            </a:lvl5pPr>
-            <a:lvl6pPr lvl="5" algn="r" rtl="0">
-              <a:spcBef>
-                <a:spcPts val="0"/>
-              </a:spcBef>
-              <a:spcAft>
-                <a:spcPts val="0"/>
-              </a:spcAft>
-              <a:buClr>
-                <a:srgbClr val="FFFFFF"/>
-              </a:buClr>
-              <a:buSzPts val="1800"/>
-              <a:buNone/>
-              <a:defRPr sz="1800">
-                <a:solidFill>
-                  <a:srgbClr val="FFFFFF"/>
-                </a:solidFill>
-              </a:defRPr>
-            </a:lvl6pPr>
-            <a:lvl7pPr lvl="6" algn="r" rtl="0">
-              <a:spcBef>
-                <a:spcPts val="0"/>
-              </a:spcBef>
-              <a:spcAft>
-                <a:spcPts val="0"/>
-              </a:spcAft>
-              <a:buClr>
-                <a:srgbClr val="FFFFFF"/>
-              </a:buClr>
-              <a:buSzPts val="1800"/>
-              <a:buNone/>
-              <a:defRPr sz="1800">
-                <a:solidFill>
-                  <a:srgbClr val="FFFFFF"/>
-                </a:solidFill>
-              </a:defRPr>
-            </a:lvl7pPr>
-            <a:lvl8pPr lvl="7" algn="r" rtl="0">
-              <a:spcBef>
-                <a:spcPts val="0"/>
-              </a:spcBef>
-              <a:spcAft>
-                <a:spcPts val="0"/>
-              </a:spcAft>
-              <a:buClr>
-                <a:srgbClr val="FFFFFF"/>
-              </a:buClr>
-              <a:buSzPts val="1800"/>
-              <a:buNone/>
-              <a:defRPr sz="1800">
-                <a:solidFill>
-                  <a:srgbClr val="FFFFFF"/>
-                </a:solidFill>
-              </a:defRPr>
-            </a:lvl8pPr>
-            <a:lvl9pPr lvl="8" algn="r" rtl="0">
-              <a:spcBef>
-                <a:spcPts val="0"/>
-              </a:spcBef>
-              <a:spcAft>
-                <a:spcPts val="0"/>
-              </a:spcAft>
-              <a:buClr>
-                <a:srgbClr val="FFFFFF"/>
-              </a:buClr>
-              <a:buSzPts val="1800"/>
-              <a:buNone/>
-              <a:defRPr sz="1800">
-                <a:solidFill>
-                  <a:srgbClr val="FFFFFF"/>
-                </a:solidFill>
-              </a:defRPr>
-            </a:lvl9pPr>
-          </a:lstStyle>
-          <a:p>
-            <a:r>
-              <a:t>xx%</a:t>
-            </a:r>
-          </a:p>
-        </p:txBody>
-      </p:sp>
-      <p:sp>
-        <p:nvSpPr>
-          <p:cNvPr id="48" name="Google Shape;48;p4"/>
-          <p:cNvSpPr/>
-          <p:nvPr/>
-        </p:nvSpPr>
-        <p:spPr>
-          <a:xfrm>
-            <a:off x="8554105" y="1019672"/>
-            <a:ext cx="89" cy="89"/>
-          </a:xfrm>
-          <a:custGeom>
-            <a:avLst/>
-            <a:gdLst/>
-            <a:ahLst/>
-            <a:cxnLst/>
-            <a:rect l="l" t="t" r="r" b="b"/>
-            <a:pathLst>
-              <a:path w="1" h="1" extrusionOk="0">
-                <a:moveTo>
-                  <a:pt x="1" y="0"/>
-                </a:moveTo>
-                <a:close/>
-              </a:path>
-            </a:pathLst>
-          </a:custGeom>
-          <a:gradFill>
-            <a:gsLst>
-              <a:gs pos="0">
-                <a:srgbClr val="C2008B"/>
-              </a:gs>
-              <a:gs pos="100000">
-                <a:srgbClr val="50009C"/>
-              </a:gs>
-            </a:gsLst>
-            <a:lin ang="1320095" scaled="0"/>
-          </a:gradFill>
-          <a:ln>
-            <a:noFill/>
-          </a:ln>
-        </p:spPr>
-        <p:txBody>
-          <a:bodyPr spcFirstLastPara="1" wrap="square" lIns="91425" tIns="91425" rIns="91425" bIns="91425" anchor="ctr" anchorCtr="0">
-            <a:noAutofit/>
-          </a:bodyPr>
-          <a:lstStyle/>
-          <a:p>
-            <a:pPr marL="0" lvl="0" indent="0" algn="l" rtl="0">
-              <a:spcBef>
-                <a:spcPts val="0"/>
-              </a:spcBef>
-              <a:spcAft>
-                <a:spcPts val="0"/>
-              </a:spcAft>
-              <a:buNone/>
-            </a:pPr>
-            <a:endParaRPr/>
-          </a:p>
-        </p:txBody>
-      </p:sp>
-      <p:sp>
-        <p:nvSpPr>
-          <p:cNvPr id="49" name="Google Shape;49;p4"/>
-          <p:cNvSpPr/>
-          <p:nvPr/>
-        </p:nvSpPr>
-        <p:spPr>
-          <a:xfrm>
-            <a:off x="4484504" y="0"/>
-            <a:ext cx="4659494" cy="1452739"/>
-          </a:xfrm>
-          <a:custGeom>
-            <a:avLst/>
-            <a:gdLst/>
-            <a:ahLst/>
-            <a:cxnLst/>
-            <a:rect l="l" t="t" r="r" b="b"/>
-            <a:pathLst>
-              <a:path w="19023" h="5931" extrusionOk="0">
-                <a:moveTo>
-                  <a:pt x="609" y="0"/>
-                </a:moveTo>
-                <a:cubicBezTo>
-                  <a:pt x="566" y="75"/>
-                  <a:pt x="513" y="150"/>
-                  <a:pt x="449" y="225"/>
-                </a:cubicBezTo>
-                <a:cubicBezTo>
-                  <a:pt x="299" y="417"/>
-                  <a:pt x="150" y="577"/>
-                  <a:pt x="0" y="716"/>
-                </a:cubicBezTo>
-                <a:cubicBezTo>
-                  <a:pt x="630" y="1014"/>
-                  <a:pt x="1382" y="1231"/>
-                  <a:pt x="2235" y="1231"/>
-                </a:cubicBezTo>
-                <a:cubicBezTo>
-                  <a:pt x="2452" y="1231"/>
-                  <a:pt x="2676" y="1217"/>
-                  <a:pt x="2906" y="1186"/>
-                </a:cubicBezTo>
-                <a:cubicBezTo>
-                  <a:pt x="5036" y="928"/>
-                  <a:pt x="6812" y="217"/>
-                  <a:pt x="8042" y="217"/>
-                </a:cubicBezTo>
-                <a:cubicBezTo>
-                  <a:pt x="8699" y="217"/>
-                  <a:pt x="9200" y="420"/>
-                  <a:pt x="9517" y="1004"/>
-                </a:cubicBezTo>
-                <a:cubicBezTo>
-                  <a:pt x="10425" y="2670"/>
-                  <a:pt x="8940" y="5789"/>
-                  <a:pt x="10563" y="5928"/>
-                </a:cubicBezTo>
-                <a:cubicBezTo>
-                  <a:pt x="10578" y="5930"/>
-                  <a:pt x="10592" y="5930"/>
-                  <a:pt x="10606" y="5930"/>
-                </a:cubicBezTo>
-                <a:cubicBezTo>
-                  <a:pt x="11541" y="5930"/>
-                  <a:pt x="12090" y="3555"/>
-                  <a:pt x="12732" y="1998"/>
-                </a:cubicBezTo>
-                <a:cubicBezTo>
-                  <a:pt x="13041" y="1224"/>
-                  <a:pt x="13518" y="720"/>
-                  <a:pt x="13946" y="720"/>
-                </a:cubicBezTo>
-                <a:cubicBezTo>
-                  <a:pt x="14138" y="720"/>
-                  <a:pt x="14320" y="822"/>
-                  <a:pt x="14472" y="1047"/>
-                </a:cubicBezTo>
-                <a:cubicBezTo>
-                  <a:pt x="15103" y="1987"/>
-                  <a:pt x="14014" y="4102"/>
-                  <a:pt x="15253" y="4882"/>
-                </a:cubicBezTo>
-                <a:cubicBezTo>
-                  <a:pt x="15564" y="5077"/>
-                  <a:pt x="15837" y="5146"/>
-                  <a:pt x="16097" y="5146"/>
-                </a:cubicBezTo>
-                <a:cubicBezTo>
-                  <a:pt x="16701" y="5146"/>
-                  <a:pt x="17230" y="4776"/>
-                  <a:pt x="17987" y="4776"/>
-                </a:cubicBezTo>
-                <a:cubicBezTo>
-                  <a:pt x="18202" y="4776"/>
-                  <a:pt x="18434" y="4806"/>
-                  <a:pt x="18692" y="4882"/>
-                </a:cubicBezTo>
-                <a:cubicBezTo>
-                  <a:pt x="18830" y="4924"/>
-                  <a:pt x="18927" y="4977"/>
-                  <a:pt x="19022" y="5042"/>
-                </a:cubicBezTo>
-                <a:lnTo>
-                  <a:pt x="19022" y="0"/>
-                </a:lnTo>
-                <a:close/>
-              </a:path>
-            </a:pathLst>
-          </a:custGeom>
-          <a:gradFill>
-            <a:gsLst>
-              <a:gs pos="0">
-                <a:schemeClr val="accent1"/>
-              </a:gs>
-              <a:gs pos="100000">
-                <a:schemeClr val="accent2"/>
-              </a:gs>
-            </a:gsLst>
-            <a:path path="circle">
-              <a:fillToRect l="50000" t="50000" r="50000" b="50000"/>
-            </a:path>
-            <a:tileRect/>
-          </a:gradFill>
-          <a:ln>
-            <a:noFill/>
-          </a:ln>
-          <a:effectLst>
-            <a:outerShdw blurRad="114300" dist="47625" dir="7560000" algn="bl" rotWithShape="0">
-              <a:srgbClr val="000000">
-                <a:alpha val="57000"/>
-              </a:srgbClr>
-            </a:outerShdw>
-          </a:effectLst>
-        </p:spPr>
-        <p:txBody>
-          <a:bodyPr spcFirstLastPara="1" wrap="square" lIns="91425" tIns="91425" rIns="91425" bIns="91425" anchor="ctr" anchorCtr="0">
-            <a:noAutofit/>
-          </a:bodyPr>
-          <a:lstStyle/>
-          <a:p>
-            <a:pPr marL="0" lvl="0" indent="0" algn="l" rtl="0">
-              <a:spcBef>
-                <a:spcPts val="0"/>
-              </a:spcBef>
-              <a:spcAft>
-                <a:spcPts val="0"/>
-              </a:spcAft>
-              <a:buNone/>
-            </a:pPr>
-            <a:endParaRPr/>
-          </a:p>
-        </p:txBody>
-      </p:sp>
-      <p:sp>
-        <p:nvSpPr>
-          <p:cNvPr id="50" name="Google Shape;50;p4"/>
-          <p:cNvSpPr/>
-          <p:nvPr/>
-        </p:nvSpPr>
-        <p:spPr>
-          <a:xfrm>
-            <a:off x="0" y="0"/>
-            <a:ext cx="4733407" cy="1794523"/>
-          </a:xfrm>
-          <a:custGeom>
-            <a:avLst/>
-            <a:gdLst/>
-            <a:ahLst/>
-            <a:cxnLst/>
-            <a:rect l="l" t="t" r="r" b="b"/>
-            <a:pathLst>
-              <a:path w="14932" h="5661" extrusionOk="0">
-                <a:moveTo>
-                  <a:pt x="10232" y="0"/>
-                </a:moveTo>
-                <a:lnTo>
-                  <a:pt x="10168" y="97"/>
-                </a:lnTo>
-                <a:cubicBezTo>
-                  <a:pt x="9611" y="647"/>
-                  <a:pt x="9059" y="826"/>
-                  <a:pt x="8530" y="826"/>
-                </a:cubicBezTo>
-                <a:cubicBezTo>
-                  <a:pt x="7549" y="826"/>
-                  <a:pt x="6648" y="213"/>
-                  <a:pt x="5941" y="213"/>
-                </a:cubicBezTo>
-                <a:cubicBezTo>
-                  <a:pt x="5712" y="213"/>
-                  <a:pt x="5503" y="278"/>
-                  <a:pt x="5319" y="449"/>
-                </a:cubicBezTo>
-                <a:cubicBezTo>
-                  <a:pt x="4529" y="1196"/>
-                  <a:pt x="5939" y="3557"/>
-                  <a:pt x="4967" y="3963"/>
-                </a:cubicBezTo>
-                <a:cubicBezTo>
-                  <a:pt x="4897" y="3992"/>
-                  <a:pt x="4828" y="4005"/>
-                  <a:pt x="4759" y="4005"/>
-                </a:cubicBezTo>
-                <a:cubicBezTo>
-                  <a:pt x="3902" y="4005"/>
-                  <a:pt x="3144" y="1939"/>
-                  <a:pt x="1350" y="1939"/>
-                </a:cubicBezTo>
-                <a:cubicBezTo>
-                  <a:pt x="1197" y="1939"/>
-                  <a:pt x="1035" y="1954"/>
-                  <a:pt x="866" y="1987"/>
-                </a:cubicBezTo>
-                <a:cubicBezTo>
-                  <a:pt x="588" y="2041"/>
-                  <a:pt x="299" y="2158"/>
-                  <a:pt x="0" y="2307"/>
-                </a:cubicBezTo>
-                <a:lnTo>
-                  <a:pt x="0" y="3781"/>
-                </a:lnTo>
-                <a:cubicBezTo>
-                  <a:pt x="1324" y="4420"/>
-                  <a:pt x="4045" y="5660"/>
-                  <a:pt x="5454" y="5660"/>
-                </a:cubicBezTo>
-                <a:cubicBezTo>
-                  <a:pt x="5693" y="5660"/>
-                  <a:pt x="5895" y="5625"/>
-                  <a:pt x="6045" y="5544"/>
-                </a:cubicBezTo>
-                <a:cubicBezTo>
-                  <a:pt x="7391" y="4818"/>
-                  <a:pt x="5597" y="1773"/>
-                  <a:pt x="6772" y="1709"/>
-                </a:cubicBezTo>
-                <a:cubicBezTo>
-                  <a:pt x="6787" y="1708"/>
-                  <a:pt x="6803" y="1708"/>
-                  <a:pt x="6818" y="1708"/>
-                </a:cubicBezTo>
-                <a:cubicBezTo>
-                  <a:pt x="7886" y="1708"/>
-                  <a:pt x="8769" y="3344"/>
-                  <a:pt x="9571" y="3344"/>
-                </a:cubicBezTo>
-                <a:cubicBezTo>
-                  <a:pt x="9635" y="3344"/>
-                  <a:pt x="9699" y="3334"/>
-                  <a:pt x="9762" y="3311"/>
-                </a:cubicBezTo>
-                <a:cubicBezTo>
-                  <a:pt x="10638" y="3002"/>
-                  <a:pt x="9613" y="930"/>
-                  <a:pt x="10393" y="780"/>
-                </a:cubicBezTo>
-                <a:cubicBezTo>
-                  <a:pt x="10419" y="775"/>
-                  <a:pt x="10447" y="773"/>
-                  <a:pt x="10475" y="773"/>
-                </a:cubicBezTo>
-                <a:cubicBezTo>
-                  <a:pt x="10969" y="773"/>
-                  <a:pt x="11706" y="1502"/>
-                  <a:pt x="12665" y="1502"/>
-                </a:cubicBezTo>
-                <a:cubicBezTo>
-                  <a:pt x="13278" y="1502"/>
-                  <a:pt x="13983" y="1203"/>
-                  <a:pt x="14772" y="225"/>
-                </a:cubicBezTo>
-                <a:cubicBezTo>
-                  <a:pt x="14836" y="150"/>
-                  <a:pt x="14889" y="75"/>
-                  <a:pt x="14932" y="0"/>
-                </a:cubicBezTo>
-                <a:close/>
-              </a:path>
-            </a:pathLst>
-          </a:custGeom>
-          <a:gradFill>
-            <a:gsLst>
-              <a:gs pos="0">
-                <a:schemeClr val="accent1"/>
-              </a:gs>
-              <a:gs pos="100000">
-                <a:schemeClr val="accent2"/>
-              </a:gs>
-            </a:gsLst>
-            <a:path path="circle">
-              <a:fillToRect l="50000" t="50000" r="50000" b="50000"/>
-            </a:path>
-            <a:tileRect/>
-          </a:gradFill>
-          <a:ln>
-            <a:noFill/>
-          </a:ln>
-          <a:effectLst>
-            <a:outerShdw blurRad="114300" dist="47625" dir="7560000" algn="bl" rotWithShape="0">
-              <a:srgbClr val="000000">
-                <a:alpha val="57000"/>
-              </a:srgbClr>
-            </a:outerShdw>
-          </a:effectLst>
-        </p:spPr>
-        <p:txBody>
-          <a:bodyPr spcFirstLastPara="1" wrap="square" lIns="91425" tIns="91425" rIns="91425" bIns="91425" anchor="ctr" anchorCtr="0">
-            <a:noAutofit/>
-          </a:bodyPr>
-          <a:lstStyle/>
-          <a:p>
-            <a:pPr marL="0" lvl="0" indent="0" algn="l" rtl="0">
-              <a:spcBef>
-                <a:spcPts val="0"/>
-              </a:spcBef>
-              <a:spcAft>
-                <a:spcPts val="0"/>
-              </a:spcAft>
-              <a:buNone/>
-            </a:pPr>
-            <a:endParaRPr/>
-          </a:p>
-        </p:txBody>
-      </p:sp>
-      <p:sp>
-        <p:nvSpPr>
-          <p:cNvPr id="51" name="Google Shape;51;p4"/>
-          <p:cNvSpPr/>
-          <p:nvPr/>
-        </p:nvSpPr>
-        <p:spPr>
-          <a:xfrm>
-            <a:off x="2430680" y="3561676"/>
-            <a:ext cx="6232008" cy="1581823"/>
-          </a:xfrm>
-          <a:custGeom>
-            <a:avLst/>
-            <a:gdLst/>
-            <a:ahLst/>
-            <a:cxnLst/>
-            <a:rect l="l" t="t" r="r" b="b"/>
-            <a:pathLst>
-              <a:path w="25443" h="6458" extrusionOk="0">
-                <a:moveTo>
-                  <a:pt x="19506" y="0"/>
-                </a:moveTo>
-                <a:cubicBezTo>
-                  <a:pt x="18504" y="0"/>
-                  <a:pt x="17580" y="416"/>
-                  <a:pt x="16940" y="1662"/>
-                </a:cubicBezTo>
-                <a:cubicBezTo>
-                  <a:pt x="15960" y="3553"/>
-                  <a:pt x="15173" y="4058"/>
-                  <a:pt x="14466" y="4058"/>
-                </a:cubicBezTo>
-                <a:cubicBezTo>
-                  <a:pt x="13971" y="4058"/>
-                  <a:pt x="13517" y="3810"/>
-                  <a:pt x="13064" y="3617"/>
-                </a:cubicBezTo>
-                <a:cubicBezTo>
-                  <a:pt x="12284" y="3284"/>
-                  <a:pt x="9880" y="1600"/>
-                  <a:pt x="7770" y="1600"/>
-                </a:cubicBezTo>
-                <a:cubicBezTo>
-                  <a:pt x="6901" y="1600"/>
-                  <a:pt x="6083" y="1885"/>
-                  <a:pt x="5448" y="2666"/>
-                </a:cubicBezTo>
-                <a:cubicBezTo>
-                  <a:pt x="3646" y="4903"/>
-                  <a:pt x="3718" y="5547"/>
-                  <a:pt x="3297" y="5547"/>
-                </a:cubicBezTo>
-                <a:cubicBezTo>
-                  <a:pt x="3211" y="5547"/>
-                  <a:pt x="3106" y="5520"/>
-                  <a:pt x="2960" y="5475"/>
-                </a:cubicBezTo>
-                <a:cubicBezTo>
-                  <a:pt x="2529" y="5337"/>
-                  <a:pt x="1913" y="5064"/>
-                  <a:pt x="1348" y="5064"/>
-                </a:cubicBezTo>
-                <a:cubicBezTo>
-                  <a:pt x="778" y="5064"/>
-                  <a:pt x="258" y="5342"/>
-                  <a:pt x="33" y="6319"/>
-                </a:cubicBezTo>
-                <a:cubicBezTo>
-                  <a:pt x="12" y="6372"/>
-                  <a:pt x="12" y="6415"/>
-                  <a:pt x="1" y="6458"/>
-                </a:cubicBezTo>
-                <a:lnTo>
-                  <a:pt x="6665" y="6458"/>
-                </a:lnTo>
-                <a:cubicBezTo>
-                  <a:pt x="7497" y="5643"/>
-                  <a:pt x="9143" y="4331"/>
-                  <a:pt x="11189" y="4331"/>
-                </a:cubicBezTo>
-                <a:cubicBezTo>
-                  <a:pt x="11666" y="4331"/>
-                  <a:pt x="12164" y="4402"/>
-                  <a:pt x="12679" y="4568"/>
-                </a:cubicBezTo>
-                <a:cubicBezTo>
-                  <a:pt x="14653" y="5199"/>
-                  <a:pt x="16000" y="5536"/>
-                  <a:pt x="16876" y="5536"/>
-                </a:cubicBezTo>
-                <a:cubicBezTo>
-                  <a:pt x="17644" y="5536"/>
-                  <a:pt x="18051" y="5276"/>
-                  <a:pt x="18201" y="4727"/>
-                </a:cubicBezTo>
-                <a:cubicBezTo>
-                  <a:pt x="18505" y="3564"/>
-                  <a:pt x="18438" y="1329"/>
-                  <a:pt x="20084" y="1329"/>
-                </a:cubicBezTo>
-                <a:cubicBezTo>
-                  <a:pt x="20114" y="1329"/>
-                  <a:pt x="20145" y="1329"/>
-                  <a:pt x="20177" y="1331"/>
-                </a:cubicBezTo>
-                <a:cubicBezTo>
-                  <a:pt x="21738" y="1399"/>
-                  <a:pt x="22985" y="2883"/>
-                  <a:pt x="24430" y="2883"/>
-                </a:cubicBezTo>
-                <a:cubicBezTo>
-                  <a:pt x="24587" y="2883"/>
-                  <a:pt x="24746" y="2865"/>
-                  <a:pt x="24908" y="2826"/>
-                </a:cubicBezTo>
-                <a:cubicBezTo>
-                  <a:pt x="25357" y="2719"/>
-                  <a:pt x="25442" y="2228"/>
-                  <a:pt x="25432" y="1545"/>
-                </a:cubicBezTo>
-                <a:lnTo>
-                  <a:pt x="25432" y="1545"/>
-                </a:lnTo>
-                <a:cubicBezTo>
-                  <a:pt x="25281" y="1615"/>
-                  <a:pt x="25103" y="1657"/>
-                  <a:pt x="24892" y="1657"/>
-                </a:cubicBezTo>
-                <a:cubicBezTo>
-                  <a:pt x="24655" y="1657"/>
-                  <a:pt x="24376" y="1605"/>
-                  <a:pt x="24043" y="1480"/>
-                </a:cubicBezTo>
-                <a:cubicBezTo>
-                  <a:pt x="22883" y="1048"/>
-                  <a:pt x="21096" y="0"/>
-                  <a:pt x="19506" y="0"/>
-                </a:cubicBezTo>
-                <a:close/>
-              </a:path>
-            </a:pathLst>
-          </a:custGeom>
-          <a:gradFill>
-            <a:gsLst>
-              <a:gs pos="0">
-                <a:schemeClr val="accent1"/>
-              </a:gs>
-              <a:gs pos="100000">
-                <a:schemeClr val="accent2"/>
-              </a:gs>
-            </a:gsLst>
-            <a:path path="circle">
-              <a:fillToRect l="50000" t="50000" r="50000" b="50000"/>
-            </a:path>
-            <a:tileRect/>
-          </a:gradFill>
-          <a:ln>
-            <a:noFill/>
-          </a:ln>
-          <a:effectLst>
-            <a:outerShdw blurRad="114300" dist="47625" dir="7560000" algn="bl" rotWithShape="0">
-              <a:srgbClr val="000000">
-                <a:alpha val="57000"/>
-              </a:srgbClr>
-            </a:outerShdw>
-          </a:effectLst>
-        </p:spPr>
-        <p:txBody>
-          <a:bodyPr spcFirstLastPara="1" wrap="square" lIns="91425" tIns="91425" rIns="91425" bIns="91425" anchor="ctr" anchorCtr="0">
-            <a:noAutofit/>
-          </a:bodyPr>
-          <a:lstStyle/>
-          <a:p>
-            <a:pPr marL="0" lvl="0" indent="0" algn="l" rtl="0">
-              <a:spcBef>
-                <a:spcPts val="0"/>
-              </a:spcBef>
-              <a:spcAft>
-                <a:spcPts val="0"/>
-              </a:spcAft>
-              <a:buNone/>
-            </a:pPr>
-            <a:endParaRPr/>
-          </a:p>
-        </p:txBody>
-      </p:sp>
-      <p:sp>
-        <p:nvSpPr>
-          <p:cNvPr id="52" name="Google Shape;52;p4"/>
-          <p:cNvSpPr/>
-          <p:nvPr/>
-        </p:nvSpPr>
-        <p:spPr>
-          <a:xfrm>
-            <a:off x="0" y="0"/>
-            <a:ext cx="3243835" cy="1269575"/>
-          </a:xfrm>
-          <a:custGeom>
-            <a:avLst/>
-            <a:gdLst/>
-            <a:ahLst/>
-            <a:cxnLst/>
-            <a:rect l="l" t="t" r="r" b="b"/>
-            <a:pathLst>
-              <a:path w="10233" h="4005" extrusionOk="0">
-                <a:moveTo>
-                  <a:pt x="0" y="0"/>
-                </a:moveTo>
-                <a:lnTo>
-                  <a:pt x="0" y="2307"/>
-                </a:lnTo>
-                <a:cubicBezTo>
-                  <a:pt x="299" y="2158"/>
-                  <a:pt x="588" y="2041"/>
-                  <a:pt x="866" y="1987"/>
-                </a:cubicBezTo>
-                <a:cubicBezTo>
-                  <a:pt x="1035" y="1954"/>
-                  <a:pt x="1197" y="1939"/>
-                  <a:pt x="1350" y="1939"/>
-                </a:cubicBezTo>
-                <a:cubicBezTo>
-                  <a:pt x="3144" y="1939"/>
-                  <a:pt x="3902" y="4005"/>
-                  <a:pt x="4759" y="4005"/>
-                </a:cubicBezTo>
-                <a:cubicBezTo>
-                  <a:pt x="4828" y="4005"/>
-                  <a:pt x="4897" y="3992"/>
-                  <a:pt x="4967" y="3963"/>
-                </a:cubicBezTo>
-                <a:cubicBezTo>
-                  <a:pt x="5939" y="3557"/>
-                  <a:pt x="4529" y="1196"/>
-                  <a:pt x="5319" y="449"/>
-                </a:cubicBezTo>
-                <a:cubicBezTo>
-                  <a:pt x="5503" y="278"/>
-                  <a:pt x="5712" y="213"/>
-                  <a:pt x="5941" y="213"/>
-                </a:cubicBezTo>
-                <a:cubicBezTo>
-                  <a:pt x="6648" y="213"/>
-                  <a:pt x="7549" y="826"/>
-                  <a:pt x="8530" y="826"/>
-                </a:cubicBezTo>
-                <a:cubicBezTo>
-                  <a:pt x="9059" y="826"/>
-                  <a:pt x="9611" y="647"/>
-                  <a:pt x="10168" y="97"/>
-                </a:cubicBezTo>
-                <a:lnTo>
-                  <a:pt x="10232" y="0"/>
-                </a:lnTo>
-                <a:close/>
-              </a:path>
-            </a:pathLst>
-          </a:custGeom>
-          <a:gradFill>
-            <a:gsLst>
-              <a:gs pos="0">
-                <a:schemeClr val="accent1"/>
-              </a:gs>
-              <a:gs pos="100000">
-                <a:schemeClr val="accent2"/>
-              </a:gs>
-            </a:gsLst>
-            <a:path path="circle">
-              <a:fillToRect l="50000" t="50000" r="50000" b="50000"/>
-            </a:path>
-            <a:tileRect/>
-          </a:gradFill>
-          <a:ln>
-            <a:noFill/>
-          </a:ln>
-          <a:effectLst>
-            <a:outerShdw blurRad="142875" dist="19050" dir="5400000" algn="bl" rotWithShape="0">
-              <a:srgbClr val="000000">
-                <a:alpha val="50000"/>
-              </a:srgbClr>
-            </a:outerShdw>
-          </a:effectLst>
-        </p:spPr>
-        <p:txBody>
-          <a:bodyPr spcFirstLastPara="1" wrap="square" lIns="91425" tIns="91425" rIns="91425" bIns="91425" anchor="ctr" anchorCtr="0">
-            <a:noAutofit/>
-          </a:bodyPr>
-          <a:lstStyle/>
-          <a:p>
-            <a:pPr marL="0" lvl="0" indent="0" algn="l" rtl="0">
-              <a:spcBef>
-                <a:spcPts val="0"/>
-              </a:spcBef>
-              <a:spcAft>
-                <a:spcPts val="0"/>
-              </a:spcAft>
-              <a:buNone/>
-            </a:pPr>
-            <a:endParaRPr/>
-          </a:p>
-        </p:txBody>
-      </p:sp>
-      <p:sp>
-        <p:nvSpPr>
-          <p:cNvPr id="53" name="Google Shape;53;p4"/>
-          <p:cNvSpPr/>
-          <p:nvPr/>
-        </p:nvSpPr>
-        <p:spPr>
-          <a:xfrm>
-            <a:off x="4063207" y="2603225"/>
-            <a:ext cx="5080790" cy="2540273"/>
-          </a:xfrm>
-          <a:custGeom>
-            <a:avLst/>
-            <a:gdLst/>
-            <a:ahLst/>
-            <a:cxnLst/>
-            <a:rect l="l" t="t" r="r" b="b"/>
-            <a:pathLst>
-              <a:path w="20743" h="10371" extrusionOk="0">
-                <a:moveTo>
-                  <a:pt x="20742" y="0"/>
-                </a:moveTo>
-                <a:cubicBezTo>
-                  <a:pt x="16951" y="1207"/>
-                  <a:pt x="19814" y="6366"/>
-                  <a:pt x="18243" y="6739"/>
-                </a:cubicBezTo>
-                <a:cubicBezTo>
-                  <a:pt x="18081" y="6778"/>
-                  <a:pt x="17922" y="6796"/>
-                  <a:pt x="17765" y="6796"/>
-                </a:cubicBezTo>
-                <a:cubicBezTo>
-                  <a:pt x="16320" y="6796"/>
-                  <a:pt x="15073" y="5312"/>
-                  <a:pt x="13512" y="5244"/>
-                </a:cubicBezTo>
-                <a:cubicBezTo>
-                  <a:pt x="13480" y="5242"/>
-                  <a:pt x="13449" y="5242"/>
-                  <a:pt x="13419" y="5242"/>
-                </a:cubicBezTo>
-                <a:cubicBezTo>
-                  <a:pt x="11773" y="5242"/>
-                  <a:pt x="11840" y="7477"/>
-                  <a:pt x="11536" y="8640"/>
-                </a:cubicBezTo>
-                <a:cubicBezTo>
-                  <a:pt x="11386" y="9189"/>
-                  <a:pt x="10979" y="9449"/>
-                  <a:pt x="10211" y="9449"/>
-                </a:cubicBezTo>
-                <a:cubicBezTo>
-                  <a:pt x="9335" y="9449"/>
-                  <a:pt x="7988" y="9112"/>
-                  <a:pt x="6014" y="8481"/>
-                </a:cubicBezTo>
-                <a:cubicBezTo>
-                  <a:pt x="5499" y="8315"/>
-                  <a:pt x="5001" y="8244"/>
-                  <a:pt x="4524" y="8244"/>
-                </a:cubicBezTo>
-                <a:cubicBezTo>
-                  <a:pt x="2478" y="8244"/>
-                  <a:pt x="832" y="9556"/>
-                  <a:pt x="0" y="10371"/>
-                </a:cubicBezTo>
-                <a:lnTo>
-                  <a:pt x="20742" y="10371"/>
-                </a:lnTo>
-                <a:lnTo>
-                  <a:pt x="20742" y="0"/>
-                </a:lnTo>
-                <a:close/>
-              </a:path>
-            </a:pathLst>
-          </a:custGeom>
-          <a:gradFill>
-            <a:gsLst>
-              <a:gs pos="0">
-                <a:schemeClr val="accent1"/>
-              </a:gs>
-              <a:gs pos="100000">
-                <a:schemeClr val="accent2"/>
-              </a:gs>
-            </a:gsLst>
-            <a:path path="circle">
-              <a:fillToRect l="50000" t="50000" r="50000" b="50000"/>
-            </a:path>
-            <a:tileRect/>
-          </a:gradFill>
-          <a:ln>
-            <a:noFill/>
-          </a:ln>
-          <a:effectLst>
-            <a:outerShdw blurRad="114300" dist="47625" dir="7560000" algn="bl" rotWithShape="0">
-              <a:srgbClr val="000000">
-                <a:alpha val="57000"/>
-              </a:srgbClr>
-            </a:outerShdw>
-          </a:effectLst>
-        </p:spPr>
-        <p:txBody>
-          <a:bodyPr spcFirstLastPara="1" wrap="square" lIns="91425" tIns="91425" rIns="91425" bIns="91425" anchor="ctr" anchorCtr="0">
-            <a:noAutofit/>
-          </a:bodyPr>
-          <a:lstStyle/>
-          <a:p>
-            <a:pPr marL="0" lvl="0" indent="0" algn="l" rtl="0">
-              <a:spcBef>
-                <a:spcPts val="0"/>
-              </a:spcBef>
-              <a:spcAft>
-                <a:spcPts val="0"/>
-              </a:spcAft>
-              <a:buNone/>
-            </a:pPr>
-            <a:endParaRPr/>
-          </a:p>
-        </p:txBody>
-      </p:sp>
-    </p:spTree>
-  </p:cSld>
-  <p:clrMapOvr>
-    <a:masterClrMapping/>
-  </p:clrMapOvr>
-</p:sldLayout>
-</file>
-
-<file path=ppt/slideLayouts/slideLayout4.xml><?xml version="1.0" encoding="utf-8"?>
 <p:sldLayout xmlns:a="http://schemas.openxmlformats.org/drawingml/2006/main" xmlns:r="http://schemas.openxmlformats.org/officeDocument/2006/relationships" xmlns:p="http://schemas.openxmlformats.org/presentationml/2006/main" matchingName="QUOTE">
   <p:cSld name="1_Título y objetos">
     <p:bg>
@@ -9076,7 +3997,7 @@
 </p:sldLayout>
 </file>
 
-<file path=ppt/slideLayouts/slideLayout5.xml><?xml version="1.0" encoding="utf-8"?>
+<file path=ppt/slideLayouts/slideLayout3.xml><?xml version="1.0" encoding="utf-8"?>
 <p:sldLayout xmlns:a="http://schemas.openxmlformats.org/drawingml/2006/main" xmlns:r="http://schemas.openxmlformats.org/officeDocument/2006/relationships" xmlns:p="http://schemas.openxmlformats.org/presentationml/2006/main" matchingName="TITLE + SUBTITLE">
   <p:cSld name="4_Título y objetos">
     <p:bg>
@@ -10358,7 +5279,7 @@
 </p:sldLayout>
 </file>
 
-<file path=ppt/slideLayouts/slideLayout6.xml><?xml version="1.0" encoding="utf-8"?>
+<file path=ppt/slideLayouts/slideLayout4.xml><?xml version="1.0" encoding="utf-8"?>
 <p:sldLayout xmlns:a="http://schemas.openxmlformats.org/drawingml/2006/main" xmlns:r="http://schemas.openxmlformats.org/officeDocument/2006/relationships" xmlns:p="http://schemas.openxmlformats.org/presentationml/2006/main" matchingName="BLANK">
   <p:cSld name="CUSTOM">
     <p:spTree>
@@ -11477,11 +6398,9 @@
   <p:clrMap bg1="lt1" tx1="dk1" bg2="dk2" tx2="lt2" accent1="accent1" accent2="accent2" accent3="accent3" accent4="accent4" accent5="accent5" accent6="accent6" hlink="hlink" folHlink="folHlink"/>
   <p:sldLayoutIdLst>
     <p:sldLayoutId id="2147483648" r:id="rId1"/>
-    <p:sldLayoutId id="2147483649" r:id="rId2"/>
-    <p:sldLayoutId id="2147483650" r:id="rId3"/>
-    <p:sldLayoutId id="2147483651" r:id="rId4"/>
-    <p:sldLayoutId id="2147483659" r:id="rId5"/>
-    <p:sldLayoutId id="2147483673" r:id="rId6"/>
+    <p:sldLayoutId id="2147483651" r:id="rId2"/>
+    <p:sldLayoutId id="2147483659" r:id="rId3"/>
+    <p:sldLayoutId id="2147483673" r:id="rId4"/>
   </p:sldLayoutIdLst>
   <p:hf hdr="0" ftr="0" dt="0"/>
   <p:txStyles>
@@ -12205,7 +7124,7 @@
         </p:nvSpPr>
         <p:spPr>
           <a:xfrm>
-            <a:off x="1254750" y="1951050"/>
+            <a:off x="602567" y="1951050"/>
             <a:ext cx="6634500" cy="1241400"/>
           </a:xfrm>
           <a:prstGeom prst="rect">
@@ -12241,12 +7160,42 @@
             </a:pPr>
             <a:r>
               <a:rPr lang="es-ES" sz="8000" b="0" dirty="0"/>
-              <a:t>AMIGOS</a:t>
+              <a:t>Final Project</a:t>
             </a:r>
             <a:endParaRPr sz="8000" b="0" dirty="0"/>
           </a:p>
         </p:txBody>
       </p:sp>
+      <p:pic>
+        <p:nvPicPr>
+          <p:cNvPr id="3" name="Picture 2" descr="A picture containing text, clipart&#10;&#10;Description automatically generated">
+            <a:extLst>
+              <a:ext uri="{FF2B5EF4-FFF2-40B4-BE49-F238E27FC236}">
+                <a16:creationId xmlns:a16="http://schemas.microsoft.com/office/drawing/2014/main" id="{BD4FB3D2-CBEE-8354-B400-3AEE0AB1C606}"/>
+              </a:ext>
+            </a:extLst>
+          </p:cNvPr>
+          <p:cNvPicPr>
+            <a:picLocks noChangeAspect="1"/>
+          </p:cNvPicPr>
+          <p:nvPr/>
+        </p:nvPicPr>
+        <p:blipFill>
+          <a:blip r:embed="rId3"/>
+          <a:stretch>
+            <a:fillRect/>
+          </a:stretch>
+        </p:blipFill>
+        <p:spPr>
+          <a:xfrm>
+            <a:off x="6376147" y="2030400"/>
+            <a:ext cx="1219200" cy="1162050"/>
+          </a:xfrm>
+          <a:prstGeom prst="rect">
+            <a:avLst/>
+          </a:prstGeom>
+        </p:spPr>
+      </p:pic>
     </p:spTree>
   </p:cSld>
   <p:clrMapOvr>
@@ -12260,7 +7209,7 @@
   <p:cSld>
     <p:spTree>
       <p:nvGrpSpPr>
-        <p:cNvPr id="1" name="Shape 324"/>
+        <p:cNvPr id="1" name=""/>
         <p:cNvGrpSpPr/>
         <p:nvPr/>
       </p:nvGrpSpPr>
@@ -12272,182 +7221,24 @@
           <a:chExt cx="0" cy="0"/>
         </a:xfrm>
       </p:grpSpPr>
-      <p:grpSp>
-        <p:nvGrpSpPr>
-          <p:cNvPr id="4" name="Group 6">
+      <p:sp>
+        <p:nvSpPr>
+          <p:cNvPr id="4" name="Google Shape;325;p33">
             <a:extLst>
               <a:ext uri="{FF2B5EF4-FFF2-40B4-BE49-F238E27FC236}">
-                <a16:creationId xmlns:a16="http://schemas.microsoft.com/office/drawing/2014/main" id="{A524D4E9-03C7-4887-86E8-8A1F3A3D9996}"/>
+                <a16:creationId xmlns:a16="http://schemas.microsoft.com/office/drawing/2014/main" id="{5D94B40A-667E-4154-968D-7E90AFCA8FBD}"/>
               </a:ext>
             </a:extLst>
           </p:cNvPr>
-          <p:cNvGrpSpPr/>
-          <p:nvPr/>
-        </p:nvGrpSpPr>
-        <p:grpSpPr>
-          <a:xfrm>
-            <a:off x="721372" y="1450048"/>
-            <a:ext cx="1672623" cy="2556726"/>
-            <a:chOff x="4728063" y="1556374"/>
-            <a:chExt cx="1672623" cy="2556726"/>
-          </a:xfrm>
-        </p:grpSpPr>
-        <p:sp>
-          <p:nvSpPr>
-            <p:cNvPr id="5" name="Google Shape;859;p45">
-              <a:extLst>
-                <a:ext uri="{FF2B5EF4-FFF2-40B4-BE49-F238E27FC236}">
-                  <a16:creationId xmlns:a16="http://schemas.microsoft.com/office/drawing/2014/main" id="{7985B93D-D73D-4F25-B08E-C41B6803A8D5}"/>
-                </a:ext>
-              </a:extLst>
-            </p:cNvPr>
-            <p:cNvSpPr txBox="1"/>
-            <p:nvPr/>
-          </p:nvSpPr>
-          <p:spPr>
-            <a:xfrm>
-              <a:off x="4819775" y="3379000"/>
-              <a:ext cx="1489200" cy="734100"/>
-            </a:xfrm>
-            <a:prstGeom prst="rect">
-              <a:avLst/>
-            </a:prstGeom>
-            <a:noFill/>
-            <a:ln>
-              <a:noFill/>
-            </a:ln>
-          </p:spPr>
-          <p:txBody>
-            <a:bodyPr spcFirstLastPara="1" wrap="square" lIns="0" tIns="0" rIns="0" bIns="0" anchor="t" anchorCtr="0">
-              <a:noAutofit/>
-            </a:bodyPr>
-            <a:lstStyle/>
-            <a:p>
-              <a:pPr lvl="0" algn="ctr"/>
-              <a:r>
-                <a:rPr lang="en" sz="1600" b="1" dirty="0">
-                  <a:solidFill>
-                    <a:schemeClr val="bg1"/>
-                  </a:solidFill>
-                  <a:latin typeface="Saira Semi Condensed"/>
-                  <a:ea typeface="Saira Semi Condensed"/>
-                  <a:cs typeface="Saira Semi Condensed"/>
-                  <a:sym typeface="Saira Semi Condensed"/>
-                </a:rPr>
-                <a:t>Martin Mechkov</a:t>
-              </a:r>
-              <a:br>
-                <a:rPr lang="en" sz="1800" dirty="0">
-                  <a:latin typeface="Saira Semi Condensed"/>
-                  <a:ea typeface="Saira Semi Condensed"/>
-                  <a:cs typeface="Saira Semi Condensed"/>
-                  <a:sym typeface="Saira Semi Condensed"/>
-                </a:rPr>
-              </a:br>
-              <a:r>
-                <a:rPr lang="en-US" sz="1050" dirty="0">
-                  <a:solidFill>
-                    <a:schemeClr val="dk2"/>
-                  </a:solidFill>
-                  <a:latin typeface="Saira Semi Condensed"/>
-                  <a:ea typeface="Saira Semi Condensed"/>
-                  <a:cs typeface="Saira Semi Condensed"/>
-                </a:rPr>
-                <a:t>Scrum Trainer</a:t>
-              </a:r>
-              <a:endParaRPr sz="1050" dirty="0">
-                <a:solidFill>
-                  <a:schemeClr val="dk2"/>
-                </a:solidFill>
-                <a:latin typeface="Saira Semi Condensed"/>
-                <a:ea typeface="Saira Semi Condensed"/>
-                <a:cs typeface="Saira Semi Condensed"/>
-                <a:sym typeface="Saira Semi Condensed"/>
-              </a:endParaRPr>
-            </a:p>
-            <a:p>
-              <a:pPr marL="0" lvl="0" indent="0" algn="ctr" rtl="0">
-                <a:spcBef>
-                  <a:spcPts val="400"/>
-                </a:spcBef>
-                <a:spcAft>
-                  <a:spcPts val="400"/>
-                </a:spcAft>
-                <a:buNone/>
-              </a:pPr>
-              <a:endParaRPr dirty="0">
-                <a:latin typeface="Saira Semi Condensed"/>
-                <a:ea typeface="Saira Semi Condensed"/>
-                <a:cs typeface="Saira Semi Condensed"/>
-                <a:sym typeface="Saira Semi Condensed"/>
-              </a:endParaRPr>
-            </a:p>
-          </p:txBody>
-        </p:sp>
-        <p:pic>
-          <p:nvPicPr>
-            <p:cNvPr id="6" name="Picture 4">
-              <a:extLst>
-                <a:ext uri="{FF2B5EF4-FFF2-40B4-BE49-F238E27FC236}">
-                  <a16:creationId xmlns:a16="http://schemas.microsoft.com/office/drawing/2014/main" id="{F539CC3B-BAA1-4D6E-B0E5-7069C7C7E078}"/>
-                </a:ext>
-              </a:extLst>
-            </p:cNvPr>
-            <p:cNvPicPr>
-              <a:picLocks noChangeAspect="1" noChangeArrowheads="1"/>
-            </p:cNvPicPr>
-            <p:nvPr/>
-          </p:nvPicPr>
-          <p:blipFill>
-            <a:blip r:embed="rId3">
-              <a:extLst>
-                <a:ext uri="{28A0092B-C50C-407E-A947-70E740481C1C}">
-                  <a14:useLocalDpi xmlns:a14="http://schemas.microsoft.com/office/drawing/2010/main" val="0"/>
-                </a:ext>
-              </a:extLst>
-            </a:blip>
-            <a:srcRect/>
-            <a:stretch>
-              <a:fillRect/>
-            </a:stretch>
-          </p:blipFill>
-          <p:spPr bwMode="auto">
-            <a:xfrm>
-              <a:off x="4728063" y="1556374"/>
-              <a:ext cx="1672623" cy="1713600"/>
-            </a:xfrm>
-            <a:prstGeom prst="rect">
-              <a:avLst/>
-            </a:prstGeom>
-            <a:noFill/>
-            <a:extLst>
-              <a:ext uri="{909E8E84-426E-40DD-AFC4-6F175D3DCCD1}">
-                <a14:hiddenFill xmlns:a14="http://schemas.microsoft.com/office/drawing/2010/main">
-                  <a:solidFill>
-                    <a:srgbClr val="FFFFFF"/>
-                  </a:solidFill>
-                </a14:hiddenFill>
-              </a:ext>
-            </a:extLst>
-          </p:spPr>
-        </p:pic>
-      </p:grpSp>
-      <p:sp>
-        <p:nvSpPr>
-          <p:cNvPr id="12" name="Google Shape;859;p45">
-            <a:extLst>
-              <a:ext uri="{FF2B5EF4-FFF2-40B4-BE49-F238E27FC236}">
-                <a16:creationId xmlns:a16="http://schemas.microsoft.com/office/drawing/2014/main" id="{683EADD0-7990-4379-B9BC-43559E8C86C8}"/>
-              </a:ext>
-            </a:extLst>
-          </p:cNvPr>
-          <p:cNvSpPr txBox="1"/>
+          <p:cNvSpPr txBox="1">
+            <a:spLocks/>
+          </p:cNvSpPr>
           <p:nvPr/>
         </p:nvSpPr>
         <p:spPr>
           <a:xfrm>
-            <a:off x="2635566" y="3272674"/>
-            <a:ext cx="1489200" cy="734100"/>
+            <a:off x="2567762" y="364972"/>
+            <a:ext cx="4008473" cy="705760"/>
           </a:xfrm>
           <a:prstGeom prst="rect">
             <a:avLst/>
@@ -12458,274 +7249,298 @@
           </a:ln>
         </p:spPr>
         <p:txBody>
-          <a:bodyPr spcFirstLastPara="1" wrap="square" lIns="0" tIns="0" rIns="0" bIns="0" anchor="t" anchorCtr="0">
+          <a:bodyPr spcFirstLastPara="1" wrap="square" lIns="68575" tIns="34275" rIns="68575" bIns="34275" anchor="b" anchorCtr="0">
             <a:noAutofit/>
           </a:bodyPr>
-          <a:lstStyle/>
+          <a:lstStyle>
+            <a:defPPr marR="0" lvl="0" algn="l" rtl="0">
+              <a:lnSpc>
+                <a:spcPct val="100000"/>
+              </a:lnSpc>
+              <a:spcBef>
+                <a:spcPts val="0"/>
+              </a:spcBef>
+              <a:spcAft>
+                <a:spcPts val="0"/>
+              </a:spcAft>
+            </a:defPPr>
+            <a:lvl1pPr marR="0" lvl="0" algn="l" rtl="0">
+              <a:lnSpc>
+                <a:spcPct val="100000"/>
+              </a:lnSpc>
+              <a:spcBef>
+                <a:spcPts val="0"/>
+              </a:spcBef>
+              <a:spcAft>
+                <a:spcPts val="0"/>
+              </a:spcAft>
+              <a:buClr>
+                <a:srgbClr val="000000"/>
+              </a:buClr>
+              <a:buFont typeface="Arial"/>
+              <a:defRPr sz="1400" b="0" i="0" u="none" strike="noStrike" cap="none">
+                <a:solidFill>
+                  <a:srgbClr val="000000"/>
+                </a:solidFill>
+                <a:latin typeface="Arial"/>
+                <a:ea typeface="Arial"/>
+                <a:cs typeface="Arial"/>
+                <a:sym typeface="Arial"/>
+              </a:defRPr>
+            </a:lvl1pPr>
+            <a:lvl2pPr marR="0" lvl="1" algn="l" rtl="0">
+              <a:lnSpc>
+                <a:spcPct val="100000"/>
+              </a:lnSpc>
+              <a:spcBef>
+                <a:spcPts val="0"/>
+              </a:spcBef>
+              <a:spcAft>
+                <a:spcPts val="0"/>
+              </a:spcAft>
+              <a:buClr>
+                <a:srgbClr val="000000"/>
+              </a:buClr>
+              <a:buFont typeface="Arial"/>
+              <a:defRPr sz="1400" b="0" i="0" u="none" strike="noStrike" cap="none">
+                <a:solidFill>
+                  <a:srgbClr val="000000"/>
+                </a:solidFill>
+                <a:latin typeface="Arial"/>
+                <a:ea typeface="Arial"/>
+                <a:cs typeface="Arial"/>
+                <a:sym typeface="Arial"/>
+              </a:defRPr>
+            </a:lvl2pPr>
+            <a:lvl3pPr marR="0" lvl="2" algn="l" rtl="0">
+              <a:lnSpc>
+                <a:spcPct val="100000"/>
+              </a:lnSpc>
+              <a:spcBef>
+                <a:spcPts val="0"/>
+              </a:spcBef>
+              <a:spcAft>
+                <a:spcPts val="0"/>
+              </a:spcAft>
+              <a:buClr>
+                <a:srgbClr val="000000"/>
+              </a:buClr>
+              <a:buFont typeface="Arial"/>
+              <a:defRPr sz="1400" b="0" i="0" u="none" strike="noStrike" cap="none">
+                <a:solidFill>
+                  <a:srgbClr val="000000"/>
+                </a:solidFill>
+                <a:latin typeface="Arial"/>
+                <a:ea typeface="Arial"/>
+                <a:cs typeface="Arial"/>
+                <a:sym typeface="Arial"/>
+              </a:defRPr>
+            </a:lvl3pPr>
+            <a:lvl4pPr marR="0" lvl="3" algn="l" rtl="0">
+              <a:lnSpc>
+                <a:spcPct val="100000"/>
+              </a:lnSpc>
+              <a:spcBef>
+                <a:spcPts val="0"/>
+              </a:spcBef>
+              <a:spcAft>
+                <a:spcPts val="0"/>
+              </a:spcAft>
+              <a:buClr>
+                <a:srgbClr val="000000"/>
+              </a:buClr>
+              <a:buFont typeface="Arial"/>
+              <a:defRPr sz="1400" b="0" i="0" u="none" strike="noStrike" cap="none">
+                <a:solidFill>
+                  <a:srgbClr val="000000"/>
+                </a:solidFill>
+                <a:latin typeface="Arial"/>
+                <a:ea typeface="Arial"/>
+                <a:cs typeface="Arial"/>
+                <a:sym typeface="Arial"/>
+              </a:defRPr>
+            </a:lvl4pPr>
+            <a:lvl5pPr marR="0" lvl="4" algn="l" rtl="0">
+              <a:lnSpc>
+                <a:spcPct val="100000"/>
+              </a:lnSpc>
+              <a:spcBef>
+                <a:spcPts val="0"/>
+              </a:spcBef>
+              <a:spcAft>
+                <a:spcPts val="0"/>
+              </a:spcAft>
+              <a:buClr>
+                <a:srgbClr val="000000"/>
+              </a:buClr>
+              <a:buFont typeface="Arial"/>
+              <a:defRPr sz="1400" b="0" i="0" u="none" strike="noStrike" cap="none">
+                <a:solidFill>
+                  <a:srgbClr val="000000"/>
+                </a:solidFill>
+                <a:latin typeface="Arial"/>
+                <a:ea typeface="Arial"/>
+                <a:cs typeface="Arial"/>
+                <a:sym typeface="Arial"/>
+              </a:defRPr>
+            </a:lvl5pPr>
+            <a:lvl6pPr marR="0" lvl="5" algn="l" rtl="0">
+              <a:lnSpc>
+                <a:spcPct val="100000"/>
+              </a:lnSpc>
+              <a:spcBef>
+                <a:spcPts val="0"/>
+              </a:spcBef>
+              <a:spcAft>
+                <a:spcPts val="0"/>
+              </a:spcAft>
+              <a:buClr>
+                <a:srgbClr val="000000"/>
+              </a:buClr>
+              <a:buFont typeface="Arial"/>
+              <a:defRPr sz="1400" b="0" i="0" u="none" strike="noStrike" cap="none">
+                <a:solidFill>
+                  <a:srgbClr val="000000"/>
+                </a:solidFill>
+                <a:latin typeface="Arial"/>
+                <a:ea typeface="Arial"/>
+                <a:cs typeface="Arial"/>
+                <a:sym typeface="Arial"/>
+              </a:defRPr>
+            </a:lvl6pPr>
+            <a:lvl7pPr marR="0" lvl="6" algn="l" rtl="0">
+              <a:lnSpc>
+                <a:spcPct val="100000"/>
+              </a:lnSpc>
+              <a:spcBef>
+                <a:spcPts val="0"/>
+              </a:spcBef>
+              <a:spcAft>
+                <a:spcPts val="0"/>
+              </a:spcAft>
+              <a:buClr>
+                <a:srgbClr val="000000"/>
+              </a:buClr>
+              <a:buFont typeface="Arial"/>
+              <a:defRPr sz="1400" b="0" i="0" u="none" strike="noStrike" cap="none">
+                <a:solidFill>
+                  <a:srgbClr val="000000"/>
+                </a:solidFill>
+                <a:latin typeface="Arial"/>
+                <a:ea typeface="Arial"/>
+                <a:cs typeface="Arial"/>
+                <a:sym typeface="Arial"/>
+              </a:defRPr>
+            </a:lvl7pPr>
+            <a:lvl8pPr marR="0" lvl="7" algn="l" rtl="0">
+              <a:lnSpc>
+                <a:spcPct val="100000"/>
+              </a:lnSpc>
+              <a:spcBef>
+                <a:spcPts val="0"/>
+              </a:spcBef>
+              <a:spcAft>
+                <a:spcPts val="0"/>
+              </a:spcAft>
+              <a:buClr>
+                <a:srgbClr val="000000"/>
+              </a:buClr>
+              <a:buFont typeface="Arial"/>
+              <a:defRPr sz="1400" b="0" i="0" u="none" strike="noStrike" cap="none">
+                <a:solidFill>
+                  <a:srgbClr val="000000"/>
+                </a:solidFill>
+                <a:latin typeface="Arial"/>
+                <a:ea typeface="Arial"/>
+                <a:cs typeface="Arial"/>
+                <a:sym typeface="Arial"/>
+              </a:defRPr>
+            </a:lvl8pPr>
+            <a:lvl9pPr marR="0" lvl="8" algn="l" rtl="0">
+              <a:lnSpc>
+                <a:spcPct val="100000"/>
+              </a:lnSpc>
+              <a:spcBef>
+                <a:spcPts val="0"/>
+              </a:spcBef>
+              <a:spcAft>
+                <a:spcPts val="0"/>
+              </a:spcAft>
+              <a:buClr>
+                <a:srgbClr val="000000"/>
+              </a:buClr>
+              <a:buFont typeface="Arial"/>
+              <a:defRPr sz="1400" b="0" i="0" u="none" strike="noStrike" cap="none">
+                <a:solidFill>
+                  <a:srgbClr val="000000"/>
+                </a:solidFill>
+                <a:latin typeface="Arial"/>
+                <a:ea typeface="Arial"/>
+                <a:cs typeface="Arial"/>
+                <a:sym typeface="Arial"/>
+              </a:defRPr>
+            </a:lvl9pPr>
+          </a:lstStyle>
           <a:p>
-            <a:pPr lvl="0" algn="ctr"/>
+            <a:pPr marL="0" marR="0" lvl="0" indent="0" algn="ctr" defTabSz="914400" rtl="0" eaLnBrk="1" fontAlgn="auto" latinLnBrk="0" hangingPunct="1">
+              <a:lnSpc>
+                <a:spcPct val="90000"/>
+              </a:lnSpc>
+              <a:spcBef>
+                <a:spcPts val="0"/>
+              </a:spcBef>
+              <a:spcAft>
+                <a:spcPts val="0"/>
+              </a:spcAft>
+              <a:buClr>
+                <a:srgbClr val="00072D"/>
+              </a:buClr>
+              <a:buSzPts val="4500"/>
+              <a:buFont typeface="Nunito Sans Black"/>
+              <a:buNone/>
+              <a:tabLst/>
+              <a:defRPr/>
+            </a:pPr>
             <a:r>
-              <a:rPr lang="en" sz="1600" b="1" dirty="0">
-                <a:solidFill>
-                  <a:schemeClr val="bg1"/>
-                </a:solidFill>
-                <a:latin typeface="Saira Semi Condensed"/>
-                <a:ea typeface="Saira Semi Condensed"/>
-                <a:cs typeface="Saira Semi Condensed"/>
-                <a:sym typeface="Saira Semi Condensed"/>
+              <a:rPr kumimoji="0" lang="es-ES" sz="4800" b="0" i="0" u="none" strike="noStrike" kern="0" cap="none" spc="0" normalizeH="0" baseline="0" noProof="0" dirty="0" err="1">
+                <a:ln>
+                  <a:noFill/>
+                </a:ln>
+                <a:solidFill>
+                  <a:srgbClr val="FFFFFF"/>
+                </a:solidFill>
+                <a:effectLst/>
+                <a:uLnTx/>
+                <a:uFillTx/>
+                <a:latin typeface="Squada One" panose="020B0604020202020204" charset="0"/>
+                <a:cs typeface="Arial"/>
+                <a:sym typeface="Arial"/>
               </a:rPr>
-              <a:t>Polya Dimitrova</a:t>
+              <a:t>Flowchart</a:t>
             </a:r>
-            <a:br>
-              <a:rPr lang="en" sz="1800" dirty="0">
-                <a:latin typeface="Saira Semi Condensed"/>
-                <a:ea typeface="Saira Semi Condensed"/>
-                <a:cs typeface="Saira Semi Condensed"/>
-                <a:sym typeface="Saira Semi Condensed"/>
-              </a:rPr>
-            </a:br>
-            <a:r>
-              <a:rPr lang="en-US" sz="1050" dirty="0">
-                <a:solidFill>
-                  <a:schemeClr val="dk2"/>
-                </a:solidFill>
-                <a:latin typeface="Saira Semi Condensed"/>
-                <a:ea typeface="Saira Semi Condensed"/>
-                <a:cs typeface="Saira Semi Condensed"/>
-              </a:rPr>
-              <a:t>Front-End Developer</a:t>
-            </a:r>
-            <a:endParaRPr sz="1050" dirty="0">
+            <a:endParaRPr kumimoji="0" lang="es-ES" sz="4800" b="0" i="0" u="none" strike="noStrike" kern="0" cap="none" spc="0" normalizeH="0" baseline="0" noProof="0" dirty="0">
+              <a:ln>
+                <a:noFill/>
+              </a:ln>
               <a:solidFill>
-                <a:schemeClr val="dk2"/>
+                <a:srgbClr val="FFFFFF"/>
               </a:solidFill>
-              <a:latin typeface="Saira Semi Condensed"/>
-              <a:ea typeface="Saira Semi Condensed"/>
-              <a:cs typeface="Saira Semi Condensed"/>
-              <a:sym typeface="Saira Semi Condensed"/>
-            </a:endParaRPr>
-          </a:p>
-          <a:p>
-            <a:pPr marL="0" lvl="0" indent="0" algn="ctr" rtl="0">
-              <a:spcBef>
-                <a:spcPts val="400"/>
-              </a:spcBef>
-              <a:spcAft>
-                <a:spcPts val="400"/>
-              </a:spcAft>
-              <a:buNone/>
-            </a:pPr>
-            <a:endParaRPr dirty="0">
-              <a:latin typeface="Saira Semi Condensed"/>
-              <a:ea typeface="Saira Semi Condensed"/>
-              <a:cs typeface="Saira Semi Condensed"/>
-              <a:sym typeface="Saira Semi Condensed"/>
-            </a:endParaRPr>
-          </a:p>
-        </p:txBody>
-      </p:sp>
-      <p:sp>
-        <p:nvSpPr>
-          <p:cNvPr id="15" name="Google Shape;859;p45">
-            <a:extLst>
-              <a:ext uri="{FF2B5EF4-FFF2-40B4-BE49-F238E27FC236}">
-                <a16:creationId xmlns:a16="http://schemas.microsoft.com/office/drawing/2014/main" id="{8CA1F67D-FDAA-47F5-B35C-A2018B07A8ED}"/>
-              </a:ext>
-            </a:extLst>
-          </p:cNvPr>
-          <p:cNvSpPr txBox="1"/>
-          <p:nvPr/>
-        </p:nvSpPr>
-        <p:spPr>
-          <a:xfrm>
-            <a:off x="4458048" y="3272674"/>
-            <a:ext cx="1489200" cy="734100"/>
-          </a:xfrm>
-          <a:prstGeom prst="rect">
-            <a:avLst/>
-          </a:prstGeom>
-          <a:noFill/>
-          <a:ln>
-            <a:noFill/>
-          </a:ln>
-        </p:spPr>
-        <p:txBody>
-          <a:bodyPr spcFirstLastPara="1" wrap="square" lIns="0" tIns="0" rIns="0" bIns="0" anchor="t" anchorCtr="0">
-            <a:noAutofit/>
-          </a:bodyPr>
-          <a:lstStyle/>
-          <a:p>
-            <a:pPr algn="ctr"/>
-            <a:r>
-              <a:rPr lang="en" sz="1600" b="1" dirty="0">
-                <a:solidFill>
-                  <a:schemeClr val="bg1"/>
-                </a:solidFill>
-                <a:latin typeface="Saira Semi Condensed"/>
-                <a:ea typeface="Saira Semi Condensed"/>
-                <a:cs typeface="Saira Semi Condensed"/>
-                <a:sym typeface="Saira Semi Condensed"/>
-              </a:rPr>
-              <a:t>Martin Martinov</a:t>
-            </a:r>
-            <a:br>
-              <a:rPr lang="en" sz="1800" dirty="0">
-                <a:latin typeface="Saira Semi Condensed"/>
-                <a:ea typeface="Saira Semi Condensed"/>
-                <a:cs typeface="Saira Semi Condensed"/>
-                <a:sym typeface="Saira Semi Condensed"/>
-              </a:rPr>
-            </a:br>
-            <a:r>
-              <a:rPr lang="en-US" sz="1050" dirty="0">
-                <a:solidFill>
-                  <a:schemeClr val="dk2"/>
-                </a:solidFill>
-                <a:latin typeface="Saira Semi Condensed"/>
-                <a:ea typeface="Saira Semi Condensed"/>
-                <a:cs typeface="Saira Semi Condensed"/>
-              </a:rPr>
-              <a:t>Back-End Developer</a:t>
-            </a:r>
-            <a:endParaRPr lang="en-US" sz="1050" dirty="0">
-              <a:solidFill>
-                <a:schemeClr val="dk2"/>
-              </a:solidFill>
-              <a:latin typeface="Saira Semi Condensed"/>
-              <a:ea typeface="Saira Semi Condensed"/>
-              <a:cs typeface="Saira Semi Condensed"/>
-              <a:sym typeface="Saira Semi Condensed"/>
-            </a:endParaRPr>
-          </a:p>
-          <a:p>
-            <a:pPr lvl="0" algn="ctr"/>
-            <a:endParaRPr sz="1050" dirty="0">
-              <a:solidFill>
-                <a:schemeClr val="dk2"/>
-              </a:solidFill>
-              <a:latin typeface="Saira Semi Condensed"/>
-              <a:ea typeface="Saira Semi Condensed"/>
-              <a:cs typeface="Saira Semi Condensed"/>
-              <a:sym typeface="Saira Semi Condensed"/>
-            </a:endParaRPr>
-          </a:p>
-          <a:p>
-            <a:pPr marL="0" lvl="0" indent="0" algn="ctr" rtl="0">
-              <a:spcBef>
-                <a:spcPts val="400"/>
-              </a:spcBef>
-              <a:spcAft>
-                <a:spcPts val="400"/>
-              </a:spcAft>
-              <a:buNone/>
-            </a:pPr>
-            <a:endParaRPr dirty="0">
-              <a:latin typeface="Saira Semi Condensed"/>
-              <a:ea typeface="Saira Semi Condensed"/>
-              <a:cs typeface="Saira Semi Condensed"/>
-              <a:sym typeface="Saira Semi Condensed"/>
-            </a:endParaRPr>
-          </a:p>
-        </p:txBody>
-      </p:sp>
-      <p:sp>
-        <p:nvSpPr>
-          <p:cNvPr id="18" name="Google Shape;859;p45">
-            <a:extLst>
-              <a:ext uri="{FF2B5EF4-FFF2-40B4-BE49-F238E27FC236}">
-                <a16:creationId xmlns:a16="http://schemas.microsoft.com/office/drawing/2014/main" id="{AF2B1F1E-6E04-46A4-BCB4-FAE8EC985CEF}"/>
-              </a:ext>
-            </a:extLst>
-          </p:cNvPr>
-          <p:cNvSpPr txBox="1"/>
-          <p:nvPr/>
-        </p:nvSpPr>
-        <p:spPr>
-          <a:xfrm>
-            <a:off x="6280530" y="3272674"/>
-            <a:ext cx="1489200" cy="734100"/>
-          </a:xfrm>
-          <a:prstGeom prst="rect">
-            <a:avLst/>
-          </a:prstGeom>
-          <a:noFill/>
-          <a:ln>
-            <a:noFill/>
-          </a:ln>
-        </p:spPr>
-        <p:txBody>
-          <a:bodyPr spcFirstLastPara="1" wrap="square" lIns="0" tIns="0" rIns="0" bIns="0" anchor="t" anchorCtr="0">
-            <a:noAutofit/>
-          </a:bodyPr>
-          <a:lstStyle/>
-          <a:p>
-            <a:pPr lvl="0" algn="ctr"/>
-            <a:r>
-              <a:rPr lang="en" sz="1600" b="1" dirty="0">
-                <a:solidFill>
-                  <a:schemeClr val="bg1"/>
-                </a:solidFill>
-                <a:latin typeface="Saira Semi Condensed"/>
-                <a:ea typeface="Saira Semi Condensed"/>
-                <a:cs typeface="Saira Semi Condensed"/>
-                <a:sym typeface="Saira Semi Condensed"/>
-              </a:rPr>
-              <a:t>Kristian Tsvetkov</a:t>
-            </a:r>
-            <a:br>
-              <a:rPr lang="en" sz="1800" dirty="0">
-                <a:latin typeface="Saira Semi Condensed"/>
-                <a:ea typeface="Saira Semi Condensed"/>
-                <a:cs typeface="Saira Semi Condensed"/>
-                <a:sym typeface="Saira Semi Condensed"/>
-              </a:rPr>
-            </a:br>
-            <a:r>
-              <a:rPr lang="en-US" sz="1050" dirty="0">
-                <a:solidFill>
-                  <a:schemeClr val="dk2"/>
-                </a:solidFill>
-                <a:latin typeface="Saira Semi Condensed"/>
-                <a:ea typeface="Saira Semi Condensed"/>
-                <a:cs typeface="Saira Semi Condensed"/>
-              </a:rPr>
-              <a:t>QA Engineer</a:t>
-            </a:r>
-            <a:endParaRPr sz="1050" dirty="0">
-              <a:solidFill>
-                <a:schemeClr val="dk2"/>
-              </a:solidFill>
-              <a:latin typeface="Saira Semi Condensed"/>
-              <a:ea typeface="Saira Semi Condensed"/>
-              <a:cs typeface="Saira Semi Condensed"/>
-              <a:sym typeface="Saira Semi Condensed"/>
-            </a:endParaRPr>
-          </a:p>
-          <a:p>
-            <a:pPr marL="0" lvl="0" indent="0" algn="ctr" rtl="0">
-              <a:spcBef>
-                <a:spcPts val="400"/>
-              </a:spcBef>
-              <a:spcAft>
-                <a:spcPts val="400"/>
-              </a:spcAft>
-              <a:buNone/>
-            </a:pPr>
-            <a:endParaRPr dirty="0">
-              <a:latin typeface="Saira Semi Condensed"/>
-              <a:ea typeface="Saira Semi Condensed"/>
-              <a:cs typeface="Saira Semi Condensed"/>
-              <a:sym typeface="Saira Semi Condensed"/>
+              <a:effectLst/>
+              <a:uLnTx/>
+              <a:uFillTx/>
+              <a:latin typeface="Squada One" panose="020B0604020202020204" charset="0"/>
+              <a:cs typeface="Arial"/>
+              <a:sym typeface="Arial"/>
             </a:endParaRPr>
           </a:p>
         </p:txBody>
       </p:sp>
       <p:pic>
         <p:nvPicPr>
-          <p:cNvPr id="10" name="Картина 9" descr="Картина, която съдържа лице, стена, жена, закрито&#10;&#10;Описанието е генерирано автоматично">
+          <p:cNvPr id="3" name="Picture 2" descr="Diagram&#10;&#10;Description automatically generated">
             <a:extLst>
               <a:ext uri="{FF2B5EF4-FFF2-40B4-BE49-F238E27FC236}">
-                <a16:creationId xmlns:a16="http://schemas.microsoft.com/office/drawing/2014/main" id="{B66034A7-9453-4149-B2FC-F7160C515148}"/>
+                <a16:creationId xmlns:a16="http://schemas.microsoft.com/office/drawing/2014/main" id="{40DA5EA8-5523-DD50-7929-C5ACF3BF5C67}"/>
               </a:ext>
             </a:extLst>
           </p:cNvPr>
@@ -12735,171 +7550,46 @@
           <p:nvPr/>
         </p:nvPicPr>
         <p:blipFill rotWithShape="1">
-          <a:blip r:embed="rId4"/>
-          <a:srcRect l="9536" t="-607" r="9536" b="10655"/>
+          <a:blip r:embed="rId2"/>
+          <a:srcRect l="1" r="2071"/>
           <a:stretch/>
         </p:blipFill>
         <p:spPr>
           <a:xfrm>
-            <a:off x="2543854" y="1450048"/>
-            <a:ext cx="1672623" cy="1713600"/>
+            <a:off x="3083071" y="1340358"/>
+            <a:ext cx="2977856" cy="3337317"/>
           </a:xfrm>
-          <a:prstGeom prst="rect">
-            <a:avLst/>
+          <a:prstGeom prst="round2DiagRect">
+            <a:avLst>
+              <a:gd name="adj1" fmla="val 16667"/>
+              <a:gd name="adj2" fmla="val 0"/>
+            </a:avLst>
           </a:prstGeom>
-        </p:spPr>
-      </p:pic>
-      <p:pic>
-        <p:nvPicPr>
-          <p:cNvPr id="3" name="Picture 2" descr="A person in a blue shirt&#10;&#10;Description automatically generated with medium confidence">
-            <a:extLst>
-              <a:ext uri="{FF2B5EF4-FFF2-40B4-BE49-F238E27FC236}">
-                <a16:creationId xmlns:a16="http://schemas.microsoft.com/office/drawing/2014/main" id="{8BBD0353-6A32-4F45-9591-50E57A9AA32A}"/>
-              </a:ext>
-            </a:extLst>
-          </p:cNvPr>
-          <p:cNvPicPr>
-            <a:picLocks noChangeAspect="1"/>
-          </p:cNvPicPr>
-          <p:nvPr/>
-        </p:nvPicPr>
-        <p:blipFill>
-          <a:blip r:embed="rId5"/>
-          <a:stretch>
-            <a:fillRect/>
-          </a:stretch>
-        </p:blipFill>
-        <p:spPr>
-          <a:xfrm>
-            <a:off x="4366336" y="1450048"/>
-            <a:ext cx="1672622" cy="1713600"/>
-          </a:xfrm>
-          <a:prstGeom prst="rect">
-            <a:avLst/>
-          </a:prstGeom>
-        </p:spPr>
-      </p:pic>
-      <p:pic>
-        <p:nvPicPr>
-          <p:cNvPr id="8" name="Picture 7" descr="A person wearing glasses&#10;&#10;Description automatically generated with medium confidence">
-            <a:extLst>
-              <a:ext uri="{FF2B5EF4-FFF2-40B4-BE49-F238E27FC236}">
-                <a16:creationId xmlns:a16="http://schemas.microsoft.com/office/drawing/2014/main" id="{7516EE1E-C336-419B-8DF7-383591406F96}"/>
-              </a:ext>
-            </a:extLst>
-          </p:cNvPr>
-          <p:cNvPicPr>
-            <a:picLocks noChangeAspect="1"/>
-          </p:cNvPicPr>
-          <p:nvPr/>
-        </p:nvPicPr>
-        <p:blipFill>
-          <a:blip r:embed="rId6"/>
-          <a:stretch>
-            <a:fillRect/>
-          </a:stretch>
-        </p:blipFill>
-        <p:spPr>
-          <a:xfrm>
-            <a:off x="6190808" y="1450048"/>
-            <a:ext cx="1668643" cy="1713600"/>
-          </a:xfrm>
-          <a:prstGeom prst="rect">
-            <a:avLst/>
-          </a:prstGeom>
+          <a:ln w="88900" cap="sq">
+            <a:solidFill>
+              <a:srgbClr val="FFFFFF"/>
+            </a:solidFill>
+            <a:miter lim="800000"/>
+          </a:ln>
+          <a:effectLst>
+            <a:outerShdw blurRad="254000" algn="tl" rotWithShape="0">
+              <a:srgbClr val="000000">
+                <a:alpha val="43000"/>
+              </a:srgbClr>
+            </a:outerShdw>
+          </a:effectLst>
         </p:spPr>
       </p:pic>
     </p:spTree>
+    <p:extLst>
+      <p:ext uri="{BB962C8B-B14F-4D97-AF65-F5344CB8AC3E}">
+        <p14:creationId xmlns:p14="http://schemas.microsoft.com/office/powerpoint/2010/main" val="1992394196"/>
+      </p:ext>
+    </p:extLst>
   </p:cSld>
   <p:clrMapOvr>
     <a:masterClrMapping/>
   </p:clrMapOvr>
-  <p:timing>
-    <p:tnLst>
-      <p:par>
-        <p:cTn id="1" dur="indefinite" restart="never" nodeType="tmRoot">
-          <p:childTnLst>
-            <p:seq concurrent="1" nextAc="seek">
-              <p:cTn id="2" dur="indefinite" nodeType="mainSeq">
-                <p:childTnLst>
-                  <p:par>
-                    <p:cTn id="3" fill="hold">
-                      <p:stCondLst>
-                        <p:cond delay="indefinite"/>
-                        <p:cond evt="onBegin" delay="0">
-                          <p:tn val="2"/>
-                        </p:cond>
-                      </p:stCondLst>
-                      <p:childTnLst>
-                        <p:par>
-                          <p:cTn id="4" fill="hold">
-                            <p:stCondLst>
-                              <p:cond delay="0"/>
-                            </p:stCondLst>
-                            <p:childTnLst>
-                              <p:par>
-                                <p:cTn id="5" presetID="10" presetClass="entr" presetSubtype="0" fill="hold" nodeType="withEffect">
-                                  <p:stCondLst>
-                                    <p:cond delay="3500"/>
-                                  </p:stCondLst>
-                                  <p:childTnLst>
-                                    <p:set>
-                                      <p:cBhvr>
-                                        <p:cTn id="6" dur="1" fill="hold">
-                                          <p:stCondLst>
-                                            <p:cond delay="0"/>
-                                          </p:stCondLst>
-                                        </p:cTn>
-                                        <p:tgtEl>
-                                          <p:spTgt spid="4"/>
-                                        </p:tgtEl>
-                                        <p:attrNameLst>
-                                          <p:attrName>style.visibility</p:attrName>
-                                        </p:attrNameLst>
-                                      </p:cBhvr>
-                                      <p:to>
-                                        <p:strVal val="visible"/>
-                                      </p:to>
-                                    </p:set>
-                                    <p:animEffect transition="in" filter="fade">
-                                      <p:cBhvr>
-                                        <p:cTn id="7" dur="500"/>
-                                        <p:tgtEl>
-                                          <p:spTgt spid="4"/>
-                                        </p:tgtEl>
-                                      </p:cBhvr>
-                                    </p:animEffect>
-                                  </p:childTnLst>
-                                </p:cTn>
-                              </p:par>
-                            </p:childTnLst>
-                          </p:cTn>
-                        </p:par>
-                      </p:childTnLst>
-                    </p:cTn>
-                  </p:par>
-                </p:childTnLst>
-              </p:cTn>
-              <p:prevCondLst>
-                <p:cond evt="onPrev" delay="0">
-                  <p:tgtEl>
-                    <p:sldTgt/>
-                  </p:tgtEl>
-                </p:cond>
-              </p:prevCondLst>
-              <p:nextCondLst>
-                <p:cond evt="onNext" delay="0">
-                  <p:tgtEl>
-                    <p:sldTgt/>
-                  </p:tgtEl>
-                </p:cond>
-              </p:nextCondLst>
-            </p:seq>
-          </p:childTnLst>
-        </p:cTn>
-      </p:par>
-    </p:tnLst>
-  </p:timing>
 </p:sld>
 </file>
 
@@ -13225,10 +7915,10 @@
       </p:sp>
       <p:pic>
         <p:nvPicPr>
-          <p:cNvPr id="9" name="Picture 2" descr="Microsoft Teams Logo, history, meaning, symbol, PNG">
+          <p:cNvPr id="10" name="Picture 4" descr="Visual Studio logo and symbol, meaning, history, PNG">
             <a:extLst>
               <a:ext uri="{FF2B5EF4-FFF2-40B4-BE49-F238E27FC236}">
-                <a16:creationId xmlns:a16="http://schemas.microsoft.com/office/drawing/2014/main" id="{3BD0CC30-7400-48C4-8C81-16DEB50894FF}"/>
+                <a16:creationId xmlns:a16="http://schemas.microsoft.com/office/drawing/2014/main" id="{EF096AA7-6665-439F-A115-D939C210E191}"/>
               </a:ext>
             </a:extLst>
           </p:cNvPr>
@@ -13252,54 +7942,7 @@
         </p:blipFill>
         <p:spPr bwMode="auto">
           <a:xfrm>
-            <a:off x="0" y="3308568"/>
-            <a:ext cx="2376967" cy="1337044"/>
-          </a:xfrm>
-          <a:prstGeom prst="rect">
-            <a:avLst/>
-          </a:prstGeom>
-          <a:noFill/>
-          <a:extLst>
-            <a:ext uri="{909E8E84-426E-40DD-AFC4-6F175D3DCCD1}">
-              <a14:hiddenFill xmlns:a14="http://schemas.microsoft.com/office/drawing/2010/main">
-                <a:solidFill>
-                  <a:srgbClr val="FFFFFF"/>
-                </a:solidFill>
-              </a14:hiddenFill>
-            </a:ext>
-          </a:extLst>
-        </p:spPr>
-      </p:pic>
-      <p:pic>
-        <p:nvPicPr>
-          <p:cNvPr id="10" name="Picture 4" descr="Visual Studio logo and symbol, meaning, history, PNG">
-            <a:extLst>
-              <a:ext uri="{FF2B5EF4-FFF2-40B4-BE49-F238E27FC236}">
-                <a16:creationId xmlns:a16="http://schemas.microsoft.com/office/drawing/2014/main" id="{EF096AA7-6665-439F-A115-D939C210E191}"/>
-              </a:ext>
-            </a:extLst>
-          </p:cNvPr>
-          <p:cNvPicPr>
-            <a:picLocks noChangeAspect="1" noChangeArrowheads="1"/>
-          </p:cNvPicPr>
-          <p:nvPr/>
-        </p:nvPicPr>
-        <p:blipFill>
-          <a:blip r:embed="rId4">
-            <a:extLst>
-              <a:ext uri="{28A0092B-C50C-407E-A947-70E740481C1C}">
-                <a14:useLocalDpi xmlns:a14="http://schemas.microsoft.com/office/drawing/2010/main" val="0"/>
-              </a:ext>
-            </a:extLst>
-          </a:blip>
-          <a:srcRect/>
-          <a:stretch>
-            <a:fillRect/>
-          </a:stretch>
-        </p:blipFill>
-        <p:spPr bwMode="auto">
-          <a:xfrm>
-            <a:off x="46312" y="1613601"/>
+            <a:off x="785900" y="1590249"/>
             <a:ext cx="2284341" cy="1427715"/>
           </a:xfrm>
           <a:prstGeom prst="rect">
@@ -13332,7 +7975,7 @@
           <p:nvPr/>
         </p:nvPicPr>
         <p:blipFill>
-          <a:blip r:embed="rId5">
+          <a:blip r:embed="rId4">
             <a:lum bright="70000" contrast="-70000"/>
             <a:extLst>
               <a:ext uri="{28A0092B-C50C-407E-A947-70E740481C1C}">
@@ -13347,7 +7990,7 @@
         </p:blipFill>
         <p:spPr bwMode="auto">
           <a:xfrm>
-            <a:off x="5028439" y="3388079"/>
+            <a:off x="2805596" y="3169318"/>
             <a:ext cx="1257533" cy="1257533"/>
           </a:xfrm>
           <a:prstGeom prst="rect">
@@ -13380,7 +8023,7 @@
           <p:nvPr/>
         </p:nvPicPr>
         <p:blipFill>
-          <a:blip r:embed="rId6">
+          <a:blip r:embed="rId5">
             <a:extLst>
               <a:ext uri="{28A0092B-C50C-407E-A947-70E740481C1C}">
                 <a14:useLocalDpi xmlns:a14="http://schemas.microsoft.com/office/drawing/2010/main" val="0"/>
@@ -13394,7 +8037,7 @@
         </p:blipFill>
         <p:spPr bwMode="auto">
           <a:xfrm>
-            <a:off x="7277516" y="3534046"/>
+            <a:off x="5259761" y="3297558"/>
             <a:ext cx="1132152" cy="1111566"/>
           </a:xfrm>
           <a:prstGeom prst="rect">
@@ -13427,11 +8070,11 @@
           <p:nvPr/>
         </p:nvPicPr>
         <p:blipFill rotWithShape="1">
-          <a:blip r:embed="rId7">
+          <a:blip r:embed="rId6">
             <a:extLst>
               <a:ext uri="{BEBA8EAE-BF5A-486C-A8C5-ECC9F3942E4B}">
                 <a14:imgProps xmlns:a14="http://schemas.microsoft.com/office/drawing/2010/main">
-                  <a14:imgLayer r:embed="rId8">
+                  <a14:imgLayer r:embed="rId7">
                     <a14:imgEffect>
                       <a14:backgroundRemoval t="2400" b="99400" l="30240" r="69760">
                         <a14:foregroundMark x1="59440" y1="36600" x2="60160" y2="31400"/>
@@ -13460,55 +8103,8 @@
         </p:blipFill>
         <p:spPr bwMode="auto">
           <a:xfrm>
-            <a:off x="2805160" y="1613601"/>
+            <a:off x="3763212" y="1589562"/>
             <a:ext cx="1375525" cy="1290491"/>
-          </a:xfrm>
-          <a:prstGeom prst="rect">
-            <a:avLst/>
-          </a:prstGeom>
-          <a:noFill/>
-          <a:extLst>
-            <a:ext uri="{909E8E84-426E-40DD-AFC4-6F175D3DCCD1}">
-              <a14:hiddenFill xmlns:a14="http://schemas.microsoft.com/office/drawing/2010/main">
-                <a:solidFill>
-                  <a:srgbClr val="FFFFFF"/>
-                </a:solidFill>
-              </a14:hiddenFill>
-            </a:ext>
-          </a:extLst>
-        </p:spPr>
-      </p:pic>
-      <p:pic>
-        <p:nvPicPr>
-          <p:cNvPr id="1028" name="Picture 4" descr="Discord Logo - PNG and Vector - Logo Download">
-            <a:extLst>
-              <a:ext uri="{FF2B5EF4-FFF2-40B4-BE49-F238E27FC236}">
-                <a16:creationId xmlns:a16="http://schemas.microsoft.com/office/drawing/2014/main" id="{73CDA3E4-BE23-4D76-8DD9-20AB8E6B8E93}"/>
-              </a:ext>
-            </a:extLst>
-          </p:cNvPr>
-          <p:cNvPicPr>
-            <a:picLocks noChangeAspect="1" noChangeArrowheads="1"/>
-          </p:cNvPicPr>
-          <p:nvPr/>
-        </p:nvPicPr>
-        <p:blipFill>
-          <a:blip r:embed="rId9">
-            <a:extLst>
-              <a:ext uri="{28A0092B-C50C-407E-A947-70E740481C1C}">
-                <a14:useLocalDpi xmlns:a14="http://schemas.microsoft.com/office/drawing/2010/main" val="0"/>
-              </a:ext>
-            </a:extLst>
-          </a:blip>
-          <a:srcRect/>
-          <a:stretch>
-            <a:fillRect/>
-          </a:stretch>
-        </p:blipFill>
-        <p:spPr bwMode="auto">
-          <a:xfrm>
-            <a:off x="2805160" y="3297558"/>
-            <a:ext cx="1348054" cy="1348054"/>
           </a:xfrm>
           <a:prstGeom prst="rect">
             <a:avLst/>
@@ -13540,7 +8136,7 @@
           <p:nvPr/>
         </p:nvPicPr>
         <p:blipFill>
-          <a:blip r:embed="rId10">
+          <a:blip r:embed="rId8">
             <a:extLst>
               <a:ext uri="{28A0092B-C50C-407E-A947-70E740481C1C}">
                 <a14:useLocalDpi xmlns:a14="http://schemas.microsoft.com/office/drawing/2010/main" val="0"/>
@@ -13554,63 +8150,8 @@
         </p:blipFill>
         <p:spPr bwMode="auto">
           <a:xfrm>
-            <a:off x="4791993" y="1464465"/>
+            <a:off x="6338405" y="1438895"/>
             <a:ext cx="1730423" cy="1730423"/>
-          </a:xfrm>
-          <a:prstGeom prst="rect">
-            <a:avLst/>
-          </a:prstGeom>
-          <a:noFill/>
-          <a:extLst>
-            <a:ext uri="{909E8E84-426E-40DD-AFC4-6F175D3DCCD1}">
-              <a14:hiddenFill xmlns:a14="http://schemas.microsoft.com/office/drawing/2010/main">
-                <a:solidFill>
-                  <a:srgbClr val="FFFFFF"/>
-                </a:solidFill>
-              </a14:hiddenFill>
-            </a:ext>
-          </a:extLst>
-        </p:spPr>
-      </p:pic>
-      <p:pic>
-        <p:nvPicPr>
-          <p:cNvPr id="17" name="Picture 14" descr="TestCaseLab Reviews 2021: Details, Pricing, &amp;amp; Features | G2">
-            <a:extLst>
-              <a:ext uri="{FF2B5EF4-FFF2-40B4-BE49-F238E27FC236}">
-                <a16:creationId xmlns:a16="http://schemas.microsoft.com/office/drawing/2014/main" id="{E356C4EE-B6F5-45DE-A771-4C60ED844E09}"/>
-              </a:ext>
-            </a:extLst>
-          </p:cNvPr>
-          <p:cNvPicPr>
-            <a:picLocks noChangeAspect="1" noChangeArrowheads="1"/>
-          </p:cNvPicPr>
-          <p:nvPr/>
-        </p:nvPicPr>
-        <p:blipFill rotWithShape="1">
-          <a:blip r:embed="rId11">
-            <a:clrChange>
-              <a:clrFrom>
-                <a:srgbClr val="23262D"/>
-              </a:clrFrom>
-              <a:clrTo>
-                <a:srgbClr val="23262D">
-                  <a:alpha val="0"/>
-                </a:srgbClr>
-              </a:clrTo>
-            </a:clrChange>
-            <a:extLst>
-              <a:ext uri="{28A0092B-C50C-407E-A947-70E740481C1C}">
-                <a14:useLocalDpi xmlns:a14="http://schemas.microsoft.com/office/drawing/2010/main" val="0"/>
-              </a:ext>
-            </a:extLst>
-          </a:blip>
-          <a:srcRect l="24320" r="25069"/>
-          <a:stretch/>
-        </p:blipFill>
-        <p:spPr bwMode="auto">
-          <a:xfrm>
-            <a:off x="6990343" y="1464465"/>
-            <a:ext cx="1706497" cy="1770173"/>
           </a:xfrm>
           <a:prstGeom prst="rect">
             <a:avLst/>
@@ -13658,47 +8199,12 @@
                               <p:par>
                                 <p:cTn id="5" presetID="10" presetClass="entr" presetSubtype="0" fill="hold" nodeType="withEffect">
                                   <p:stCondLst>
-                                    <p:cond delay="20000"/>
+                                    <p:cond delay="13000"/>
                                   </p:stCondLst>
                                   <p:childTnLst>
                                     <p:set>
                                       <p:cBhvr>
                                         <p:cTn id="6" dur="1" fill="hold">
-                                          <p:stCondLst>
-                                            <p:cond delay="0"/>
-                                          </p:stCondLst>
-                                        </p:cTn>
-                                        <p:tgtEl>
-                                          <p:spTgt spid="9"/>
-                                        </p:tgtEl>
-                                        <p:attrNameLst>
-                                          <p:attrName>style.visibility</p:attrName>
-                                        </p:attrNameLst>
-                                      </p:cBhvr>
-                                      <p:to>
-                                        <p:strVal val="visible"/>
-                                      </p:to>
-                                    </p:set>
-                                    <p:animEffect transition="in" filter="fade">
-                                      <p:cBhvr>
-                                        <p:cTn id="7" dur="500"/>
-                                        <p:tgtEl>
-                                          <p:spTgt spid="9"/>
-                                        </p:tgtEl>
-                                      </p:cBhvr>
-                                    </p:animEffect>
-                                  </p:childTnLst>
-                                </p:cTn>
-                              </p:par>
-                              <p:par>
-                                <p:cTn id="8" presetID="10" presetClass="entr" presetSubtype="0" fill="hold" nodeType="withEffect">
-                                  <p:stCondLst>
-                                    <p:cond delay="13000"/>
-                                  </p:stCondLst>
-                                  <p:childTnLst>
-                                    <p:set>
-                                      <p:cBhvr>
-                                        <p:cTn id="9" dur="1" fill="hold">
                                           <p:stCondLst>
                                             <p:cond delay="0"/>
                                           </p:stCondLst>
@@ -13716,7 +8222,7 @@
                                     </p:set>
                                     <p:animEffect transition="in" filter="fade">
                                       <p:cBhvr>
-                                        <p:cTn id="10" dur="500"/>
+                                        <p:cTn id="7" dur="500"/>
                                         <p:tgtEl>
                                           <p:spTgt spid="10"/>
                                         </p:tgtEl>
@@ -13726,14 +8232,14 @@
                                 </p:cTn>
                               </p:par>
                               <p:par>
-                                <p:cTn id="11" presetID="10" presetClass="entr" presetSubtype="0" fill="hold" nodeType="withEffect">
+                                <p:cTn id="8" presetID="10" presetClass="entr" presetSubtype="0" fill="hold" nodeType="withEffect">
                                   <p:stCondLst>
                                     <p:cond delay="18200"/>
                                   </p:stCondLst>
                                   <p:childTnLst>
                                     <p:set>
                                       <p:cBhvr>
-                                        <p:cTn id="12" dur="1" fill="hold">
+                                        <p:cTn id="9" dur="1" fill="hold">
                                           <p:stCondLst>
                                             <p:cond delay="0"/>
                                           </p:stCondLst>
@@ -13751,7 +8257,7 @@
                                     </p:set>
                                     <p:animEffect transition="in" filter="fade">
                                       <p:cBhvr>
-                                        <p:cTn id="13" dur="500"/>
+                                        <p:cTn id="10" dur="500"/>
                                         <p:tgtEl>
                                           <p:spTgt spid="11"/>
                                         </p:tgtEl>
@@ -13761,14 +8267,14 @@
                                 </p:cTn>
                               </p:par>
                               <p:par>
-                                <p:cTn id="14" presetID="10" presetClass="entr" presetSubtype="0" fill="hold" nodeType="withEffect">
+                                <p:cTn id="11" presetID="10" presetClass="entr" presetSubtype="0" fill="hold" nodeType="withEffect">
                                   <p:stCondLst>
                                     <p:cond delay="8000"/>
                                   </p:stCondLst>
                                   <p:childTnLst>
                                     <p:set>
                                       <p:cBhvr>
-                                        <p:cTn id="15" dur="1" fill="hold">
+                                        <p:cTn id="12" dur="1" fill="hold">
                                           <p:stCondLst>
                                             <p:cond delay="0"/>
                                           </p:stCondLst>
@@ -13786,7 +8292,7 @@
                                     </p:set>
                                     <p:animEffect transition="in" filter="fade">
                                       <p:cBhvr>
-                                        <p:cTn id="16" dur="500"/>
+                                        <p:cTn id="13" dur="500"/>
                                         <p:tgtEl>
                                           <p:spTgt spid="12"/>
                                         </p:tgtEl>
@@ -13796,14 +8302,14 @@
                                 </p:cTn>
                               </p:par>
                               <p:par>
-                                <p:cTn id="17" presetID="10" presetClass="entr" presetSubtype="0" fill="hold" nodeType="withEffect">
+                                <p:cTn id="14" presetID="10" presetClass="entr" presetSubtype="0" fill="hold" nodeType="withEffect">
                                   <p:stCondLst>
                                     <p:cond delay="8500"/>
                                   </p:stCondLst>
                                   <p:childTnLst>
                                     <p:set>
                                       <p:cBhvr>
-                                        <p:cTn id="18" dur="1" fill="hold">
+                                        <p:cTn id="15" dur="1" fill="hold">
                                           <p:stCondLst>
                                             <p:cond delay="0"/>
                                           </p:stCondLst>
@@ -13821,44 +8327,9 @@
                                     </p:set>
                                     <p:animEffect transition="in" filter="fade">
                                       <p:cBhvr>
-                                        <p:cTn id="19" dur="500"/>
+                                        <p:cTn id="16" dur="500"/>
                                         <p:tgtEl>
                                           <p:spTgt spid="13"/>
-                                        </p:tgtEl>
-                                      </p:cBhvr>
-                                    </p:animEffect>
-                                  </p:childTnLst>
-                                </p:cTn>
-                              </p:par>
-                              <p:par>
-                                <p:cTn id="20" presetID="10" presetClass="entr" presetSubtype="0" fill="hold" nodeType="withEffect">
-                                  <p:stCondLst>
-                                    <p:cond delay="5000"/>
-                                  </p:stCondLst>
-                                  <p:childTnLst>
-                                    <p:set>
-                                      <p:cBhvr>
-                                        <p:cTn id="21" dur="1" fill="hold">
-                                          <p:stCondLst>
-                                            <p:cond delay="0"/>
-                                          </p:stCondLst>
-                                        </p:cTn>
-                                        <p:tgtEl>
-                                          <p:spTgt spid="17"/>
-                                        </p:tgtEl>
-                                        <p:attrNameLst>
-                                          <p:attrName>style.visibility</p:attrName>
-                                        </p:attrNameLst>
-                                      </p:cBhvr>
-                                      <p:to>
-                                        <p:strVal val="visible"/>
-                                      </p:to>
-                                    </p:set>
-                                    <p:animEffect transition="in" filter="fade">
-                                      <p:cBhvr>
-                                        <p:cTn id="22" dur="500"/>
-                                        <p:tgtEl>
-                                          <p:spTgt spid="17"/>
                                         </p:tgtEl>
                                       </p:cBhvr>
                                     </p:animEffect>
@@ -13897,409 +8368,6 @@
 </file>
 
 <file path=ppt/slides/slide4.xml><?xml version="1.0" encoding="utf-8"?>
-<p:sld xmlns:a="http://schemas.openxmlformats.org/drawingml/2006/main" xmlns:r="http://schemas.openxmlformats.org/officeDocument/2006/relationships" xmlns:p="http://schemas.openxmlformats.org/presentationml/2006/main">
-  <p:cSld>
-    <p:spTree>
-      <p:nvGrpSpPr>
-        <p:cNvPr id="1" name="Shape 330"/>
-        <p:cNvGrpSpPr/>
-        <p:nvPr/>
-      </p:nvGrpSpPr>
-      <p:grpSpPr>
-        <a:xfrm>
-          <a:off x="0" y="0"/>
-          <a:ext cx="0" cy="0"/>
-          <a:chOff x="0" y="0"/>
-          <a:chExt cx="0" cy="0"/>
-        </a:xfrm>
-      </p:grpSpPr>
-      <p:sp>
-        <p:nvSpPr>
-          <p:cNvPr id="331" name="Google Shape;331;p34"/>
-          <p:cNvSpPr txBox="1">
-            <a:spLocks noGrp="1"/>
-          </p:cNvSpPr>
-          <p:nvPr>
-            <p:ph type="subTitle" idx="1"/>
-          </p:nvPr>
-        </p:nvSpPr>
-        <p:spPr>
-          <a:xfrm flipH="1">
-            <a:off x="2406290" y="1389099"/>
-            <a:ext cx="6451500" cy="561600"/>
-          </a:xfrm>
-          <a:prstGeom prst="rect">
-            <a:avLst/>
-          </a:prstGeom>
-        </p:spPr>
-        <p:txBody>
-          <a:bodyPr spcFirstLastPara="1" wrap="square" lIns="68575" tIns="34275" rIns="68575" bIns="34275" anchor="b" anchorCtr="0">
-            <a:noAutofit/>
-          </a:bodyPr>
-          <a:lstStyle/>
-          <a:p>
-            <a:pPr marL="0" lvl="0" indent="0" algn="l" rtl="0">
-              <a:spcBef>
-                <a:spcPts val="800"/>
-              </a:spcBef>
-              <a:spcAft>
-                <a:spcPts val="0"/>
-              </a:spcAft>
-              <a:buNone/>
-            </a:pPr>
-            <a:r>
-              <a:rPr lang="es-ES" dirty="0"/>
-              <a:t>Mind storming</a:t>
-            </a:r>
-            <a:endParaRPr dirty="0"/>
-          </a:p>
-        </p:txBody>
-      </p:sp>
-      <p:sp>
-        <p:nvSpPr>
-          <p:cNvPr id="332" name="Google Shape;332;p34"/>
-          <p:cNvSpPr txBox="1">
-            <a:spLocks noGrp="1"/>
-          </p:cNvSpPr>
-          <p:nvPr>
-            <p:ph type="subTitle" idx="2"/>
-          </p:nvPr>
-        </p:nvSpPr>
-        <p:spPr>
-          <a:xfrm flipH="1">
-            <a:off x="2406290" y="2108561"/>
-            <a:ext cx="6451500" cy="561600"/>
-          </a:xfrm>
-          <a:prstGeom prst="rect">
-            <a:avLst/>
-          </a:prstGeom>
-        </p:spPr>
-        <p:txBody>
-          <a:bodyPr spcFirstLastPara="1" wrap="square" lIns="68575" tIns="34275" rIns="68575" bIns="34275" anchor="b" anchorCtr="0">
-            <a:noAutofit/>
-          </a:bodyPr>
-          <a:lstStyle/>
-          <a:p>
-            <a:pPr marL="0" lvl="0" indent="0" algn="l" rtl="0">
-              <a:spcBef>
-                <a:spcPts val="800"/>
-              </a:spcBef>
-              <a:spcAft>
-                <a:spcPts val="0"/>
-              </a:spcAft>
-              <a:buNone/>
-            </a:pPr>
-            <a:r>
-              <a:rPr lang="es-ES" dirty="0"/>
-              <a:t>Workflow organization</a:t>
-            </a:r>
-            <a:endParaRPr dirty="0"/>
-          </a:p>
-        </p:txBody>
-      </p:sp>
-      <p:sp>
-        <p:nvSpPr>
-          <p:cNvPr id="333" name="Google Shape;333;p34"/>
-          <p:cNvSpPr txBox="1">
-            <a:spLocks noGrp="1"/>
-          </p:cNvSpPr>
-          <p:nvPr>
-            <p:ph type="subTitle" idx="3"/>
-          </p:nvPr>
-        </p:nvSpPr>
-        <p:spPr>
-          <a:xfrm flipH="1">
-            <a:off x="2406290" y="2810183"/>
-            <a:ext cx="6451500" cy="561600"/>
-          </a:xfrm>
-          <a:prstGeom prst="rect">
-            <a:avLst/>
-          </a:prstGeom>
-        </p:spPr>
-        <p:txBody>
-          <a:bodyPr spcFirstLastPara="1" wrap="square" lIns="68575" tIns="34275" rIns="68575" bIns="34275" anchor="b" anchorCtr="0">
-            <a:noAutofit/>
-          </a:bodyPr>
-          <a:lstStyle/>
-          <a:p>
-            <a:pPr marL="0" lvl="0" indent="0" algn="l" rtl="0">
-              <a:spcBef>
-                <a:spcPts val="800"/>
-              </a:spcBef>
-              <a:spcAft>
-                <a:spcPts val="0"/>
-              </a:spcAft>
-              <a:buNone/>
-            </a:pPr>
-            <a:r>
-              <a:rPr lang="es-ES" dirty="0"/>
-              <a:t>Realization</a:t>
-            </a:r>
-            <a:endParaRPr dirty="0"/>
-          </a:p>
-        </p:txBody>
-      </p:sp>
-      <p:sp>
-        <p:nvSpPr>
-          <p:cNvPr id="337" name="Google Shape;337;p34"/>
-          <p:cNvSpPr txBox="1">
-            <a:spLocks noGrp="1"/>
-          </p:cNvSpPr>
-          <p:nvPr>
-            <p:ph type="ctrTitle"/>
-          </p:nvPr>
-        </p:nvSpPr>
-        <p:spPr>
-          <a:xfrm>
-            <a:off x="2179674" y="338699"/>
-            <a:ext cx="4659726" cy="946200"/>
-          </a:xfrm>
-          <a:prstGeom prst="rect">
-            <a:avLst/>
-          </a:prstGeom>
-        </p:spPr>
-        <p:txBody>
-          <a:bodyPr spcFirstLastPara="1" wrap="square" lIns="68575" tIns="34275" rIns="68575" bIns="34275" anchor="ctr" anchorCtr="0">
-            <a:noAutofit/>
-          </a:bodyPr>
-          <a:lstStyle/>
-          <a:p>
-            <a:pPr marL="0" lvl="0" indent="0" algn="r" rtl="0">
-              <a:spcBef>
-                <a:spcPts val="0"/>
-              </a:spcBef>
-              <a:spcAft>
-                <a:spcPts val="0"/>
-              </a:spcAft>
-              <a:buNone/>
-            </a:pPr>
-            <a:r>
-              <a:rPr lang="es-ES" sz="4400" dirty="0"/>
-              <a:t>Stages of realization</a:t>
-            </a:r>
-            <a:endParaRPr sz="4400" b="0" dirty="0"/>
-          </a:p>
-        </p:txBody>
-      </p:sp>
-      <p:sp>
-        <p:nvSpPr>
-          <p:cNvPr id="338" name="Google Shape;338;p34"/>
-          <p:cNvSpPr txBox="1">
-            <a:spLocks noGrp="1"/>
-          </p:cNvSpPr>
-          <p:nvPr>
-            <p:ph type="title" idx="7"/>
-          </p:nvPr>
-        </p:nvSpPr>
-        <p:spPr>
-          <a:xfrm>
-            <a:off x="1109465" y="1624139"/>
-            <a:ext cx="1230600" cy="454500"/>
-          </a:xfrm>
-          <a:prstGeom prst="rect">
-            <a:avLst/>
-          </a:prstGeom>
-        </p:spPr>
-        <p:txBody>
-          <a:bodyPr spcFirstLastPara="1" wrap="square" lIns="68575" tIns="34275" rIns="68575" bIns="34275" anchor="t" anchorCtr="0">
-            <a:noAutofit/>
-          </a:bodyPr>
-          <a:lstStyle/>
-          <a:p>
-            <a:pPr marL="0" lvl="0" indent="0" algn="r" rtl="0">
-              <a:spcBef>
-                <a:spcPts val="0"/>
-              </a:spcBef>
-              <a:spcAft>
-                <a:spcPts val="0"/>
-              </a:spcAft>
-              <a:buNone/>
-            </a:pPr>
-            <a:r>
-              <a:rPr lang="es-ES" b="0"/>
-              <a:t>01</a:t>
-            </a:r>
-            <a:endParaRPr b="0"/>
-          </a:p>
-        </p:txBody>
-      </p:sp>
-      <p:sp>
-        <p:nvSpPr>
-          <p:cNvPr id="339" name="Google Shape;339;p34"/>
-          <p:cNvSpPr txBox="1">
-            <a:spLocks noGrp="1"/>
-          </p:cNvSpPr>
-          <p:nvPr>
-            <p:ph type="title" idx="8"/>
-          </p:nvPr>
-        </p:nvSpPr>
-        <p:spPr>
-          <a:xfrm>
-            <a:off x="1109465" y="2340911"/>
-            <a:ext cx="1230600" cy="454500"/>
-          </a:xfrm>
-          <a:prstGeom prst="rect">
-            <a:avLst/>
-          </a:prstGeom>
-        </p:spPr>
-        <p:txBody>
-          <a:bodyPr spcFirstLastPara="1" wrap="square" lIns="68575" tIns="34275" rIns="68575" bIns="34275" anchor="t" anchorCtr="0">
-            <a:noAutofit/>
-          </a:bodyPr>
-          <a:lstStyle/>
-          <a:p>
-            <a:pPr marL="0" lvl="0" indent="0" algn="r" rtl="0">
-              <a:spcBef>
-                <a:spcPts val="0"/>
-              </a:spcBef>
-              <a:spcAft>
-                <a:spcPts val="0"/>
-              </a:spcAft>
-              <a:buNone/>
-            </a:pPr>
-            <a:r>
-              <a:rPr lang="es-ES" b="0"/>
-              <a:t>02</a:t>
-            </a:r>
-            <a:endParaRPr b="0"/>
-          </a:p>
-        </p:txBody>
-      </p:sp>
-      <p:sp>
-        <p:nvSpPr>
-          <p:cNvPr id="340" name="Google Shape;340;p34"/>
-          <p:cNvSpPr txBox="1">
-            <a:spLocks noGrp="1"/>
-          </p:cNvSpPr>
-          <p:nvPr>
-            <p:ph type="title" idx="9"/>
-          </p:nvPr>
-        </p:nvSpPr>
-        <p:spPr>
-          <a:xfrm>
-            <a:off x="1109465" y="3061516"/>
-            <a:ext cx="1230600" cy="454500"/>
-          </a:xfrm>
-          <a:prstGeom prst="rect">
-            <a:avLst/>
-          </a:prstGeom>
-        </p:spPr>
-        <p:txBody>
-          <a:bodyPr spcFirstLastPara="1" wrap="square" lIns="68575" tIns="34275" rIns="68575" bIns="34275" anchor="t" anchorCtr="0">
-            <a:noAutofit/>
-          </a:bodyPr>
-          <a:lstStyle/>
-          <a:p>
-            <a:pPr marL="0" lvl="0" indent="0" algn="r" rtl="0">
-              <a:spcBef>
-                <a:spcPts val="0"/>
-              </a:spcBef>
-              <a:spcAft>
-                <a:spcPts val="0"/>
-              </a:spcAft>
-              <a:buNone/>
-            </a:pPr>
-            <a:r>
-              <a:rPr lang="es-ES" b="0"/>
-              <a:t>03</a:t>
-            </a:r>
-            <a:endParaRPr b="0"/>
-          </a:p>
-        </p:txBody>
-      </p:sp>
-      <p:sp>
-        <p:nvSpPr>
-          <p:cNvPr id="342" name="Google Shape;342;p34"/>
-          <p:cNvSpPr txBox="1">
-            <a:spLocks noGrp="1"/>
-          </p:cNvSpPr>
-          <p:nvPr>
-            <p:ph type="title" idx="15"/>
-          </p:nvPr>
-        </p:nvSpPr>
-        <p:spPr>
-          <a:xfrm>
-            <a:off x="1109465" y="3831516"/>
-            <a:ext cx="1230600" cy="454500"/>
-          </a:xfrm>
-          <a:prstGeom prst="rect">
-            <a:avLst/>
-          </a:prstGeom>
-        </p:spPr>
-        <p:txBody>
-          <a:bodyPr spcFirstLastPara="1" wrap="square" lIns="68575" tIns="34275" rIns="68575" bIns="34275" anchor="t" anchorCtr="0">
-            <a:noAutofit/>
-          </a:bodyPr>
-          <a:lstStyle/>
-          <a:p>
-            <a:pPr marL="0" lvl="0" indent="0" algn="r" rtl="0">
-              <a:spcBef>
-                <a:spcPts val="0"/>
-              </a:spcBef>
-              <a:spcAft>
-                <a:spcPts val="0"/>
-              </a:spcAft>
-              <a:buNone/>
-            </a:pPr>
-            <a:r>
-              <a:rPr lang="es-ES" b="0" dirty="0"/>
-              <a:t>04</a:t>
-            </a:r>
-            <a:endParaRPr b="0" dirty="0"/>
-          </a:p>
-        </p:txBody>
-      </p:sp>
-      <p:sp>
-        <p:nvSpPr>
-          <p:cNvPr id="343" name="Google Shape;343;p34"/>
-          <p:cNvSpPr txBox="1">
-            <a:spLocks noGrp="1"/>
-          </p:cNvSpPr>
-          <p:nvPr>
-            <p:ph type="subTitle" idx="13"/>
-          </p:nvPr>
-        </p:nvSpPr>
-        <p:spPr>
-          <a:xfrm flipH="1">
-            <a:off x="2406290" y="3580183"/>
-            <a:ext cx="6451500" cy="561600"/>
-          </a:xfrm>
-          <a:prstGeom prst="rect">
-            <a:avLst/>
-          </a:prstGeom>
-        </p:spPr>
-        <p:txBody>
-          <a:bodyPr spcFirstLastPara="1" wrap="square" lIns="68575" tIns="34275" rIns="68575" bIns="34275" anchor="b" anchorCtr="0">
-            <a:noAutofit/>
-          </a:bodyPr>
-          <a:lstStyle/>
-          <a:p>
-            <a:pPr marL="0" lvl="0" indent="0" algn="l" rtl="0">
-              <a:spcBef>
-                <a:spcPts val="800"/>
-              </a:spcBef>
-              <a:spcAft>
-                <a:spcPts val="0"/>
-              </a:spcAft>
-              <a:buNone/>
-            </a:pPr>
-            <a:r>
-              <a:rPr lang="es-ES" dirty="0"/>
-              <a:t>Testing</a:t>
-            </a:r>
-            <a:endParaRPr dirty="0"/>
-          </a:p>
-        </p:txBody>
-      </p:sp>
-    </p:spTree>
-  </p:cSld>
-  <p:clrMapOvr>
-    <a:masterClrMapping/>
-  </p:clrMapOvr>
-</p:sld>
-</file>
-
-<file path=ppt/slides/slide5.xml><?xml version="1.0" encoding="utf-8"?>
 <p:sld xmlns:a="http://schemas.openxmlformats.org/drawingml/2006/main" xmlns:r="http://schemas.openxmlformats.org/officeDocument/2006/relationships" xmlns:p="http://schemas.openxmlformats.org/presentationml/2006/main">
   <p:cSld>
     <p:spTree>
@@ -15962,7 +10030,7 @@
 </p:sld>
 </file>
 
-<file path=ppt/slides/slide6.xml><?xml version="1.0" encoding="utf-8"?>
+<file path=ppt/slides/slide5.xml><?xml version="1.0" encoding="utf-8"?>
 <p:sld xmlns:a="http://schemas.openxmlformats.org/drawingml/2006/main" xmlns:r="http://schemas.openxmlformats.org/officeDocument/2006/relationships" xmlns:p="http://schemas.openxmlformats.org/presentationml/2006/main">
   <p:cSld>
     <p:spTree>
